--- a/2015/SD103.pptx
+++ b/2015/SD103.pptx
@@ -21,28 +21,28 @@
     <p:sldId id="269" r:id="rId15"/>
     <p:sldId id="274" r:id="rId16"/>
     <p:sldId id="273" r:id="rId17"/>
-    <p:sldId id="275" r:id="rId18"/>
-    <p:sldId id="276" r:id="rId19"/>
-    <p:sldId id="277" r:id="rId20"/>
-    <p:sldId id="278" r:id="rId21"/>
-    <p:sldId id="279" r:id="rId22"/>
-    <p:sldId id="280" r:id="rId23"/>
-    <p:sldId id="281" r:id="rId24"/>
-    <p:sldId id="282" r:id="rId25"/>
-    <p:sldId id="283" r:id="rId26"/>
-    <p:sldId id="284" r:id="rId27"/>
-    <p:sldId id="286" r:id="rId28"/>
-    <p:sldId id="287" r:id="rId29"/>
-    <p:sldId id="285" r:id="rId30"/>
-    <p:sldId id="288" r:id="rId31"/>
-    <p:sldId id="289" r:id="rId32"/>
-    <p:sldId id="290" r:id="rId33"/>
-    <p:sldId id="291" r:id="rId34"/>
-    <p:sldId id="292" r:id="rId35"/>
-    <p:sldId id="293" r:id="rId36"/>
-    <p:sldId id="294" r:id="rId37"/>
-    <p:sldId id="295" r:id="rId38"/>
-    <p:sldId id="296" r:id="rId39"/>
+    <p:sldId id="276" r:id="rId18"/>
+    <p:sldId id="277" r:id="rId19"/>
+    <p:sldId id="278" r:id="rId20"/>
+    <p:sldId id="279" r:id="rId21"/>
+    <p:sldId id="280" r:id="rId22"/>
+    <p:sldId id="281" r:id="rId23"/>
+    <p:sldId id="282" r:id="rId24"/>
+    <p:sldId id="283" r:id="rId25"/>
+    <p:sldId id="284" r:id="rId26"/>
+    <p:sldId id="286" r:id="rId27"/>
+    <p:sldId id="287" r:id="rId28"/>
+    <p:sldId id="285" r:id="rId29"/>
+    <p:sldId id="288" r:id="rId30"/>
+    <p:sldId id="289" r:id="rId31"/>
+    <p:sldId id="290" r:id="rId32"/>
+    <p:sldId id="291" r:id="rId33"/>
+    <p:sldId id="292" r:id="rId34"/>
+    <p:sldId id="293" r:id="rId35"/>
+    <p:sldId id="294" r:id="rId36"/>
+    <p:sldId id="295" r:id="rId37"/>
+    <p:sldId id="296" r:id="rId38"/>
+    <p:sldId id="297" r:id="rId39"/>
   </p:sldIdLst>
   <p:sldSz cx="9144000" cy="6858000" type="screen4x3"/>
   <p:notesSz cx="6858000" cy="9144000"/>
@@ -6627,8 +6627,8 @@
         </p:nvSpPr>
         <p:spPr>
           <a:xfrm>
-            <a:off x="1371600" y="4495800"/>
-            <a:ext cx="6400800" cy="1600200"/>
+            <a:off x="1371600" y="3962400"/>
+            <a:ext cx="6400800" cy="2133600"/>
           </a:xfrm>
         </p:spPr>
         <p:txBody>
@@ -6645,10 +6645,60 @@
               <a:rPr lang="en-US" dirty="0" smtClean="0"/>
               <a:t>d-Wise</a:t>
             </a:r>
+          </a:p>
+          <a:p>
+            <a:r>
+              <a:rPr lang="en-US" sz="1500" i="1" dirty="0">
+                <a:solidFill>
+                  <a:srgbClr val="FF0000"/>
+                </a:solidFill>
+                <a:hlinkClick r:id="rId2"/>
+              </a:rPr>
+              <a:t>https://</a:t>
+            </a:r>
+            <a:r>
+              <a:rPr lang="en-US" sz="1500" i="1" dirty="0" smtClean="0">
+                <a:solidFill>
+                  <a:srgbClr val="FF0000"/>
+                </a:solidFill>
+                <a:hlinkClick r:id="rId2"/>
+              </a:rPr>
+              <a:t>github.com/Jiangtang/SESUG</a:t>
+            </a:r>
             <a:endParaRPr lang="en-US" dirty="0"/>
           </a:p>
         </p:txBody>
       </p:sp>
+      <p:pic>
+        <p:nvPicPr>
+          <p:cNvPr id="7" name="Picture 6"/>
+          <p:cNvPicPr>
+            <a:picLocks noChangeAspect="1"/>
+          </p:cNvPicPr>
+          <p:nvPr/>
+        </p:nvPicPr>
+        <p:blipFill>
+          <a:blip r:embed="rId3">
+            <a:extLst>
+              <a:ext uri="{28A0092B-C50C-407E-A947-70E740481C1C}">
+                <a14:useLocalDpi xmlns:a14="http://schemas.microsoft.com/office/drawing/2010/main" val="0"/>
+              </a:ext>
+            </a:extLst>
+          </a:blip>
+          <a:stretch>
+            <a:fillRect/>
+          </a:stretch>
+        </p:blipFill>
+        <p:spPr>
+          <a:xfrm>
+            <a:off x="6553200" y="3572458"/>
+            <a:ext cx="1905000" cy="1905000"/>
+          </a:xfrm>
+          <a:prstGeom prst="rect">
+            <a:avLst/>
+          </a:prstGeom>
+        </p:spPr>
+      </p:pic>
     </p:spTree>
     <p:extLst>
       <p:ext uri="{BB962C8B-B14F-4D97-AF65-F5344CB8AC3E}">
@@ -6659,6 +6709,13 @@
   <p:clrMapOvr>
     <a:masterClrMapping/>
   </p:clrMapOvr>
+  <p:timing>
+    <p:tnLst>
+      <p:par>
+        <p:cTn id="1" dur="indefinite" restart="never" nodeType="tmRoot"/>
+      </p:par>
+    </p:tnLst>
+  </p:timing>
 </p:sld>
 </file>
 
@@ -7249,7 +7306,7 @@
         </p:blipFill>
         <p:spPr>
           <a:xfrm>
-            <a:off x="990600" y="3048000"/>
+            <a:off x="990600" y="3124200"/>
             <a:ext cx="7162800" cy="2761869"/>
           </a:xfrm>
           <a:prstGeom prst="rect">
@@ -7341,7 +7398,12 @@
             <p:ph idx="1"/>
           </p:nvPr>
         </p:nvSpPr>
-        <p:spPr/>
+        <p:spPr>
+          <a:xfrm>
+            <a:off x="457200" y="1219200"/>
+            <a:ext cx="8229600" cy="4906963"/>
+          </a:xfrm>
+        </p:spPr>
         <p:txBody>
           <a:bodyPr/>
           <a:lstStyle/>
@@ -7433,6 +7495,30 @@
           </a:p>
         </p:txBody>
       </p:sp>
+      <p:pic>
+        <p:nvPicPr>
+          <p:cNvPr id="4" name="Picture 3"/>
+          <p:cNvPicPr>
+            <a:picLocks noChangeAspect="1"/>
+          </p:cNvPicPr>
+          <p:nvPr/>
+        </p:nvPicPr>
+        <p:blipFill>
+          <a:blip r:embed="rId2"/>
+          <a:stretch>
+            <a:fillRect/>
+          </a:stretch>
+        </p:blipFill>
+        <p:spPr>
+          <a:xfrm>
+            <a:off x="2362200" y="3276600"/>
+            <a:ext cx="3743325" cy="3295650"/>
+          </a:xfrm>
+          <a:prstGeom prst="rect">
+            <a:avLst/>
+          </a:prstGeom>
+        </p:spPr>
+      </p:pic>
     </p:spTree>
     <p:extLst>
       <p:ext uri="{BB962C8B-B14F-4D97-AF65-F5344CB8AC3E}">
@@ -7443,6 +7529,13 @@
   <p:clrMapOvr>
     <a:masterClrMapping/>
   </p:clrMapOvr>
+  <p:timing>
+    <p:tnLst>
+      <p:par>
+        <p:cTn id="1" dur="indefinite" restart="never" nodeType="tmRoot"/>
+      </p:par>
+    </p:tnLst>
+  </p:timing>
 </p:sld>
 </file>
 
@@ -7523,30 +7616,77 @@
           <a:lstStyle/>
           <a:p>
             <a:r>
-              <a:rPr lang="en-US" i="1" dirty="0"/>
-              <a:t>p </a:t>
-            </a:r>
+              <a:rPr lang="en-US" dirty="0" smtClean="0"/>
+              <a:t>Pros</a:t>
+            </a:r>
+          </a:p>
+          <a:p>
+            <a:pPr lvl="1"/>
+            <a:r>
+              <a:rPr lang="en-US" dirty="0" smtClean="0"/>
+              <a:t>very popular</a:t>
+            </a:r>
+          </a:p>
+          <a:p>
+            <a:pPr lvl="1"/>
+            <a:r>
+              <a:rPr lang="en-US" dirty="0" smtClean="0"/>
+              <a:t>Easy to understand</a:t>
+            </a:r>
+          </a:p>
+          <a:p>
+            <a:r>
+              <a:rPr lang="en-US" dirty="0" smtClean="0"/>
+              <a:t>Cons</a:t>
+            </a:r>
+          </a:p>
+          <a:p>
+            <a:pPr lvl="1"/>
             <a:r>
               <a:rPr lang="en-US" dirty="0"/>
-              <a:t>± </a:t>
-            </a:r>
-            <a:r>
-              <a:rPr lang="en-US" i="1" dirty="0"/>
-              <a:t>z </a:t>
+              <a:t>not </a:t>
+            </a:r>
+            <a:r>
+              <a:rPr lang="en-US" dirty="0" smtClean="0"/>
+              <a:t>boundary-respecting (</a:t>
             </a:r>
             <a:r>
               <a:rPr lang="en-US" dirty="0"/>
-              <a:t>× </a:t>
+              <a:t>beyond 0 or </a:t>
             </a:r>
             <a:r>
               <a:rPr lang="en-US" dirty="0" smtClean="0"/>
-              <a:t>SE</a:t>
-            </a:r>
-          </a:p>
-          <a:p>
-            <a:pPr marL="0" indent="0">
-              <a:buNone/>
-            </a:pPr>
+              <a:t>1)</a:t>
+            </a:r>
+          </a:p>
+          <a:p>
+            <a:pPr lvl="1"/>
+            <a:r>
+              <a:rPr lang="en-US" dirty="0" smtClean="0"/>
+              <a:t>Degeneracy: </a:t>
+            </a:r>
+            <a:r>
+              <a:rPr lang="en-US" dirty="0"/>
+              <a:t>When p = 0 or 1, </a:t>
+            </a:r>
+            <a:r>
+              <a:rPr lang="en-US" dirty="0" smtClean="0"/>
+              <a:t>#1 will </a:t>
+            </a:r>
+            <a:r>
+              <a:rPr lang="en-US" dirty="0"/>
+              <a:t>get a zero width interval [0, 0]</a:t>
+            </a:r>
+            <a:br>
+              <a:rPr lang="en-US" dirty="0"/>
+            </a:br>
+            <a:r>
+              <a:rPr lang="en-US" dirty="0"/>
+              <a:t/>
+            </a:r>
+            <a:br>
+              <a:rPr lang="en-US" dirty="0"/>
+            </a:br>
             <a:r>
               <a:rPr lang="en-US" dirty="0"/>
               <a:t/>
@@ -7558,34 +7698,10 @@
           </a:p>
         </p:txBody>
       </p:sp>
-      <p:pic>
-        <p:nvPicPr>
-          <p:cNvPr id="4" name="Picture 3"/>
-          <p:cNvPicPr>
-            <a:picLocks noChangeAspect="1"/>
-          </p:cNvPicPr>
-          <p:nvPr/>
-        </p:nvPicPr>
-        <p:blipFill>
-          <a:blip r:embed="rId2"/>
-          <a:stretch>
-            <a:fillRect/>
-          </a:stretch>
-        </p:blipFill>
-        <p:spPr>
-          <a:xfrm>
-            <a:off x="2433637" y="2362200"/>
-            <a:ext cx="3743325" cy="3295650"/>
-          </a:xfrm>
-          <a:prstGeom prst="rect">
-            <a:avLst/>
-          </a:prstGeom>
-        </p:spPr>
-      </p:pic>
     </p:spTree>
     <p:extLst>
       <p:ext uri="{BB962C8B-B14F-4D97-AF65-F5344CB8AC3E}">
-        <p14:creationId xmlns:p14="http://schemas.microsoft.com/office/powerpoint/2010/main" val="1331750993"/>
+        <p14:creationId xmlns:p14="http://schemas.microsoft.com/office/powerpoint/2010/main" val="2100919662"/>
       </p:ext>
     </p:extLst>
   </p:cSld>
@@ -7636,7 +7752,7 @@
           <a:p>
             <a:r>
               <a:rPr lang="en-US" dirty="0" smtClean="0"/>
-              <a:t>#1: Wald </a:t>
+              <a:t>#2: Wald with CC </a:t>
             </a:r>
             <a:r>
               <a:rPr lang="en-US" dirty="0"/>
@@ -7666,76 +7782,40 @@
             <p:ph idx="1"/>
           </p:nvPr>
         </p:nvSpPr>
-        <p:spPr/>
+        <p:spPr>
+          <a:xfrm>
+            <a:off x="457200" y="1219200"/>
+            <a:ext cx="8229600" cy="4906963"/>
+          </a:xfrm>
+        </p:spPr>
         <p:txBody>
           <a:bodyPr/>
           <a:lstStyle/>
           <a:p>
             <a:r>
               <a:rPr lang="en-US" dirty="0" smtClean="0"/>
-              <a:t>Pros</a:t>
-            </a:r>
-          </a:p>
-          <a:p>
-            <a:pPr lvl="1"/>
+              <a:t>CC: </a:t>
+            </a:r>
+            <a:r>
+              <a:rPr lang="en-US" dirty="0"/>
+              <a:t>continuity </a:t>
+            </a:r>
             <a:r>
               <a:rPr lang="en-US" dirty="0" smtClean="0"/>
-              <a:t>very popular</a:t>
-            </a:r>
-          </a:p>
-          <a:p>
-            <a:pPr lvl="1"/>
+              <a:t>correction, </a:t>
+            </a:r>
+            <a:r>
+              <a:rPr lang="en-US" dirty="0"/>
+              <a:t>1 / (2</a:t>
+            </a:r>
+            <a:r>
+              <a:rPr lang="en-US" i="1" dirty="0"/>
+              <a:t>n</a:t>
+            </a:r>
             <a:r>
               <a:rPr lang="en-US" dirty="0" smtClean="0"/>
-              <a:t>Easy to understand</a:t>
-            </a:r>
-          </a:p>
-          <a:p>
-            <a:r>
-              <a:rPr lang="en-US" dirty="0" smtClean="0"/>
-              <a:t>Cons</a:t>
-            </a:r>
-          </a:p>
-          <a:p>
-            <a:pPr lvl="1"/>
-            <a:r>
-              <a:rPr lang="en-US" dirty="0"/>
-              <a:t>not </a:t>
-            </a:r>
-            <a:r>
-              <a:rPr lang="en-US" dirty="0" smtClean="0"/>
-              <a:t>boundary-respecting (</a:t>
-            </a:r>
-            <a:r>
-              <a:rPr lang="en-US" dirty="0"/>
-              <a:t>beyond 0 or </a:t>
-            </a:r>
-            <a:r>
-              <a:rPr lang="en-US" dirty="0" smtClean="0"/>
-              <a:t>1)</a:t>
-            </a:r>
-          </a:p>
-          <a:p>
-            <a:pPr lvl="1"/>
-            <a:r>
-              <a:rPr lang="en-US" dirty="0" smtClean="0"/>
-              <a:t>Degeneracy: </a:t>
-            </a:r>
-            <a:r>
-              <a:rPr lang="en-US" dirty="0"/>
-              <a:t>When p = 0 or 1, </a:t>
-            </a:r>
-            <a:r>
-              <a:rPr lang="en-US" dirty="0" smtClean="0"/>
-              <a:t>#1 will </a:t>
-            </a:r>
-            <a:r>
-              <a:rPr lang="en-US" dirty="0"/>
-              <a:t>get a zero width interval [0, 0]</a:t>
-            </a:r>
-            <a:br>
-              <a:rPr lang="en-US" dirty="0"/>
-            </a:br>
+              <a:t>)</a:t>
+            </a:r>
             <a:r>
               <a:rPr lang="en-US" dirty="0"/>
               <a:t/>
@@ -7754,10 +7834,82 @@
           </a:p>
         </p:txBody>
       </p:sp>
+      <p:pic>
+        <p:nvPicPr>
+          <p:cNvPr id="4" name="Picture 3"/>
+          <p:cNvPicPr>
+            <a:picLocks noChangeAspect="1"/>
+          </p:cNvPicPr>
+          <p:nvPr/>
+        </p:nvPicPr>
+        <p:blipFill>
+          <a:blip r:embed="rId2"/>
+          <a:stretch>
+            <a:fillRect/>
+          </a:stretch>
+        </p:blipFill>
+        <p:spPr>
+          <a:xfrm>
+            <a:off x="457200" y="2374958"/>
+            <a:ext cx="8477250" cy="3718548"/>
+          </a:xfrm>
+          <a:prstGeom prst="rect">
+            <a:avLst/>
+          </a:prstGeom>
+        </p:spPr>
+      </p:pic>
+      <p:pic>
+        <p:nvPicPr>
+          <p:cNvPr id="5" name="Picture 4"/>
+          <p:cNvPicPr>
+            <a:picLocks noChangeAspect="1"/>
+          </p:cNvPicPr>
+          <p:nvPr/>
+        </p:nvPicPr>
+        <p:blipFill>
+          <a:blip r:embed="rId3"/>
+          <a:stretch>
+            <a:fillRect/>
+          </a:stretch>
+        </p:blipFill>
+        <p:spPr>
+          <a:xfrm>
+            <a:off x="5867400" y="1904151"/>
+            <a:ext cx="2514600" cy="438150"/>
+          </a:xfrm>
+          <a:prstGeom prst="rect">
+            <a:avLst/>
+          </a:prstGeom>
+        </p:spPr>
+      </p:pic>
+      <p:pic>
+        <p:nvPicPr>
+          <p:cNvPr id="6" name="Picture 5"/>
+          <p:cNvPicPr>
+            <a:picLocks noChangeAspect="1"/>
+          </p:cNvPicPr>
+          <p:nvPr/>
+        </p:nvPicPr>
+        <p:blipFill>
+          <a:blip r:embed="rId4"/>
+          <a:stretch>
+            <a:fillRect/>
+          </a:stretch>
+        </p:blipFill>
+        <p:spPr>
+          <a:xfrm>
+            <a:off x="2667000" y="2001442"/>
+            <a:ext cx="1162050" cy="352425"/>
+          </a:xfrm>
+          <a:prstGeom prst="rect">
+            <a:avLst/>
+          </a:prstGeom>
+        </p:spPr>
+      </p:pic>
     </p:spTree>
     <p:extLst>
       <p:ext uri="{BB962C8B-B14F-4D97-AF65-F5344CB8AC3E}">
-        <p14:creationId xmlns:p14="http://schemas.microsoft.com/office/powerpoint/2010/main" val="2100919662"/>
+        <p14:creationId xmlns:p14="http://schemas.microsoft.com/office/powerpoint/2010/main" val="2864240377"/>
       </p:ext>
     </p:extLst>
   </p:cSld>
@@ -7845,27 +7997,33 @@
           <a:p>
             <a:r>
               <a:rPr lang="en-US" dirty="0" smtClean="0"/>
-              <a:t>CC: </a:t>
-            </a:r>
-            <a:r>
-              <a:rPr lang="en-US" dirty="0"/>
-              <a:t>continuity </a:t>
-            </a:r>
+              <a:t>Pros: </a:t>
+            </a:r>
+          </a:p>
+          <a:p>
+            <a:pPr lvl="1"/>
             <a:r>
               <a:rPr lang="en-US" dirty="0" smtClean="0"/>
-              <a:t>correction, </a:t>
-            </a:r>
-            <a:r>
-              <a:rPr lang="en-US" dirty="0"/>
-              <a:t>1 / (2</a:t>
-            </a:r>
-            <a:r>
-              <a:rPr lang="en-US" i="1" dirty="0"/>
-              <a:t>n</a:t>
-            </a:r>
+              <a:t>Avoiding degeneracy</a:t>
+            </a:r>
+          </a:p>
+          <a:p>
+            <a:pPr marL="457200" lvl="1" indent="0">
+              <a:buNone/>
+            </a:pPr>
+            <a:endParaRPr lang="en-US" dirty="0" smtClean="0"/>
+          </a:p>
+          <a:p>
             <a:r>
               <a:rPr lang="en-US" dirty="0" smtClean="0"/>
-              <a:t>)</a:t>
+              <a:t>Cons</a:t>
+            </a:r>
+          </a:p>
+          <a:p>
+            <a:pPr lvl="1"/>
+            <a:r>
+              <a:rPr lang="en-US" dirty="0" smtClean="0"/>
+              <a:t>Overshoot (wider than #1)</a:t>
             </a:r>
             <a:r>
               <a:rPr lang="en-US" dirty="0"/>
@@ -7885,58 +8043,10 @@
           </a:p>
         </p:txBody>
       </p:sp>
-      <p:pic>
-        <p:nvPicPr>
-          <p:cNvPr id="4" name="Picture 3"/>
-          <p:cNvPicPr>
-            <a:picLocks noChangeAspect="1"/>
-          </p:cNvPicPr>
-          <p:nvPr/>
-        </p:nvPicPr>
-        <p:blipFill>
-          <a:blip r:embed="rId2"/>
-          <a:stretch>
-            <a:fillRect/>
-          </a:stretch>
-        </p:blipFill>
-        <p:spPr>
-          <a:xfrm>
-            <a:off x="457200" y="2374958"/>
-            <a:ext cx="8477250" cy="3718548"/>
-          </a:xfrm>
-          <a:prstGeom prst="rect">
-            <a:avLst/>
-          </a:prstGeom>
-        </p:spPr>
-      </p:pic>
-      <p:pic>
-        <p:nvPicPr>
-          <p:cNvPr id="5" name="Picture 4"/>
-          <p:cNvPicPr>
-            <a:picLocks noChangeAspect="1"/>
-          </p:cNvPicPr>
-          <p:nvPr/>
-        </p:nvPicPr>
-        <p:blipFill>
-          <a:blip r:embed="rId3"/>
-          <a:stretch>
-            <a:fillRect/>
-          </a:stretch>
-        </p:blipFill>
-        <p:spPr>
-          <a:xfrm>
-            <a:off x="5867400" y="1076325"/>
-            <a:ext cx="2514600" cy="438150"/>
-          </a:xfrm>
-          <a:prstGeom prst="rect">
-            <a:avLst/>
-          </a:prstGeom>
-        </p:spPr>
-      </p:pic>
     </p:spTree>
     <p:extLst>
       <p:ext uri="{BB962C8B-B14F-4D97-AF65-F5344CB8AC3E}">
-        <p14:creationId xmlns:p14="http://schemas.microsoft.com/office/powerpoint/2010/main" val="2864240377"/>
+        <p14:creationId xmlns:p14="http://schemas.microsoft.com/office/powerpoint/2010/main" val="3027969375"/>
       </p:ext>
     </p:extLst>
   </p:cSld>
@@ -7987,7 +8097,7 @@
           <a:p>
             <a:r>
               <a:rPr lang="en-US" dirty="0" smtClean="0"/>
-              <a:t>#2: Wald with CC </a:t>
+              <a:t>#13: Logit</a:t>
             </a:r>
             <a:r>
               <a:rPr lang="en-US" dirty="0"/>
@@ -8024,38 +8134,34 @@
           <a:p>
             <a:r>
               <a:rPr lang="en-US" dirty="0" smtClean="0"/>
-              <a:t>Pros: </a:t>
-            </a:r>
-          </a:p>
-          <a:p>
-            <a:pPr lvl="1"/>
+              <a:t>Similar to #1, Wald (</a:t>
+            </a:r>
+            <a:r>
+              <a:rPr lang="en-US" dirty="0"/>
+              <a:t>p = r / </a:t>
+            </a:r>
             <a:r>
               <a:rPr lang="en-US" dirty="0" smtClean="0"/>
-              <a:t>Avoiding degeneracy</a:t>
-            </a:r>
-          </a:p>
-          <a:p>
+              <a:t>n)</a:t>
+            </a:r>
+          </a:p>
+          <a:p>
+            <a:r>
+              <a:rPr lang="en-US" dirty="0"/>
+              <a:t>logit </a:t>
+            </a:r>
             <a:r>
               <a:rPr lang="en-US" dirty="0" smtClean="0"/>
-              <a:t>Cons</a:t>
-            </a:r>
-          </a:p>
-          <a:p>
-            <a:pPr lvl="1"/>
+              <a:t>transformation: log </a:t>
+            </a:r>
+            <a:r>
+              <a:rPr lang="en-US" dirty="0"/>
+              <a:t>(p / (1-p</a:t>
+            </a:r>
             <a:r>
               <a:rPr lang="en-US" dirty="0" smtClean="0"/>
-              <a:t>Overshoot (wider than #1)</a:t>
-            </a:r>
-          </a:p>
-          <a:p>
-            <a:pPr lvl="1"/>
-            <a:r>
-              <a:rPr lang="en-US" dirty="0"/>
-              <a:t>not boundary-respecting</a:t>
-            </a:r>
-            <a:br>
-              <a:rPr lang="en-US" dirty="0"/>
-            </a:br>
+              <a:t>))</a:t>
+            </a:r>
             <a:r>
               <a:rPr lang="en-US" dirty="0"/>
               <a:t/>
@@ -8067,10 +8173,34 @@
           </a:p>
         </p:txBody>
       </p:sp>
+      <p:pic>
+        <p:nvPicPr>
+          <p:cNvPr id="4" name="Picture 3"/>
+          <p:cNvPicPr>
+            <a:picLocks noChangeAspect="1"/>
+          </p:cNvPicPr>
+          <p:nvPr/>
+        </p:nvPicPr>
+        <p:blipFill>
+          <a:blip r:embed="rId2"/>
+          <a:stretch>
+            <a:fillRect/>
+          </a:stretch>
+        </p:blipFill>
+        <p:spPr>
+          <a:xfrm>
+            <a:off x="633412" y="2971800"/>
+            <a:ext cx="7343775" cy="2828925"/>
+          </a:xfrm>
+          <a:prstGeom prst="rect">
+            <a:avLst/>
+          </a:prstGeom>
+        </p:spPr>
+      </p:pic>
     </p:spTree>
     <p:extLst>
       <p:ext uri="{BB962C8B-B14F-4D97-AF65-F5344CB8AC3E}">
-        <p14:creationId xmlns:p14="http://schemas.microsoft.com/office/powerpoint/2010/main" val="3027969375"/>
+        <p14:creationId xmlns:p14="http://schemas.microsoft.com/office/powerpoint/2010/main" val="4208224420"/>
       </p:ext>
     </p:extLst>
   </p:cSld>
@@ -8248,33 +8378,56 @@
           <a:p>
             <a:r>
               <a:rPr lang="en-US" dirty="0" smtClean="0"/>
-              <a:t>Similar to #1, Wald (</a:t>
-            </a:r>
+              <a:t>Pros</a:t>
+            </a:r>
+          </a:p>
+          <a:p>
+            <a:pPr lvl="1"/>
             <a:r>
               <a:rPr lang="en-US" dirty="0"/>
-              <a:t>p = r / </a:t>
+              <a:t>often used for odds </a:t>
             </a:r>
             <a:r>
               <a:rPr lang="en-US" dirty="0" smtClean="0"/>
-              <a:t>n)</a:t>
-            </a:r>
-          </a:p>
-          <a:p>
+              <a:t>ratios</a:t>
+            </a:r>
+          </a:p>
+          <a:p>
+            <a:pPr marL="457200" lvl="1" indent="0">
+              <a:buNone/>
+            </a:pPr>
+            <a:endParaRPr lang="en-US" dirty="0" smtClean="0"/>
+          </a:p>
+          <a:p>
+            <a:r>
+              <a:rPr lang="en-US" dirty="0" smtClean="0"/>
+              <a:t>Cons</a:t>
+            </a:r>
+          </a:p>
+          <a:p>
+            <a:pPr lvl="1"/>
             <a:r>
               <a:rPr lang="en-US" dirty="0"/>
-              <a:t>logit </a:t>
+              <a:t>not guaranteed satisfactory when n is small or</a:t>
+            </a:r>
+            <a:br>
+              <a:rPr lang="en-US" dirty="0"/>
+            </a:br>
+            <a:r>
+              <a:rPr lang="en-US" dirty="0"/>
+              <a:t>p is close to 0 or </a:t>
             </a:r>
             <a:r>
               <a:rPr lang="en-US" dirty="0" smtClean="0"/>
-              <a:t>transformation: log </a:t>
+              <a:t>1</a:t>
             </a:r>
             <a:r>
               <a:rPr lang="en-US" dirty="0"/>
-              <a:t>(p / (1-p</a:t>
+              <a:t> </a:t>
             </a:r>
             <a:r>
               <a:rPr lang="en-US" dirty="0" smtClean="0"/>
-              <a:t>))</a:t>
+              <a:t>(like #1 ‘Wald’)</a:t>
             </a:r>
             <a:r>
               <a:rPr lang="en-US" dirty="0"/>
@@ -8287,34 +8440,10 @@
           </a:p>
         </p:txBody>
       </p:sp>
-      <p:pic>
-        <p:nvPicPr>
-          <p:cNvPr id="4" name="Picture 3"/>
-          <p:cNvPicPr>
-            <a:picLocks noChangeAspect="1"/>
-          </p:cNvPicPr>
-          <p:nvPr/>
-        </p:nvPicPr>
-        <p:blipFill>
-          <a:blip r:embed="rId2"/>
-          <a:stretch>
-            <a:fillRect/>
-          </a:stretch>
-        </p:blipFill>
-        <p:spPr>
-          <a:xfrm>
-            <a:off x="633412" y="2971800"/>
-            <a:ext cx="7343775" cy="2828925"/>
-          </a:xfrm>
-          <a:prstGeom prst="rect">
-            <a:avLst/>
-          </a:prstGeom>
-        </p:spPr>
-      </p:pic>
     </p:spTree>
     <p:extLst>
       <p:ext uri="{BB962C8B-B14F-4D97-AF65-F5344CB8AC3E}">
-        <p14:creationId xmlns:p14="http://schemas.microsoft.com/office/powerpoint/2010/main" val="4208224420"/>
+        <p14:creationId xmlns:p14="http://schemas.microsoft.com/office/powerpoint/2010/main" val="854724017"/>
       </p:ext>
     </p:extLst>
   </p:cSld>
@@ -8351,117 +8480,116 @@
             <p:ph type="title"/>
           </p:nvPr>
         </p:nvSpPr>
-        <p:spPr>
-          <a:xfrm>
-            <a:off x="0" y="1219200"/>
-            <a:ext cx="8610600" cy="152400"/>
-          </a:xfrm>
-        </p:spPr>
+        <p:spPr/>
         <p:txBody>
           <a:bodyPr>
-            <a:normAutofit fontScale="90000"/>
+            <a:normAutofit/>
           </a:bodyPr>
           <a:lstStyle/>
           <a:p>
             <a:r>
+              <a:rPr lang="en-US" sz="3000" dirty="0" smtClean="0"/>
+              <a:t>#3 &amp; 4: Wilson Score w/o CC</a:t>
+            </a:r>
+            <a:endParaRPr lang="en-US" sz="3000" dirty="0"/>
+          </a:p>
+        </p:txBody>
+      </p:sp>
+      <p:sp>
+        <p:nvSpPr>
+          <p:cNvPr id="3" name="Content Placeholder 2"/>
+          <p:cNvSpPr>
+            <a:spLocks noGrp="1"/>
+          </p:cNvSpPr>
+          <p:nvPr>
+            <p:ph idx="1"/>
+          </p:nvPr>
+        </p:nvSpPr>
+        <p:spPr/>
+        <p:txBody>
+          <a:bodyPr/>
+          <a:lstStyle/>
+          <a:p>
+            <a:r>
               <a:rPr lang="en-US" dirty="0" smtClean="0"/>
-              <a:t>#13: Logit</a:t>
+              <a:t>#3 Score method, without CC, ‘Wilson’</a:t>
+            </a:r>
+          </a:p>
+          <a:p>
+            <a:endParaRPr lang="en-US" dirty="0"/>
+          </a:p>
+          <a:p>
+            <a:endParaRPr lang="en-US" dirty="0"/>
+          </a:p>
+          <a:p>
+            <a:r>
+              <a:rPr lang="en-US" dirty="0" smtClean="0"/>
+              <a:t>#4 Score </a:t>
             </a:r>
             <a:r>
               <a:rPr lang="en-US" dirty="0"/>
-              <a:t/>
-            </a:r>
-            <a:br>
-              <a:rPr lang="en-US" dirty="0"/>
-            </a:br>
-            <a:r>
-              <a:rPr lang="en-US" dirty="0"/>
-              <a:t/>
-            </a:r>
-            <a:br>
-              <a:rPr lang="en-US" dirty="0"/>
-            </a:br>
+              <a:t>method, </a:t>
+            </a:r>
+            <a:r>
+              <a:rPr lang="en-US" dirty="0" smtClean="0"/>
+              <a:t>with CC</a:t>
+            </a:r>
             <a:endParaRPr lang="en-US" dirty="0"/>
           </a:p>
         </p:txBody>
       </p:sp>
-      <p:sp>
-        <p:nvSpPr>
-          <p:cNvPr id="3" name="Content Placeholder 2"/>
-          <p:cNvSpPr>
-            <a:spLocks noGrp="1"/>
-          </p:cNvSpPr>
-          <p:nvPr>
-            <p:ph idx="1"/>
-          </p:nvPr>
-        </p:nvSpPr>
-        <p:spPr/>
-        <p:txBody>
-          <a:bodyPr/>
-          <a:lstStyle/>
-          <a:p>
-            <a:r>
-              <a:rPr lang="en-US" dirty="0" smtClean="0"/>
-              <a:t>Pros</a:t>
-            </a:r>
-          </a:p>
-          <a:p>
-            <a:pPr lvl="1"/>
-            <a:r>
-              <a:rPr lang="en-US" dirty="0"/>
-              <a:t>often used for odds </a:t>
-            </a:r>
-            <a:r>
-              <a:rPr lang="en-US" dirty="0" smtClean="0"/>
-              <a:t>ratios</a:t>
-            </a:r>
-          </a:p>
-          <a:p>
-            <a:r>
-              <a:rPr lang="en-US" dirty="0" smtClean="0"/>
-              <a:t>Cons</a:t>
-            </a:r>
-          </a:p>
-          <a:p>
-            <a:pPr lvl="1"/>
-            <a:r>
-              <a:rPr lang="en-US" dirty="0"/>
-              <a:t>not guaranteed satisfactory when n is small or</a:t>
-            </a:r>
-            <a:br>
-              <a:rPr lang="en-US" dirty="0"/>
-            </a:br>
-            <a:r>
-              <a:rPr lang="en-US" dirty="0"/>
-              <a:t>p is close to 0 or </a:t>
-            </a:r>
-            <a:r>
-              <a:rPr lang="en-US" dirty="0" smtClean="0"/>
-              <a:t>1</a:t>
-            </a:r>
-            <a:r>
-              <a:rPr lang="en-US" dirty="0"/>
-              <a:t> </a:t>
-            </a:r>
-            <a:r>
-              <a:rPr lang="en-US" dirty="0" smtClean="0"/>
-              <a:t>(like #1 ‘Wald’)</a:t>
-            </a:r>
-            <a:r>
-              <a:rPr lang="en-US" dirty="0"/>
-              <a:t/>
-            </a:r>
-            <a:br>
-              <a:rPr lang="en-US" dirty="0"/>
-            </a:br>
-            <a:endParaRPr lang="en-US" dirty="0"/>
-          </a:p>
-        </p:txBody>
-      </p:sp>
+      <p:pic>
+        <p:nvPicPr>
+          <p:cNvPr id="4" name="Picture 3"/>
+          <p:cNvPicPr>
+            <a:picLocks noChangeAspect="1"/>
+          </p:cNvPicPr>
+          <p:nvPr/>
+        </p:nvPicPr>
+        <p:blipFill>
+          <a:blip r:embed="rId2"/>
+          <a:stretch>
+            <a:fillRect/>
+          </a:stretch>
+        </p:blipFill>
+        <p:spPr>
+          <a:xfrm>
+            <a:off x="2252662" y="2286000"/>
+            <a:ext cx="4105275" cy="704850"/>
+          </a:xfrm>
+          <a:prstGeom prst="rect">
+            <a:avLst/>
+          </a:prstGeom>
+        </p:spPr>
+      </p:pic>
+      <p:pic>
+        <p:nvPicPr>
+          <p:cNvPr id="5" name="Picture 4"/>
+          <p:cNvPicPr>
+            <a:picLocks noChangeAspect="1"/>
+          </p:cNvPicPr>
+          <p:nvPr/>
+        </p:nvPicPr>
+        <p:blipFill>
+          <a:blip r:embed="rId3"/>
+          <a:stretch>
+            <a:fillRect/>
+          </a:stretch>
+        </p:blipFill>
+        <p:spPr>
+          <a:xfrm>
+            <a:off x="1676400" y="4343400"/>
+            <a:ext cx="5943600" cy="1647825"/>
+          </a:xfrm>
+          <a:prstGeom prst="rect">
+            <a:avLst/>
+          </a:prstGeom>
+        </p:spPr>
+      </p:pic>
     </p:spTree>
     <p:extLst>
       <p:ext uri="{BB962C8B-B14F-4D97-AF65-F5344CB8AC3E}">
-        <p14:creationId xmlns:p14="http://schemas.microsoft.com/office/powerpoint/2010/main" val="854724017"/>
+        <p14:creationId xmlns:p14="http://schemas.microsoft.com/office/powerpoint/2010/main" val="2624589982"/>
       </p:ext>
     </p:extLst>
   </p:cSld>
@@ -8513,56 +8641,15 @@
           </a:p>
         </p:txBody>
       </p:sp>
-      <p:sp>
-        <p:nvSpPr>
-          <p:cNvPr id="3" name="Content Placeholder 2"/>
-          <p:cNvSpPr>
-            <a:spLocks noGrp="1"/>
-          </p:cNvSpPr>
-          <p:nvPr>
-            <p:ph idx="1"/>
-          </p:nvPr>
-        </p:nvSpPr>
-        <p:spPr/>
-        <p:txBody>
-          <a:bodyPr/>
-          <a:lstStyle/>
-          <a:p>
-            <a:r>
-              <a:rPr lang="en-US" dirty="0" smtClean="0"/>
-              <a:t>#3 Score method, without CC, ‘Wilson’</a:t>
-            </a:r>
-          </a:p>
-          <a:p>
-            <a:endParaRPr lang="en-US" dirty="0"/>
-          </a:p>
-          <a:p>
-            <a:endParaRPr lang="en-US" dirty="0"/>
-          </a:p>
-          <a:p>
-            <a:r>
-              <a:rPr lang="en-US" dirty="0" smtClean="0"/>
-              <a:t>#4 Score </a:t>
-            </a:r>
-            <a:r>
-              <a:rPr lang="en-US" dirty="0"/>
-              <a:t>method, </a:t>
-            </a:r>
-            <a:r>
-              <a:rPr lang="en-US" dirty="0" smtClean="0"/>
-              <a:t>with CC</a:t>
-            </a:r>
-            <a:endParaRPr lang="en-US" dirty="0"/>
-          </a:p>
-        </p:txBody>
-      </p:sp>
       <p:pic>
         <p:nvPicPr>
-          <p:cNvPr id="4" name="Picture 3"/>
+          <p:cNvPr id="6" name="Content Placeholder 5"/>
           <p:cNvPicPr>
-            <a:picLocks noChangeAspect="1"/>
+            <a:picLocks noGrp="1" noChangeAspect="1"/>
           </p:cNvPicPr>
-          <p:nvPr/>
+          <p:nvPr>
+            <p:ph idx="1"/>
+          </p:nvPr>
         </p:nvPicPr>
         <p:blipFill>
           <a:blip r:embed="rId2"/>
@@ -8572,32 +8659,8 @@
         </p:blipFill>
         <p:spPr>
           <a:xfrm>
-            <a:off x="2252662" y="2286000"/>
-            <a:ext cx="4105275" cy="704850"/>
-          </a:xfrm>
-          <a:prstGeom prst="rect">
-            <a:avLst/>
-          </a:prstGeom>
-        </p:spPr>
-      </p:pic>
-      <p:pic>
-        <p:nvPicPr>
-          <p:cNvPr id="5" name="Picture 4"/>
-          <p:cNvPicPr>
-            <a:picLocks noChangeAspect="1"/>
-          </p:cNvPicPr>
-          <p:nvPr/>
-        </p:nvPicPr>
-        <p:blipFill>
-          <a:blip r:embed="rId3"/>
-          <a:stretch>
-            <a:fillRect/>
-          </a:stretch>
-        </p:blipFill>
-        <p:spPr>
-          <a:xfrm>
-            <a:off x="1676400" y="4343400"/>
-            <a:ext cx="5943600" cy="1647825"/>
+            <a:off x="228600" y="1905000"/>
+            <a:ext cx="8229600" cy="3390628"/>
           </a:xfrm>
           <a:prstGeom prst="rect">
             <a:avLst/>
@@ -8607,7 +8670,7 @@
     </p:spTree>
     <p:extLst>
       <p:ext uri="{BB962C8B-B14F-4D97-AF65-F5344CB8AC3E}">
-        <p14:creationId xmlns:p14="http://schemas.microsoft.com/office/powerpoint/2010/main" val="2624589982"/>
+        <p14:creationId xmlns:p14="http://schemas.microsoft.com/office/powerpoint/2010/main" val="2150906107"/>
       </p:ext>
     </p:extLst>
   </p:cSld>
@@ -8659,36 +8722,101 @@
           </a:p>
         </p:txBody>
       </p:sp>
-      <p:pic>
-        <p:nvPicPr>
-          <p:cNvPr id="6" name="Content Placeholder 5"/>
-          <p:cNvPicPr>
-            <a:picLocks noGrp="1" noChangeAspect="1"/>
-          </p:cNvPicPr>
+      <p:sp>
+        <p:nvSpPr>
+          <p:cNvPr id="3" name="Content Placeholder 2"/>
+          <p:cNvSpPr>
+            <a:spLocks noGrp="1"/>
+          </p:cNvSpPr>
           <p:nvPr>
             <p:ph idx="1"/>
           </p:nvPr>
-        </p:nvPicPr>
-        <p:blipFill>
-          <a:blip r:embed="rId2"/>
-          <a:stretch>
-            <a:fillRect/>
-          </a:stretch>
-        </p:blipFill>
-        <p:spPr>
-          <a:xfrm>
-            <a:off x="228600" y="1905000"/>
-            <a:ext cx="8229600" cy="3390628"/>
-          </a:xfrm>
-          <a:prstGeom prst="rect">
-            <a:avLst/>
-          </a:prstGeom>
-        </p:spPr>
-      </p:pic>
+        </p:nvSpPr>
+        <p:spPr/>
+        <p:txBody>
+          <a:bodyPr/>
+          <a:lstStyle/>
+          <a:p>
+            <a:r>
+              <a:rPr lang="en-US" sz="2500" dirty="0"/>
+              <a:t>Wilson score method (#3)</a:t>
+            </a:r>
+            <a:endParaRPr lang="en-US" sz="2500" dirty="0" smtClean="0"/>
+          </a:p>
+          <a:p>
+            <a:pPr lvl="1"/>
+            <a:r>
+              <a:rPr lang="en-US" sz="2100" dirty="0" smtClean="0"/>
+              <a:t>Pros</a:t>
+            </a:r>
+          </a:p>
+          <a:p>
+            <a:pPr lvl="2"/>
+            <a:r>
+              <a:rPr lang="en-US" sz="2100" dirty="0" smtClean="0"/>
+              <a:t>is </a:t>
+            </a:r>
+            <a:r>
+              <a:rPr lang="en-US" sz="2100" dirty="0"/>
+              <a:t>considered the simplest acceptable alternative to the Wald </a:t>
+            </a:r>
+            <a:r>
+              <a:rPr lang="en-US" sz="2100" dirty="0" smtClean="0"/>
+              <a:t>approach</a:t>
+            </a:r>
+            <a:endParaRPr lang="en-US" sz="2100" dirty="0" smtClean="0"/>
+          </a:p>
+          <a:p>
+            <a:pPr lvl="2"/>
+            <a:r>
+              <a:rPr lang="en-US" sz="2100" dirty="0"/>
+              <a:t>It gets </a:t>
+            </a:r>
+            <a:r>
+              <a:rPr lang="en-US" sz="2100" dirty="0" smtClean="0"/>
+              <a:t>better performance </a:t>
+            </a:r>
+            <a:r>
+              <a:rPr lang="en-US" sz="2100" dirty="0"/>
+              <a:t>when n is small and when p is close to 0 or </a:t>
+            </a:r>
+            <a:r>
+              <a:rPr lang="en-US" sz="2100" dirty="0" smtClean="0"/>
+              <a:t>1</a:t>
+            </a:r>
+            <a:endParaRPr lang="en-US" sz="2100" dirty="0"/>
+          </a:p>
+          <a:p>
+            <a:pPr lvl="1"/>
+            <a:r>
+              <a:rPr lang="en-US" sz="2100" dirty="0" smtClean="0"/>
+              <a:t>Cons</a:t>
+            </a:r>
+          </a:p>
+          <a:p>
+            <a:pPr lvl="2"/>
+            <a:r>
+              <a:rPr lang="en-US" sz="2000" dirty="0"/>
+              <a:t>not boundary-respecting</a:t>
+            </a:r>
+            <a:br>
+              <a:rPr lang="en-US" sz="2000" dirty="0"/>
+            </a:br>
+            <a:r>
+              <a:rPr lang="en-US" sz="2000" dirty="0"/>
+              <a:t/>
+            </a:r>
+            <a:br>
+              <a:rPr lang="en-US" sz="2000" dirty="0"/>
+            </a:br>
+            <a:endParaRPr lang="en-US" sz="1700" dirty="0"/>
+          </a:p>
+        </p:txBody>
+      </p:sp>
     </p:spTree>
     <p:extLst>
       <p:ext uri="{BB962C8B-B14F-4D97-AF65-F5344CB8AC3E}">
-        <p14:creationId xmlns:p14="http://schemas.microsoft.com/office/powerpoint/2010/main" val="2150906107"/>
+        <p14:creationId xmlns:p14="http://schemas.microsoft.com/office/powerpoint/2010/main" val="4286453857"/>
       </p:ext>
     </p:extLst>
   </p:cSld>
@@ -8728,13 +8856,21 @@
         <p:spPr/>
         <p:txBody>
           <a:bodyPr>
-            <a:normAutofit/>
+            <a:normAutofit fontScale="90000"/>
           </a:bodyPr>
           <a:lstStyle/>
           <a:p>
             <a:r>
               <a:rPr lang="en-US" sz="3000" dirty="0" smtClean="0"/>
-              <a:t>#3 &amp; 4: Wilson Score w/o CC</a:t>
+              <a:t>#5 Binomial based: </a:t>
+            </a:r>
+            <a:r>
+              <a:rPr lang="en-US" sz="3000" dirty="0" err="1" smtClean="0"/>
+              <a:t>Clopper</a:t>
+            </a:r>
+            <a:r>
+              <a:rPr lang="en-US" sz="3000" dirty="0" smtClean="0"/>
+              <a:t>-Pearson ‘exact’</a:t>
             </a:r>
             <a:endParaRPr lang="en-US" sz="3000" dirty="0"/>
           </a:p>
@@ -8742,7 +8878,7 @@
       </p:sp>
       <p:sp>
         <p:nvSpPr>
-          <p:cNvPr id="3" name="Content Placeholder 2"/>
+          <p:cNvPr id="5" name="Content Placeholder 4"/>
           <p:cNvSpPr>
             <a:spLocks noGrp="1"/>
           </p:cNvSpPr>
@@ -8750,90 +8886,98 @@
             <p:ph idx="1"/>
           </p:nvPr>
         </p:nvSpPr>
-        <p:spPr/>
+        <p:spPr>
+          <a:xfrm>
+            <a:off x="457200" y="1371600"/>
+            <a:ext cx="8229600" cy="4754563"/>
+          </a:xfrm>
+        </p:spPr>
         <p:txBody>
           <a:bodyPr/>
           <a:lstStyle/>
           <a:p>
             <a:r>
               <a:rPr lang="en-US" sz="2500" dirty="0"/>
-              <a:t>Wilson score method (#3)</a:t>
-            </a:r>
+              <a:t>computationally </a:t>
+            </a:r>
+            <a:r>
+              <a:rPr lang="en-US" sz="2500" dirty="0" smtClean="0"/>
+              <a:t>convenient</a:t>
+            </a:r>
+          </a:p>
+          <a:p>
+            <a:endParaRPr lang="en-US" sz="2500" dirty="0"/>
+          </a:p>
+          <a:p>
             <a:endParaRPr lang="en-US" sz="2500" dirty="0" smtClean="0"/>
           </a:p>
           <a:p>
-            <a:pPr lvl="1"/>
-            <a:r>
-              <a:rPr lang="en-US" sz="2100" dirty="0" smtClean="0"/>
-              <a:t>Pros</a:t>
-            </a:r>
-          </a:p>
-          <a:p>
-            <a:pPr lvl="2"/>
-            <a:r>
-              <a:rPr lang="en-US" sz="2100" dirty="0" smtClean="0"/>
-              <a:t>is </a:t>
-            </a:r>
-            <a:r>
-              <a:rPr lang="en-US" sz="2100" dirty="0"/>
-              <a:t>considered the simplest acceptable alternative to the Wald approach</a:t>
-            </a:r>
-            <a:r>
-              <a:rPr lang="en-US" sz="2100" dirty="0" smtClean="0"/>
-              <a:t>.</a:t>
-            </a:r>
-          </a:p>
-          <a:p>
-            <a:pPr lvl="2"/>
-            <a:r>
-              <a:rPr lang="en-US" sz="2100" dirty="0"/>
-              <a:t>It gets </a:t>
-            </a:r>
-            <a:r>
-              <a:rPr lang="en-US" sz="2100" dirty="0" smtClean="0"/>
-              <a:t>better performance </a:t>
-            </a:r>
-            <a:r>
-              <a:rPr lang="en-US" sz="2100" dirty="0"/>
-              <a:t>when n is small and when p is close to 0 or </a:t>
-            </a:r>
-            <a:r>
-              <a:rPr lang="en-US" sz="2100" dirty="0" smtClean="0"/>
-              <a:t>1</a:t>
-            </a:r>
-            <a:endParaRPr lang="en-US" sz="2100" dirty="0"/>
-          </a:p>
-          <a:p>
-            <a:pPr lvl="1"/>
-            <a:r>
-              <a:rPr lang="en-US" sz="2100" dirty="0" smtClean="0"/>
-              <a:t>Cons</a:t>
-            </a:r>
-          </a:p>
-          <a:p>
-            <a:pPr lvl="2"/>
-            <a:r>
-              <a:rPr lang="en-US" sz="2000" dirty="0"/>
-              <a:t>not boundary-respecting</a:t>
-            </a:r>
-            <a:br>
-              <a:rPr lang="en-US" sz="2000" dirty="0"/>
-            </a:br>
-            <a:r>
-              <a:rPr lang="en-US" sz="2000" dirty="0"/>
-              <a:t/>
-            </a:r>
-            <a:br>
-              <a:rPr lang="en-US" sz="2000" dirty="0"/>
-            </a:br>
-            <a:endParaRPr lang="en-US" sz="1700" dirty="0"/>
-          </a:p>
-        </p:txBody>
-      </p:sp>
+            <a:endParaRPr lang="en-US" sz="2500" dirty="0" smtClean="0"/>
+          </a:p>
+          <a:p>
+            <a:endParaRPr lang="en-US" sz="2500" dirty="0" smtClean="0"/>
+          </a:p>
+          <a:p>
+            <a:endParaRPr lang="en-US" sz="2500" dirty="0" smtClean="0"/>
+          </a:p>
+          <a:p>
+            <a:r>
+              <a:rPr lang="en-US" sz="2500" dirty="0" smtClean="0"/>
+              <a:t>Not symmetrical (as #1 - #4)</a:t>
+            </a:r>
+          </a:p>
+          <a:p>
+            <a:r>
+              <a:rPr lang="en-US" sz="2500" dirty="0" smtClean="0"/>
+              <a:t>Based on </a:t>
+            </a:r>
+            <a:r>
+              <a:rPr lang="en-US" sz="2800" dirty="0"/>
+              <a:t>exact binomial distribution </a:t>
+            </a:r>
+            <a:r>
+              <a:rPr lang="en-US" sz="2800" dirty="0" smtClean="0"/>
+              <a:t>(vs #1 </a:t>
+            </a:r>
+            <a:r>
+              <a:rPr lang="en-US" sz="2800" dirty="0"/>
+              <a:t>- #4: normal approximation)</a:t>
+            </a:r>
+            <a:endParaRPr lang="en-US" sz="2500" dirty="0" smtClean="0"/>
+          </a:p>
+          <a:p>
+            <a:endParaRPr lang="en-US" sz="2500" dirty="0"/>
+          </a:p>
+        </p:txBody>
+      </p:sp>
+      <p:pic>
+        <p:nvPicPr>
+          <p:cNvPr id="6" name="Picture 5"/>
+          <p:cNvPicPr>
+            <a:picLocks noChangeAspect="1"/>
+          </p:cNvPicPr>
+          <p:nvPr/>
+        </p:nvPicPr>
+        <p:blipFill>
+          <a:blip r:embed="rId2"/>
+          <a:stretch>
+            <a:fillRect/>
+          </a:stretch>
+        </p:blipFill>
+        <p:spPr>
+          <a:xfrm>
+            <a:off x="1371600" y="2057400"/>
+            <a:ext cx="5419725" cy="1943100"/>
+          </a:xfrm>
+          <a:prstGeom prst="rect">
+            <a:avLst/>
+          </a:prstGeom>
+        </p:spPr>
+      </p:pic>
     </p:spTree>
     <p:extLst>
       <p:ext uri="{BB962C8B-B14F-4D97-AF65-F5344CB8AC3E}">
-        <p14:creationId xmlns:p14="http://schemas.microsoft.com/office/powerpoint/2010/main" val="4286453857"/>
+        <p14:creationId xmlns:p14="http://schemas.microsoft.com/office/powerpoint/2010/main" val="2373125808"/>
       </p:ext>
     </p:extLst>
   </p:cSld>
@@ -8878,18 +9022,17 @@
           <a:lstStyle/>
           <a:p>
             <a:r>
-              <a:rPr lang="en-US" sz="3000" dirty="0" smtClean="0"/>
+              <a:rPr lang="en-US" sz="3000" dirty="0"/>
               <a:t>#5 Binomial based: </a:t>
             </a:r>
             <a:r>
-              <a:rPr lang="en-US" sz="3000" dirty="0" err="1" smtClean="0"/>
+              <a:rPr lang="en-US" sz="3000" dirty="0" err="1"/>
               <a:t>Clopper</a:t>
             </a:r>
             <a:r>
-              <a:rPr lang="en-US" sz="3000" dirty="0" smtClean="0"/>
+              <a:rPr lang="en-US" sz="3000" dirty="0"/>
               <a:t>-Pearson ‘exact’</a:t>
             </a:r>
-            <a:endParaRPr lang="en-US" sz="3000" dirty="0"/>
           </a:p>
         </p:txBody>
       </p:sp>
@@ -8914,87 +9057,52 @@
           <a:lstStyle/>
           <a:p>
             <a:r>
+              <a:rPr lang="en-US" sz="2500" dirty="0" smtClean="0"/>
+              <a:t>Conservative</a:t>
+            </a:r>
+            <a:endParaRPr lang="en-US" sz="2500" dirty="0"/>
+          </a:p>
+          <a:p>
+            <a:pPr lvl="1"/>
+            <a:r>
+              <a:rPr lang="en-US" sz="2500" dirty="0" smtClean="0"/>
+              <a:t>Needs large sample size for </a:t>
+            </a:r>
+            <a:r>
+              <a:rPr lang="en-US" sz="2500" dirty="0" smtClean="0"/>
+              <a:t>precision</a:t>
+            </a:r>
+          </a:p>
+          <a:p>
+            <a:pPr marL="457200" lvl="1" indent="0">
+              <a:buNone/>
+            </a:pPr>
+            <a:endParaRPr lang="en-US" sz="2500" dirty="0" smtClean="0"/>
+          </a:p>
+          <a:p>
+            <a:pPr marL="400050"/>
+            <a:r>
               <a:rPr lang="en-US" sz="2500" dirty="0"/>
-              <a:t>computationally </a:t>
-            </a:r>
-            <a:r>
-              <a:rPr lang="en-US" sz="2500" dirty="0" smtClean="0"/>
-              <a:t>convenient</a:t>
-            </a:r>
-          </a:p>
-          <a:p>
+              <a:t>recommended for the case of very rare or common events</a:t>
+            </a:r>
+            <a:br>
+              <a:rPr lang="en-US" sz="2500" dirty="0"/>
+            </a:br>
+            <a:r>
+              <a:rPr lang="en-US" sz="2500" dirty="0"/>
+              <a:t/>
+            </a:r>
+            <a:br>
+              <a:rPr lang="en-US" sz="2500" dirty="0"/>
+            </a:br>
             <a:endParaRPr lang="en-US" sz="2500" dirty="0"/>
           </a:p>
-          <a:p>
-            <a:endParaRPr lang="en-US" sz="2500" dirty="0" smtClean="0"/>
-          </a:p>
-          <a:p>
-            <a:endParaRPr lang="en-US" sz="2500" dirty="0" smtClean="0"/>
-          </a:p>
-          <a:p>
-            <a:endParaRPr lang="en-US" sz="2500" dirty="0" smtClean="0"/>
-          </a:p>
-          <a:p>
-            <a:endParaRPr lang="en-US" sz="2500" dirty="0" smtClean="0"/>
-          </a:p>
-          <a:p>
-            <a:r>
-              <a:rPr lang="en-US" sz="2500" dirty="0" smtClean="0"/>
-              <a:t>Not symmetrical (as #1 - #4)</a:t>
-            </a:r>
-          </a:p>
-          <a:p>
-            <a:r>
-              <a:rPr lang="en-US" sz="2500" dirty="0" smtClean="0"/>
-              <a:t>Based on </a:t>
-            </a:r>
-            <a:r>
-              <a:rPr lang="en-US" sz="2800" dirty="0"/>
-              <a:t>exact binomial distribution </a:t>
-            </a:r>
-            <a:r>
-              <a:rPr lang="en-US" sz="2800" dirty="0" smtClean="0"/>
-              <a:t>(vs #1 </a:t>
-            </a:r>
-            <a:r>
-              <a:rPr lang="en-US" sz="2800" dirty="0"/>
-              <a:t>- #4: normal approximation)</a:t>
-            </a:r>
-            <a:endParaRPr lang="en-US" sz="2500" dirty="0" smtClean="0"/>
-          </a:p>
-          <a:p>
-            <a:endParaRPr lang="en-US" sz="2500" dirty="0"/>
-          </a:p>
-        </p:txBody>
-      </p:sp>
-      <p:pic>
-        <p:nvPicPr>
-          <p:cNvPr id="6" name="Picture 5"/>
-          <p:cNvPicPr>
-            <a:picLocks noChangeAspect="1"/>
-          </p:cNvPicPr>
-          <p:nvPr/>
-        </p:nvPicPr>
-        <p:blipFill>
-          <a:blip r:embed="rId2"/>
-          <a:stretch>
-            <a:fillRect/>
-          </a:stretch>
-        </p:blipFill>
-        <p:spPr>
-          <a:xfrm>
-            <a:off x="1371600" y="2057400"/>
-            <a:ext cx="5419725" cy="1943100"/>
-          </a:xfrm>
-          <a:prstGeom prst="rect">
-            <a:avLst/>
-          </a:prstGeom>
-        </p:spPr>
-      </p:pic>
+        </p:txBody>
+      </p:sp>
     </p:spTree>
     <p:extLst>
       <p:ext uri="{BB962C8B-B14F-4D97-AF65-F5344CB8AC3E}">
-        <p14:creationId xmlns:p14="http://schemas.microsoft.com/office/powerpoint/2010/main" val="2373125808"/>
+        <p14:creationId xmlns:p14="http://schemas.microsoft.com/office/powerpoint/2010/main" val="2238487069"/>
       </p:ext>
     </p:extLst>
   </p:cSld>
@@ -9034,22 +9142,23 @@
         <p:spPr/>
         <p:txBody>
           <a:bodyPr>
-            <a:normAutofit fontScale="90000"/>
+            <a:normAutofit/>
           </a:bodyPr>
           <a:lstStyle/>
           <a:p>
             <a:r>
+              <a:rPr lang="en-US" sz="3000" dirty="0" smtClean="0"/>
+              <a:t>#6 </a:t>
+            </a:r>
+            <a:r>
               <a:rPr lang="en-US" sz="3000" dirty="0"/>
-              <a:t>#5 Binomial based: </a:t>
-            </a:r>
-            <a:r>
-              <a:rPr lang="en-US" sz="3000" dirty="0" err="1"/>
-              <a:t>Clopper</a:t>
-            </a:r>
-            <a:r>
-              <a:rPr lang="en-US" sz="3000" dirty="0"/>
-              <a:t>-Pearson ‘exact’</a:t>
-            </a:r>
+              <a:t>Binomial based: </a:t>
+            </a:r>
+            <a:r>
+              <a:rPr lang="en-US" sz="3000" dirty="0" smtClean="0"/>
+              <a:t>Mid-p</a:t>
+            </a:r>
+            <a:endParaRPr lang="en-US" sz="3000" dirty="0"/>
           </a:p>
         </p:txBody>
       </p:sp>
@@ -9063,53 +9172,99 @@
             <p:ph idx="1"/>
           </p:nvPr>
         </p:nvSpPr>
-        <p:spPr>
-          <a:xfrm>
-            <a:off x="457200" y="1371600"/>
-            <a:ext cx="8229600" cy="4754563"/>
-          </a:xfrm>
-        </p:spPr>
-        <p:txBody>
-          <a:bodyPr/>
-          <a:lstStyle/>
-          <a:p>
-            <a:r>
-              <a:rPr lang="en-US" sz="2500" dirty="0" smtClean="0"/>
-              <a:t>Conservative</a:t>
-            </a:r>
-            <a:endParaRPr lang="en-US" sz="2500" dirty="0"/>
-          </a:p>
-          <a:p>
-            <a:pPr lvl="1"/>
-            <a:r>
-              <a:rPr lang="en-US" sz="2500" dirty="0" smtClean="0"/>
-              <a:t>Needs large sample size for precision</a:t>
-            </a:r>
-          </a:p>
-          <a:p>
-            <a:pPr marL="400050"/>
-            <a:r>
-              <a:rPr lang="en-US" sz="2500" dirty="0"/>
-              <a:t>recommended for the case of very rare or common events</a:t>
+        <p:spPr/>
+        <p:txBody>
+          <a:bodyPr/>
+          <a:lstStyle/>
+          <a:p>
+            <a:r>
+              <a:rPr lang="en-US" dirty="0"/>
+              <a:t>used to reduce </a:t>
+            </a:r>
+            <a:r>
+              <a:rPr lang="en-US" dirty="0" smtClean="0"/>
+              <a:t>the conservatism of #5</a:t>
+            </a:r>
+            <a:r>
+              <a:rPr lang="en-US" dirty="0"/>
+              <a:t/>
             </a:r>
             <a:br>
-              <a:rPr lang="en-US" sz="2500" dirty="0"/>
+              <a:rPr lang="en-US" dirty="0"/>
             </a:br>
             <a:r>
-              <a:rPr lang="en-US" sz="2500" dirty="0"/>
+              <a:rPr lang="en-US" dirty="0"/>
               <a:t/>
             </a:r>
             <a:br>
-              <a:rPr lang="en-US" sz="2500" dirty="0"/>
+              <a:rPr lang="en-US" dirty="0"/>
             </a:br>
-            <a:endParaRPr lang="en-US" sz="2500" dirty="0"/>
+            <a:endParaRPr lang="en-US" dirty="0"/>
+          </a:p>
+        </p:txBody>
+      </p:sp>
+      <p:pic>
+        <p:nvPicPr>
+          <p:cNvPr id="3" name="Picture 2"/>
+          <p:cNvPicPr>
+            <a:picLocks noChangeAspect="1"/>
+          </p:cNvPicPr>
+          <p:nvPr/>
+        </p:nvPicPr>
+        <p:blipFill>
+          <a:blip r:embed="rId2"/>
+          <a:stretch>
+            <a:fillRect/>
+          </a:stretch>
+        </p:blipFill>
+        <p:spPr>
+          <a:xfrm>
+            <a:off x="1371600" y="2663031"/>
+            <a:ext cx="5343525" cy="2400300"/>
+          </a:xfrm>
+          <a:prstGeom prst="rect">
+            <a:avLst/>
+          </a:prstGeom>
+        </p:spPr>
+      </p:pic>
+      <p:sp>
+        <p:nvSpPr>
+          <p:cNvPr id="4" name="TextBox 3"/>
+          <p:cNvSpPr txBox="1"/>
+          <p:nvPr/>
+        </p:nvSpPr>
+        <p:spPr>
+          <a:xfrm>
+            <a:off x="-159096" y="5562600"/>
+            <a:ext cx="6716903" cy="246221"/>
+          </a:xfrm>
+          <a:prstGeom prst="rect">
+            <a:avLst/>
+          </a:prstGeom>
+          <a:noFill/>
+        </p:spPr>
+        <p:txBody>
+          <a:bodyPr wrap="none" rtlCol="0">
+            <a:spAutoFit/>
+          </a:bodyPr>
+          <a:lstStyle/>
+          <a:p>
+            <a:pPr lvl="3" algn="ctr"/>
+            <a:r>
+              <a:rPr lang="en-US" sz="1000" dirty="0">
+                <a:solidFill>
+                  <a:srgbClr val="FF0000"/>
+                </a:solidFill>
+              </a:rPr>
+              <a:t>https://raw.githubusercontent.com/Jiangtang/Programming-SAS/master/CI_Single_Proportion.sas</a:t>
+            </a:r>
           </a:p>
         </p:txBody>
       </p:sp>
     </p:spTree>
     <p:extLst>
       <p:ext uri="{BB962C8B-B14F-4D97-AF65-F5344CB8AC3E}">
-        <p14:creationId xmlns:p14="http://schemas.microsoft.com/office/powerpoint/2010/main" val="2238487069"/>
+        <p14:creationId xmlns:p14="http://schemas.microsoft.com/office/powerpoint/2010/main" val="4065030283"/>
       </p:ext>
     </p:extLst>
   </p:cSld>
@@ -9155,15 +9310,11 @@
           <a:p>
             <a:r>
               <a:rPr lang="en-US" sz="3000" dirty="0" smtClean="0"/>
-              <a:t>#6 </a:t>
-            </a:r>
-            <a:r>
-              <a:rPr lang="en-US" sz="3000" dirty="0"/>
-              <a:t>Binomial based: </a:t>
-            </a:r>
-            <a:r>
-              <a:rPr lang="en-US" sz="3000" dirty="0" smtClean="0"/>
-              <a:t>Mid-p</a:t>
+              <a:t>#7 </a:t>
+            </a:r>
+            <a:r>
+              <a:rPr lang="en-US" sz="3000" dirty="0" err="1" smtClean="0"/>
+              <a:t>Likehood</a:t>
             </a:r>
             <a:endParaRPr lang="en-US" sz="3000" dirty="0"/>
           </a:p>
@@ -9186,12 +9337,32 @@
           <a:p>
             <a:r>
               <a:rPr lang="en-US" dirty="0"/>
-              <a:t>used to reduce </a:t>
+              <a:t>is said to be theoretically </a:t>
             </a:r>
             <a:r>
               <a:rPr lang="en-US" dirty="0" smtClean="0"/>
-              <a:t>the conservatism of #5</a:t>
-            </a:r>
+              <a:t>appealing</a:t>
+            </a:r>
+            <a:r>
+              <a:rPr lang="en-US" dirty="0" smtClean="0">
+                <a:sym typeface="Wingdings" panose="05000000000000000000" pitchFamily="2" charset="2"/>
+              </a:rPr>
+              <a:t></a:t>
+            </a:r>
+            <a:r>
+              <a:rPr lang="en-US" dirty="0"/>
+              <a:t/>
+            </a:r>
+            <a:br>
+              <a:rPr lang="en-US" dirty="0"/>
+            </a:br>
+            <a:r>
+              <a:rPr lang="en-US" dirty="0"/>
+              <a:t/>
+            </a:r>
+            <a:br>
+              <a:rPr lang="en-US" dirty="0"/>
+            </a:br>
             <a:r>
               <a:rPr lang="en-US" dirty="0"/>
               <a:t/>
@@ -9212,7 +9383,7 @@
       </p:sp>
       <p:pic>
         <p:nvPicPr>
-          <p:cNvPr id="3" name="Picture 2"/>
+          <p:cNvPr id="4" name="Picture 3"/>
           <p:cNvPicPr>
             <a:picLocks noChangeAspect="1"/>
           </p:cNvPicPr>
@@ -9226,8 +9397,8 @@
         </p:blipFill>
         <p:spPr>
           <a:xfrm>
-            <a:off x="1371600" y="2663031"/>
-            <a:ext cx="5343525" cy="2400300"/>
+            <a:off x="1228725" y="2819400"/>
+            <a:ext cx="6153150" cy="1676400"/>
           </a:xfrm>
           <a:prstGeom prst="rect">
             <a:avLst/>
@@ -9236,14 +9407,14 @@
       </p:pic>
       <p:sp>
         <p:nvSpPr>
-          <p:cNvPr id="4" name="TextBox 3"/>
+          <p:cNvPr id="8" name="TextBox 7"/>
           <p:cNvSpPr txBox="1"/>
           <p:nvPr/>
         </p:nvSpPr>
         <p:spPr>
           <a:xfrm>
-            <a:off x="-159096" y="5562600"/>
-            <a:ext cx="6716903" cy="246221"/>
+            <a:off x="1524000" y="5257800"/>
+            <a:ext cx="5715000" cy="246221"/>
           </a:xfrm>
           <a:prstGeom prst="rect">
             <a:avLst/>
@@ -9251,27 +9422,40 @@
           <a:noFill/>
         </p:spPr>
         <p:txBody>
-          <a:bodyPr wrap="none" rtlCol="0">
+          <a:bodyPr wrap="square" rtlCol="0">
             <a:spAutoFit/>
           </a:bodyPr>
           <a:lstStyle/>
           <a:p>
-            <a:pPr lvl="3" algn="ctr"/>
+            <a:pPr marL="0" lvl="3"/>
             <a:r>
               <a:rPr lang="en-US" sz="1000" dirty="0">
                 <a:solidFill>
                   <a:srgbClr val="FF0000"/>
                 </a:solidFill>
               </a:rPr>
-              <a:t>https://raw.githubusercontent.com/Jiangtang/Programming-SAS/master/CI_Single_Proportion.sas</a:t>
-            </a:r>
+              <a:t>https://</a:t>
+            </a:r>
+            <a:r>
+              <a:rPr lang="en-US" sz="1000" dirty="0" smtClean="0">
+                <a:solidFill>
+                  <a:srgbClr val="FF0000"/>
+                </a:solidFill>
+              </a:rPr>
+              <a:t>raw.githubusercontent.com/Jiangtang/Programming-SAS/master/CI_Single_Proportion.sas</a:t>
+            </a:r>
+            <a:endParaRPr lang="en-US" sz="1000" dirty="0">
+              <a:solidFill>
+                <a:srgbClr val="FF0000"/>
+              </a:solidFill>
+            </a:endParaRPr>
           </a:p>
         </p:txBody>
       </p:sp>
     </p:spTree>
     <p:extLst>
       <p:ext uri="{BB962C8B-B14F-4D97-AF65-F5344CB8AC3E}">
-        <p14:creationId xmlns:p14="http://schemas.microsoft.com/office/powerpoint/2010/main" val="4065030283"/>
+        <p14:creationId xmlns:p14="http://schemas.microsoft.com/office/powerpoint/2010/main" val="862779199"/>
       </p:ext>
     </p:extLst>
   </p:cSld>
@@ -9316,20 +9500,20 @@
           <a:lstStyle/>
           <a:p>
             <a:r>
-              <a:rPr lang="en-US" sz="3000" dirty="0" smtClean="0"/>
-              <a:t>#7 </a:t>
-            </a:r>
-            <a:r>
-              <a:rPr lang="en-US" sz="3000" dirty="0" err="1" smtClean="0"/>
-              <a:t>Likehood</a:t>
-            </a:r>
-            <a:endParaRPr lang="en-US" sz="3000" dirty="0"/>
-          </a:p>
-        </p:txBody>
-      </p:sp>
-      <p:sp>
-        <p:nvSpPr>
-          <p:cNvPr id="5" name="Content Placeholder 4"/>
+              <a:rPr lang="en-US" sz="2500" dirty="0" err="1" smtClean="0"/>
+              <a:t>Agresti-Coull</a:t>
+            </a:r>
+            <a:r>
+              <a:rPr lang="en-US" sz="2500" dirty="0" smtClean="0"/>
+              <a:t>, #9-12</a:t>
+            </a:r>
+            <a:endParaRPr lang="en-US" sz="2500" dirty="0"/>
+          </a:p>
+        </p:txBody>
+      </p:sp>
+      <p:sp>
+        <p:nvSpPr>
+          <p:cNvPr id="3" name="Content Placeholder 2"/>
           <p:cNvSpPr>
             <a:spLocks noGrp="1"/>
           </p:cNvSpPr>
@@ -9337,38 +9521,95 @@
             <p:ph idx="1"/>
           </p:nvPr>
         </p:nvSpPr>
-        <p:spPr/>
-        <p:txBody>
-          <a:bodyPr/>
-          <a:lstStyle/>
-          <a:p>
-            <a:r>
-              <a:rPr lang="en-US" dirty="0"/>
-              <a:t>is said to be theoretically </a:t>
-            </a:r>
-            <a:r>
-              <a:rPr lang="en-US" dirty="0" smtClean="0"/>
-              <a:t>appealing</a:t>
-            </a:r>
-            <a:r>
-              <a:rPr lang="en-US" dirty="0" smtClean="0">
-                <a:sym typeface="Wingdings" panose="05000000000000000000" pitchFamily="2" charset="2"/>
-              </a:rPr>
-              <a:t></a:t>
-            </a:r>
-            <a:r>
-              <a:rPr lang="en-US" dirty="0"/>
+        <p:spPr>
+          <a:xfrm>
+            <a:off x="457200" y="1219200"/>
+            <a:ext cx="8229600" cy="4906963"/>
+          </a:xfrm>
+        </p:spPr>
+        <p:txBody>
+          <a:bodyPr/>
+          <a:lstStyle/>
+          <a:p>
+            <a:r>
+              <a:rPr lang="en-US" sz="2400" dirty="0"/>
+              <a:t>Instead of using p = r / n, 4 methods </a:t>
+            </a:r>
+            <a:r>
+              <a:rPr lang="en-US" sz="2400" dirty="0" smtClean="0"/>
+              <a:t>are developed </a:t>
+            </a:r>
+            <a:r>
+              <a:rPr lang="en-US" sz="2400" dirty="0"/>
+              <a:t>when </a:t>
+            </a:r>
+            <a:r>
+              <a:rPr lang="en-US" sz="2400" dirty="0" smtClean="0"/>
+              <a:t>ψ </a:t>
+            </a:r>
+            <a:r>
+              <a:rPr lang="en-US" sz="2400" dirty="0"/>
+              <a:t>gets values </a:t>
+            </a:r>
+            <a:r>
+              <a:rPr lang="en-US" sz="2400" i="1" dirty="0"/>
+              <a:t>z</a:t>
+            </a:r>
+            <a:r>
+              <a:rPr lang="en-US" sz="2400" dirty="0"/>
+              <a:t>2/2, 2, 1, </a:t>
+            </a:r>
+            <a:r>
+              <a:rPr lang="en-US" sz="2400" dirty="0" smtClean="0"/>
+              <a:t>3</a:t>
+            </a:r>
+          </a:p>
+          <a:p>
+            <a:pPr marL="914400" lvl="2" indent="0">
+              <a:buNone/>
+            </a:pPr>
+            <a:r>
+              <a:rPr lang="pt-BR" dirty="0"/>
+              <a:t>pψ = (</a:t>
+            </a:r>
+            <a:r>
+              <a:rPr lang="pt-BR" i="1" dirty="0"/>
+              <a:t>r </a:t>
+            </a:r>
+            <a:r>
+              <a:rPr lang="pt-BR" dirty="0"/>
+              <a:t>+ ψ)/(</a:t>
+            </a:r>
+            <a:r>
+              <a:rPr lang="pt-BR" i="1" dirty="0"/>
+              <a:t>n </a:t>
+            </a:r>
+            <a:r>
+              <a:rPr lang="pt-BR" dirty="0"/>
+              <a:t>+ 2ψ</a:t>
+            </a:r>
+            <a:r>
+              <a:rPr lang="pt-BR" dirty="0" smtClean="0"/>
+              <a:t>)</a:t>
+            </a:r>
+          </a:p>
+          <a:p>
+            <a:pPr marL="914400" lvl="2" indent="0">
+              <a:buNone/>
+            </a:pPr>
+            <a:r>
+              <a:rPr lang="pt-BR" dirty="0"/>
               <a:t/>
             </a:r>
             <a:br>
-              <a:rPr lang="en-US" dirty="0"/>
+              <a:rPr lang="pt-BR" dirty="0"/>
             </a:br>
             <a:r>
-              <a:rPr lang="en-US" dirty="0"/>
+              <a:rPr lang="pt-BR" dirty="0"/>
               <a:t/>
             </a:r>
             <a:br>
-              <a:rPr lang="en-US" dirty="0"/>
+              <a:rPr lang="pt-BR" dirty="0"/>
             </a:br>
             <a:r>
               <a:rPr lang="en-US" dirty="0"/>
@@ -9404,65 +9645,18 @@
         </p:blipFill>
         <p:spPr>
           <a:xfrm>
-            <a:off x="1228725" y="2819400"/>
-            <a:ext cx="6153150" cy="1676400"/>
+            <a:off x="1752600" y="2743200"/>
+            <a:ext cx="4600575" cy="3000375"/>
           </a:xfrm>
           <a:prstGeom prst="rect">
             <a:avLst/>
           </a:prstGeom>
         </p:spPr>
       </p:pic>
-      <p:sp>
-        <p:nvSpPr>
-          <p:cNvPr id="8" name="TextBox 7"/>
-          <p:cNvSpPr txBox="1"/>
-          <p:nvPr/>
-        </p:nvSpPr>
-        <p:spPr>
-          <a:xfrm>
-            <a:off x="1524000" y="5257800"/>
-            <a:ext cx="5715000" cy="246221"/>
-          </a:xfrm>
-          <a:prstGeom prst="rect">
-            <a:avLst/>
-          </a:prstGeom>
-          <a:noFill/>
-        </p:spPr>
-        <p:txBody>
-          <a:bodyPr wrap="square" rtlCol="0">
-            <a:spAutoFit/>
-          </a:bodyPr>
-          <a:lstStyle/>
-          <a:p>
-            <a:pPr marL="0" lvl="3"/>
-            <a:r>
-              <a:rPr lang="en-US" sz="1000" dirty="0">
-                <a:solidFill>
-                  <a:srgbClr val="FF0000"/>
-                </a:solidFill>
-              </a:rPr>
-              <a:t>https://</a:t>
-            </a:r>
-            <a:r>
-              <a:rPr lang="en-US" sz="1000" dirty="0" smtClean="0">
-                <a:solidFill>
-                  <a:srgbClr val="FF0000"/>
-                </a:solidFill>
-              </a:rPr>
-              <a:t>raw.githubusercontent.com/Jiangtang/Programming-SAS/master/CI_Single_Proportion.sas</a:t>
-            </a:r>
-            <a:endParaRPr lang="en-US" sz="1000" dirty="0">
-              <a:solidFill>
-                <a:srgbClr val="FF0000"/>
-              </a:solidFill>
-            </a:endParaRPr>
-          </a:p>
-        </p:txBody>
-      </p:sp>
     </p:spTree>
     <p:extLst>
       <p:ext uri="{BB962C8B-B14F-4D97-AF65-F5344CB8AC3E}">
-        <p14:creationId xmlns:p14="http://schemas.microsoft.com/office/powerpoint/2010/main" val="862779199"/>
+        <p14:creationId xmlns:p14="http://schemas.microsoft.com/office/powerpoint/2010/main" val="867176211"/>
       </p:ext>
     </p:extLst>
   </p:cSld>
@@ -9501,26 +9695,20 @@
         </p:nvSpPr>
         <p:spPr/>
         <p:txBody>
-          <a:bodyPr>
-            <a:normAutofit/>
-          </a:bodyPr>
-          <a:lstStyle/>
-          <a:p>
-            <a:r>
-              <a:rPr lang="en-US" sz="2500" dirty="0" err="1" smtClean="0"/>
-              <a:t>Agresti-Coull</a:t>
-            </a:r>
-            <a:r>
-              <a:rPr lang="en-US" sz="2500" dirty="0" smtClean="0"/>
-              <a:t>, #9-12</a:t>
-            </a:r>
-            <a:endParaRPr lang="en-US" sz="2500" dirty="0"/>
-          </a:p>
-        </p:txBody>
-      </p:sp>
-      <p:sp>
-        <p:nvSpPr>
-          <p:cNvPr id="3" name="Content Placeholder 2"/>
+          <a:bodyPr/>
+          <a:lstStyle/>
+          <a:p>
+            <a:r>
+              <a:rPr lang="en-US" dirty="0" smtClean="0"/>
+              <a:t>Bayesian Begins</a:t>
+            </a:r>
+            <a:endParaRPr lang="en-US" dirty="0"/>
+          </a:p>
+        </p:txBody>
+      </p:sp>
+      <p:sp>
+        <p:nvSpPr>
+          <p:cNvPr id="5" name="Content Placeholder 4"/>
           <p:cNvSpPr>
             <a:spLocks noGrp="1"/>
           </p:cNvSpPr>
@@ -9528,117 +9716,18 @@
             <p:ph idx="1"/>
           </p:nvPr>
         </p:nvSpPr>
-        <p:spPr>
-          <a:xfrm>
-            <a:off x="457200" y="1219200"/>
-            <a:ext cx="8229600" cy="4906963"/>
-          </a:xfrm>
-        </p:spPr>
-        <p:txBody>
-          <a:bodyPr/>
-          <a:lstStyle/>
-          <a:p>
-            <a:r>
-              <a:rPr lang="en-US" sz="2400" dirty="0"/>
-              <a:t>Instead of using p = r / n, 4 methods </a:t>
-            </a:r>
-            <a:r>
-              <a:rPr lang="en-US" sz="2400" dirty="0" smtClean="0"/>
-              <a:t>are developed </a:t>
-            </a:r>
-            <a:r>
-              <a:rPr lang="en-US" sz="2400" dirty="0"/>
-              <a:t>when </a:t>
-            </a:r>
-            <a:r>
-              <a:rPr lang="en-US" sz="2400" dirty="0" smtClean="0"/>
-              <a:t>ψ </a:t>
-            </a:r>
-            <a:r>
-              <a:rPr lang="en-US" sz="2400" dirty="0"/>
-              <a:t>gets values </a:t>
-            </a:r>
-            <a:r>
-              <a:rPr lang="en-US" sz="2400" i="1" dirty="0"/>
-              <a:t>z</a:t>
-            </a:r>
-            <a:r>
-              <a:rPr lang="en-US" sz="2400" dirty="0"/>
-              <a:t>2/2, 2, 1, </a:t>
-            </a:r>
-            <a:r>
-              <a:rPr lang="en-US" sz="2400" dirty="0" smtClean="0"/>
-              <a:t>3</a:t>
-            </a:r>
-          </a:p>
-          <a:p>
-            <a:pPr marL="914400" lvl="2" indent="0">
-              <a:buNone/>
-            </a:pPr>
-            <a:r>
-              <a:rPr lang="pt-BR" dirty="0"/>
-              <a:t>pψ = (</a:t>
-            </a:r>
-            <a:r>
-              <a:rPr lang="pt-BR" i="1" dirty="0"/>
-              <a:t>r </a:t>
-            </a:r>
-            <a:r>
-              <a:rPr lang="pt-BR" dirty="0"/>
-              <a:t>+ ψ)/(</a:t>
-            </a:r>
-            <a:r>
-              <a:rPr lang="pt-BR" i="1" dirty="0"/>
-              <a:t>n </a:t>
-            </a:r>
-            <a:r>
-              <a:rPr lang="pt-BR" dirty="0"/>
-              <a:t>+ 2ψ</a:t>
-            </a:r>
-            <a:r>
-              <a:rPr lang="pt-BR" dirty="0" smtClean="0"/>
-              <a:t>)</a:t>
-            </a:r>
-          </a:p>
-          <a:p>
-            <a:pPr marL="914400" lvl="2" indent="0">
-              <a:buNone/>
-            </a:pPr>
-            <a:r>
-              <a:rPr lang="pt-BR" dirty="0"/>
-              <a:t/>
-            </a:r>
-            <a:br>
-              <a:rPr lang="pt-BR" dirty="0"/>
-            </a:br>
-            <a:r>
-              <a:rPr lang="pt-BR" dirty="0"/>
-              <a:t/>
-            </a:r>
-            <a:br>
-              <a:rPr lang="pt-BR" dirty="0"/>
-            </a:br>
-            <a:r>
-              <a:rPr lang="en-US" dirty="0"/>
-              <a:t/>
-            </a:r>
-            <a:br>
-              <a:rPr lang="en-US" dirty="0"/>
-            </a:br>
-            <a:r>
-              <a:rPr lang="en-US" dirty="0"/>
-              <a:t/>
-            </a:r>
-            <a:br>
-              <a:rPr lang="en-US" dirty="0"/>
-            </a:br>
-            <a:endParaRPr lang="en-US" dirty="0"/>
+        <p:spPr/>
+        <p:txBody>
+          <a:bodyPr/>
+          <a:lstStyle/>
+          <a:p>
+            <a:endParaRPr lang="en-US"/>
           </a:p>
         </p:txBody>
       </p:sp>
       <p:pic>
         <p:nvPicPr>
-          <p:cNvPr id="4" name="Picture 3"/>
+          <p:cNvPr id="6" name="Picture 5"/>
           <p:cNvPicPr>
             <a:picLocks noChangeAspect="1"/>
           </p:cNvPicPr>
@@ -9652,8 +9741,8 @@
         </p:blipFill>
         <p:spPr>
           <a:xfrm>
-            <a:off x="1752600" y="2743200"/>
-            <a:ext cx="4600575" cy="3000375"/>
+            <a:off x="583406" y="1628192"/>
+            <a:ext cx="7443787" cy="4226627"/>
           </a:xfrm>
           <a:prstGeom prst="rect">
             <a:avLst/>
@@ -9663,7 +9752,7 @@
     </p:spTree>
     <p:extLst>
       <p:ext uri="{BB962C8B-B14F-4D97-AF65-F5344CB8AC3E}">
-        <p14:creationId xmlns:p14="http://schemas.microsoft.com/office/powerpoint/2010/main" val="867176211"/>
+        <p14:creationId xmlns:p14="http://schemas.microsoft.com/office/powerpoint/2010/main" val="1003731338"/>
       </p:ext>
     </p:extLst>
   </p:cSld>
@@ -9878,38 +9967,25 @@
           <a:p>
             <a:r>
               <a:rPr lang="en-US" dirty="0" smtClean="0"/>
-              <a:t>Bayesian Begins</a:t>
+              <a:t>#8 Bayesian: </a:t>
+            </a:r>
+            <a:r>
+              <a:rPr lang="en-US" dirty="0" err="1" smtClean="0"/>
+              <a:t>Jeffreys</a:t>
             </a:r>
             <a:endParaRPr lang="en-US" dirty="0"/>
-          </a:p>
-        </p:txBody>
-      </p:sp>
-      <p:sp>
-        <p:nvSpPr>
-          <p:cNvPr id="5" name="Content Placeholder 4"/>
-          <p:cNvSpPr>
-            <a:spLocks noGrp="1"/>
-          </p:cNvSpPr>
-          <p:nvPr>
-            <p:ph idx="1"/>
-          </p:nvPr>
-        </p:nvSpPr>
-        <p:spPr/>
-        <p:txBody>
-          <a:bodyPr/>
-          <a:lstStyle/>
-          <a:p>
-            <a:endParaRPr lang="en-US"/>
           </a:p>
         </p:txBody>
       </p:sp>
       <p:pic>
         <p:nvPicPr>
-          <p:cNvPr id="6" name="Picture 5"/>
+          <p:cNvPr id="5" name="Content Placeholder 4"/>
           <p:cNvPicPr>
-            <a:picLocks noChangeAspect="1"/>
+            <a:picLocks noGrp="1" noChangeAspect="1"/>
           </p:cNvPicPr>
-          <p:nvPr/>
+          <p:nvPr>
+            <p:ph idx="1"/>
+          </p:nvPr>
         </p:nvPicPr>
         <p:blipFill>
           <a:blip r:embed="rId2"/>
@@ -9919,8 +9995,8 @@
         </p:blipFill>
         <p:spPr>
           <a:xfrm>
-            <a:off x="583406" y="1628192"/>
-            <a:ext cx="7443787" cy="4226627"/>
+            <a:off x="1976437" y="2844006"/>
+            <a:ext cx="5191125" cy="2038350"/>
           </a:xfrm>
           <a:prstGeom prst="rect">
             <a:avLst/>
@@ -9930,13 +10006,20 @@
     </p:spTree>
     <p:extLst>
       <p:ext uri="{BB962C8B-B14F-4D97-AF65-F5344CB8AC3E}">
-        <p14:creationId xmlns:p14="http://schemas.microsoft.com/office/powerpoint/2010/main" val="1003731338"/>
+        <p14:creationId xmlns:p14="http://schemas.microsoft.com/office/powerpoint/2010/main" val="1447350912"/>
       </p:ext>
     </p:extLst>
   </p:cSld>
   <p:clrMapOvr>
     <a:masterClrMapping/>
   </p:clrMapOvr>
+  <p:timing>
+    <p:tnLst>
+      <p:par>
+        <p:cTn id="1" dur="indefinite" restart="never" nodeType="tmRoot"/>
+      </p:par>
+    </p:tnLst>
+  </p:timing>
 </p:sld>
 </file>
 
@@ -9969,12 +10052,14 @@
         </p:nvSpPr>
         <p:spPr/>
         <p:txBody>
-          <a:bodyPr/>
+          <a:bodyPr>
+            <a:normAutofit fontScale="90000"/>
+          </a:bodyPr>
           <a:lstStyle/>
           <a:p>
             <a:r>
               <a:rPr lang="en-US" dirty="0" smtClean="0"/>
-              <a:t>#8 Bayesian: </a:t>
+              <a:t>#14 Bayesian: </a:t>
             </a:r>
             <a:r>
               <a:rPr lang="en-US" dirty="0" err="1" smtClean="0"/>
@@ -9984,15 +10069,40 @@
           </a:p>
         </p:txBody>
       </p:sp>
+      <p:sp>
+        <p:nvSpPr>
+          <p:cNvPr id="3" name="Content Placeholder 2"/>
+          <p:cNvSpPr>
+            <a:spLocks noGrp="1"/>
+          </p:cNvSpPr>
+          <p:nvPr>
+            <p:ph idx="1"/>
+          </p:nvPr>
+        </p:nvSpPr>
+        <p:spPr>
+          <a:xfrm>
+            <a:off x="528637" y="1575318"/>
+            <a:ext cx="8229600" cy="4525963"/>
+          </a:xfrm>
+        </p:spPr>
+        <p:txBody>
+          <a:bodyPr/>
+          <a:lstStyle/>
+          <a:p>
+            <a:pPr marL="0" indent="0">
+              <a:buNone/>
+            </a:pPr>
+            <a:endParaRPr lang="en-US" dirty="0"/>
+          </a:p>
+        </p:txBody>
+      </p:sp>
       <p:pic>
         <p:nvPicPr>
-          <p:cNvPr id="5" name="Content Placeholder 4"/>
+          <p:cNvPr id="4" name="Picture 3"/>
           <p:cNvPicPr>
-            <a:picLocks noGrp="1" noChangeAspect="1"/>
+            <a:picLocks noChangeAspect="1"/>
           </p:cNvPicPr>
-          <p:nvPr>
-            <p:ph idx="1"/>
-          </p:nvPr>
+          <p:nvPr/>
         </p:nvPicPr>
         <p:blipFill>
           <a:blip r:embed="rId2"/>
@@ -10002,8 +10112,8 @@
         </p:blipFill>
         <p:spPr>
           <a:xfrm>
-            <a:off x="1976437" y="2844006"/>
-            <a:ext cx="5191125" cy="2038350"/>
+            <a:off x="1981200" y="1631653"/>
+            <a:ext cx="5324475" cy="4469628"/>
           </a:xfrm>
           <a:prstGeom prst="rect">
             <a:avLst/>
@@ -10013,7 +10123,7 @@
     </p:spTree>
     <p:extLst>
       <p:ext uri="{BB962C8B-B14F-4D97-AF65-F5344CB8AC3E}">
-        <p14:creationId xmlns:p14="http://schemas.microsoft.com/office/powerpoint/2010/main" val="1447350912"/>
+        <p14:creationId xmlns:p14="http://schemas.microsoft.com/office/powerpoint/2010/main" val="1601966258"/>
       </p:ext>
     </p:extLst>
   </p:cSld>
@@ -10057,22 +10167,23 @@
             <p:ph type="title"/>
           </p:nvPr>
         </p:nvSpPr>
-        <p:spPr/>
+        <p:spPr>
+          <a:xfrm>
+            <a:off x="0" y="76200"/>
+            <a:ext cx="8610600" cy="838200"/>
+          </a:xfrm>
+        </p:spPr>
         <p:txBody>
           <a:bodyPr>
-            <a:normAutofit fontScale="90000"/>
+            <a:normAutofit/>
           </a:bodyPr>
           <a:lstStyle/>
           <a:p>
             <a:r>
-              <a:rPr lang="en-US" dirty="0" smtClean="0"/>
-              <a:t>#14 Bayesian: </a:t>
-            </a:r>
-            <a:r>
-              <a:rPr lang="en-US" dirty="0" err="1" smtClean="0"/>
-              <a:t>Jeffreys</a:t>
-            </a:r>
-            <a:endParaRPr lang="en-US" dirty="0"/>
+              <a:rPr lang="en-US" sz="3000" dirty="0" smtClean="0"/>
+              <a:t>Get All!</a:t>
+            </a:r>
+            <a:endParaRPr lang="en-US" sz="3000" dirty="0"/>
           </a:p>
         </p:txBody>
       </p:sp>
@@ -10086,7 +10197,12 @@
             <p:ph idx="1"/>
           </p:nvPr>
         </p:nvSpPr>
-        <p:spPr/>
+        <p:spPr>
+          <a:xfrm>
+            <a:off x="0" y="838200"/>
+            <a:ext cx="9067800" cy="5287963"/>
+          </a:xfrm>
+        </p:spPr>
         <p:txBody>
           <a:bodyPr/>
           <a:lstStyle/>
@@ -10094,7 +10210,81 @@
             <a:pPr marL="0" indent="0">
               <a:buNone/>
             </a:pPr>
-            <a:endParaRPr lang="en-US" dirty="0"/>
+            <a:r>
+              <a:rPr lang="it-IT" sz="1400" dirty="0">
+                <a:latin typeface="Courier New" panose="02070309020205020404" pitchFamily="49" charset="0"/>
+                <a:cs typeface="Courier New" panose="02070309020205020404" pitchFamily="49" charset="0"/>
+              </a:rPr>
+              <a:t>filename CI url 'https://raw.github.com/Jiangtang/ProgrammingSAS/master/</a:t>
+            </a:r>
+            <a:r>
+              <a:rPr lang="it-IT" sz="1400" dirty="0">
+                <a:solidFill>
+                  <a:srgbClr val="FF0000"/>
+                </a:solidFill>
+                <a:latin typeface="Courier New" panose="02070309020205020404" pitchFamily="49" charset="0"/>
+                <a:cs typeface="Courier New" panose="02070309020205020404" pitchFamily="49" charset="0"/>
+              </a:rPr>
+              <a:t>CI_Single_Proportion.sas</a:t>
+            </a:r>
+            <a:r>
+              <a:rPr lang="it-IT" sz="1400" dirty="0">
+                <a:latin typeface="Courier New" panose="02070309020205020404" pitchFamily="49" charset="0"/>
+                <a:cs typeface="Courier New" panose="02070309020205020404" pitchFamily="49" charset="0"/>
+              </a:rPr>
+              <a:t>';</a:t>
+            </a:r>
+            <a:br>
+              <a:rPr lang="it-IT" sz="1400" dirty="0">
+                <a:latin typeface="Courier New" panose="02070309020205020404" pitchFamily="49" charset="0"/>
+                <a:cs typeface="Courier New" panose="02070309020205020404" pitchFamily="49" charset="0"/>
+              </a:rPr>
+            </a:br>
+            <a:r>
+              <a:rPr lang="it-IT" sz="1400" dirty="0">
+                <a:latin typeface="Courier New" panose="02070309020205020404" pitchFamily="49" charset="0"/>
+                <a:cs typeface="Courier New" panose="02070309020205020404" pitchFamily="49" charset="0"/>
+              </a:rPr>
+              <a:t>%include CI;</a:t>
+            </a:r>
+            <a:br>
+              <a:rPr lang="it-IT" sz="1400" dirty="0">
+                <a:latin typeface="Courier New" panose="02070309020205020404" pitchFamily="49" charset="0"/>
+                <a:cs typeface="Courier New" panose="02070309020205020404" pitchFamily="49" charset="0"/>
+              </a:rPr>
+            </a:br>
+            <a:r>
+              <a:rPr lang="it-IT" sz="1400" dirty="0">
+                <a:latin typeface="Courier New" panose="02070309020205020404" pitchFamily="49" charset="0"/>
+                <a:cs typeface="Courier New" panose="02070309020205020404" pitchFamily="49" charset="0"/>
+              </a:rPr>
+              <a:t>%</a:t>
+            </a:r>
+            <a:r>
+              <a:rPr lang="it-IT" sz="1400" i="1" dirty="0">
+                <a:latin typeface="Courier New" panose="02070309020205020404" pitchFamily="49" charset="0"/>
+                <a:cs typeface="Courier New" panose="02070309020205020404" pitchFamily="49" charset="0"/>
+              </a:rPr>
+              <a:t>CI_Single_Proportion</a:t>
+            </a:r>
+            <a:r>
+              <a:rPr lang="it-IT" sz="1400" dirty="0">
+                <a:latin typeface="Courier New" panose="02070309020205020404" pitchFamily="49" charset="0"/>
+                <a:cs typeface="Courier New" panose="02070309020205020404" pitchFamily="49" charset="0"/>
+              </a:rPr>
+              <a:t>(r=81,n=263</a:t>
+            </a:r>
+            <a:r>
+              <a:rPr lang="it-IT" sz="1400" dirty="0" smtClean="0">
+                <a:latin typeface="Courier New" panose="02070309020205020404" pitchFamily="49" charset="0"/>
+                <a:cs typeface="Courier New" panose="02070309020205020404" pitchFamily="49" charset="0"/>
+              </a:rPr>
+              <a:t>);</a:t>
+            </a:r>
+            <a:endParaRPr lang="en-US" sz="1400" dirty="0">
+              <a:latin typeface="Courier New" panose="02070309020205020404" pitchFamily="49" charset="0"/>
+              <a:cs typeface="Courier New" panose="02070309020205020404" pitchFamily="49" charset="0"/>
+            </a:endParaRPr>
           </a:p>
         </p:txBody>
       </p:sp>
@@ -10114,8 +10304,8 @@
         </p:blipFill>
         <p:spPr>
           <a:xfrm>
-            <a:off x="1981200" y="1631653"/>
-            <a:ext cx="5324475" cy="4469628"/>
+            <a:off x="423863" y="1828800"/>
+            <a:ext cx="8643937" cy="4902771"/>
           </a:xfrm>
           <a:prstGeom prst="rect">
             <a:avLst/>
@@ -10125,7 +10315,7 @@
     </p:spTree>
     <p:extLst>
       <p:ext uri="{BB962C8B-B14F-4D97-AF65-F5344CB8AC3E}">
-        <p14:creationId xmlns:p14="http://schemas.microsoft.com/office/powerpoint/2010/main" val="1601966258"/>
+        <p14:creationId xmlns:p14="http://schemas.microsoft.com/office/powerpoint/2010/main" val="4018854140"/>
       </p:ext>
     </p:extLst>
   </p:cSld>
@@ -10169,12 +10359,7 @@
             <p:ph type="title"/>
           </p:nvPr>
         </p:nvSpPr>
-        <p:spPr>
-          <a:xfrm>
-            <a:off x="0" y="76200"/>
-            <a:ext cx="8610600" cy="838200"/>
-          </a:xfrm>
-        </p:spPr>
+        <p:spPr/>
         <p:txBody>
           <a:bodyPr>
             <a:normAutofit/>
@@ -10183,120 +10368,21 @@
           <a:p>
             <a:r>
               <a:rPr lang="en-US" sz="3000" dirty="0" smtClean="0"/>
-              <a:t>Get All!</a:t>
+              <a:t>Using PROC FREQ</a:t>
             </a:r>
             <a:endParaRPr lang="en-US" sz="3000" dirty="0"/>
-          </a:p>
-        </p:txBody>
-      </p:sp>
-      <p:sp>
-        <p:nvSpPr>
-          <p:cNvPr id="3" name="Content Placeholder 2"/>
-          <p:cNvSpPr>
-            <a:spLocks noGrp="1"/>
-          </p:cNvSpPr>
-          <p:nvPr>
-            <p:ph idx="1"/>
-          </p:nvPr>
-        </p:nvSpPr>
-        <p:spPr>
-          <a:xfrm>
-            <a:off x="0" y="838200"/>
-            <a:ext cx="9067800" cy="5287963"/>
-          </a:xfrm>
-        </p:spPr>
-        <p:txBody>
-          <a:bodyPr/>
-          <a:lstStyle/>
-          <a:p>
-            <a:pPr marL="0" indent="0">
-              <a:buNone/>
-            </a:pPr>
-            <a:r>
-              <a:rPr lang="it-IT" sz="1400" dirty="0">
-                <a:latin typeface="Courier New" panose="02070309020205020404" pitchFamily="49" charset="0"/>
-                <a:cs typeface="Courier New" panose="02070309020205020404" pitchFamily="49" charset="0"/>
-              </a:rPr>
-              <a:t>filename CI url 'https://raw.github.com/Jiangtang/ProgrammingSAS/master/</a:t>
-            </a:r>
-            <a:r>
-              <a:rPr lang="it-IT" sz="1400" dirty="0">
-                <a:solidFill>
-                  <a:srgbClr val="FF0000"/>
-                </a:solidFill>
-                <a:latin typeface="Courier New" panose="02070309020205020404" pitchFamily="49" charset="0"/>
-                <a:cs typeface="Courier New" panose="02070309020205020404" pitchFamily="49" charset="0"/>
-              </a:rPr>
-              <a:t>CI_Single_Proportion.sas</a:t>
-            </a:r>
-            <a:r>
-              <a:rPr lang="it-IT" sz="1400" dirty="0">
-                <a:latin typeface="Courier New" panose="02070309020205020404" pitchFamily="49" charset="0"/>
-                <a:cs typeface="Courier New" panose="02070309020205020404" pitchFamily="49" charset="0"/>
-              </a:rPr>
-              <a:t>';</a:t>
-            </a:r>
-            <a:br>
-              <a:rPr lang="it-IT" sz="1400" dirty="0">
-                <a:latin typeface="Courier New" panose="02070309020205020404" pitchFamily="49" charset="0"/>
-                <a:cs typeface="Courier New" panose="02070309020205020404" pitchFamily="49" charset="0"/>
-              </a:rPr>
-            </a:br>
-            <a:r>
-              <a:rPr lang="it-IT" sz="1400" dirty="0">
-                <a:latin typeface="Courier New" panose="02070309020205020404" pitchFamily="49" charset="0"/>
-                <a:cs typeface="Courier New" panose="02070309020205020404" pitchFamily="49" charset="0"/>
-              </a:rPr>
-              <a:t>%include CI;</a:t>
-            </a:r>
-            <a:br>
-              <a:rPr lang="it-IT" sz="1400" dirty="0">
-                <a:latin typeface="Courier New" panose="02070309020205020404" pitchFamily="49" charset="0"/>
-                <a:cs typeface="Courier New" panose="02070309020205020404" pitchFamily="49" charset="0"/>
-              </a:rPr>
-            </a:br>
-            <a:r>
-              <a:rPr lang="it-IT" sz="1400" dirty="0">
-                <a:latin typeface="Courier New" panose="02070309020205020404" pitchFamily="49" charset="0"/>
-                <a:cs typeface="Courier New" panose="02070309020205020404" pitchFamily="49" charset="0"/>
-              </a:rPr>
-              <a:t>%</a:t>
-            </a:r>
-            <a:r>
-              <a:rPr lang="it-IT" sz="1400" i="1" dirty="0">
-                <a:latin typeface="Courier New" panose="02070309020205020404" pitchFamily="49" charset="0"/>
-                <a:cs typeface="Courier New" panose="02070309020205020404" pitchFamily="49" charset="0"/>
-              </a:rPr>
-              <a:t>CI_Single_Proportion</a:t>
-            </a:r>
-            <a:r>
-              <a:rPr lang="it-IT" sz="1400" dirty="0">
-                <a:latin typeface="Courier New" panose="02070309020205020404" pitchFamily="49" charset="0"/>
-                <a:cs typeface="Courier New" panose="02070309020205020404" pitchFamily="49" charset="0"/>
-              </a:rPr>
-              <a:t>(r=81,n=263</a:t>
-            </a:r>
-            <a:r>
-              <a:rPr lang="it-IT" sz="1400" dirty="0" smtClean="0">
-                <a:latin typeface="Courier New" panose="02070309020205020404" pitchFamily="49" charset="0"/>
-                <a:cs typeface="Courier New" panose="02070309020205020404" pitchFamily="49" charset="0"/>
-              </a:rPr>
-              <a:t>);</a:t>
-            </a:r>
-            <a:endParaRPr lang="en-US" sz="1400" dirty="0">
-              <a:latin typeface="Courier New" panose="02070309020205020404" pitchFamily="49" charset="0"/>
-              <a:cs typeface="Courier New" panose="02070309020205020404" pitchFamily="49" charset="0"/>
-            </a:endParaRPr>
           </a:p>
         </p:txBody>
       </p:sp>
       <p:pic>
         <p:nvPicPr>
-          <p:cNvPr id="4" name="Picture 3"/>
+          <p:cNvPr id="6" name="Content Placeholder 5"/>
           <p:cNvPicPr>
-            <a:picLocks noChangeAspect="1"/>
+            <a:picLocks noGrp="1" noChangeAspect="1"/>
           </p:cNvPicPr>
-          <p:nvPr/>
+          <p:nvPr>
+            <p:ph sz="half" idx="1"/>
+          </p:nvPr>
         </p:nvPicPr>
         <p:blipFill>
           <a:blip r:embed="rId2"/>
@@ -10306,8 +10392,34 @@
         </p:blipFill>
         <p:spPr>
           <a:xfrm>
-            <a:off x="423863" y="1828800"/>
-            <a:ext cx="8643937" cy="4902771"/>
+            <a:off x="533400" y="2286000"/>
+            <a:ext cx="3143250" cy="2238375"/>
+          </a:xfrm>
+          <a:prstGeom prst="rect">
+            <a:avLst/>
+          </a:prstGeom>
+        </p:spPr>
+      </p:pic>
+      <p:pic>
+        <p:nvPicPr>
+          <p:cNvPr id="7" name="Content Placeholder 6"/>
+          <p:cNvPicPr>
+            <a:picLocks noGrp="1" noChangeAspect="1"/>
+          </p:cNvPicPr>
+          <p:nvPr>
+            <p:ph sz="half" idx="2"/>
+          </p:nvPr>
+        </p:nvPicPr>
+        <p:blipFill>
+          <a:blip r:embed="rId3"/>
+          <a:stretch>
+            <a:fillRect/>
+          </a:stretch>
+        </p:blipFill>
+        <p:spPr>
+          <a:xfrm>
+            <a:off x="4876800" y="2057400"/>
+            <a:ext cx="2667000" cy="3057525"/>
           </a:xfrm>
           <a:prstGeom prst="rect">
             <a:avLst/>
@@ -10317,7 +10429,7 @@
     </p:spTree>
     <p:extLst>
       <p:ext uri="{BB962C8B-B14F-4D97-AF65-F5344CB8AC3E}">
-        <p14:creationId xmlns:p14="http://schemas.microsoft.com/office/powerpoint/2010/main" val="4018854140"/>
+        <p14:creationId xmlns:p14="http://schemas.microsoft.com/office/powerpoint/2010/main" val="1830256283"/>
       </p:ext>
     </p:extLst>
   </p:cSld>
@@ -10353,6 +10465,46 @@
       </p:grpSpPr>
       <p:sp>
         <p:nvSpPr>
+          <p:cNvPr id="8" name="Rectangle 7"/>
+          <p:cNvSpPr/>
+          <p:nvPr/>
+        </p:nvSpPr>
+        <p:spPr>
+          <a:xfrm>
+            <a:off x="2895600" y="3657600"/>
+            <a:ext cx="1066800" cy="609600"/>
+          </a:xfrm>
+          <a:prstGeom prst="rect">
+            <a:avLst/>
+          </a:prstGeom>
+        </p:spPr>
+        <p:style>
+          <a:lnRef idx="2">
+            <a:schemeClr val="accent1">
+              <a:shade val="50000"/>
+            </a:schemeClr>
+          </a:lnRef>
+          <a:fillRef idx="1">
+            <a:schemeClr val="accent1"/>
+          </a:fillRef>
+          <a:effectRef idx="0">
+            <a:schemeClr val="accent1"/>
+          </a:effectRef>
+          <a:fontRef idx="minor">
+            <a:schemeClr val="lt1"/>
+          </a:fontRef>
+        </p:style>
+        <p:txBody>
+          <a:bodyPr rtlCol="0" anchor="ctr"/>
+          <a:lstStyle/>
+          <a:p>
+            <a:pPr algn="ctr"/>
+            <a:endParaRPr lang="en-US"/>
+          </a:p>
+        </p:txBody>
+      </p:sp>
+      <p:sp>
+        <p:nvSpPr>
           <p:cNvPr id="2" name="Title 1"/>
           <p:cNvSpPr>
             <a:spLocks noGrp="1"/>
@@ -10376,15 +10528,51 @@
           </a:p>
         </p:txBody>
       </p:sp>
+      <p:sp>
+        <p:nvSpPr>
+          <p:cNvPr id="3" name="Content Placeholder 2"/>
+          <p:cNvSpPr>
+            <a:spLocks noGrp="1"/>
+          </p:cNvSpPr>
+          <p:nvPr>
+            <p:ph sz="half" idx="1"/>
+          </p:nvPr>
+        </p:nvSpPr>
+        <p:spPr/>
+        <p:txBody>
+          <a:bodyPr/>
+          <a:lstStyle/>
+          <a:p>
+            <a:endParaRPr lang="en-US" dirty="0"/>
+          </a:p>
+        </p:txBody>
+      </p:sp>
+      <p:sp>
+        <p:nvSpPr>
+          <p:cNvPr id="5" name="Content Placeholder 4"/>
+          <p:cNvSpPr>
+            <a:spLocks noGrp="1"/>
+          </p:cNvSpPr>
+          <p:nvPr>
+            <p:ph sz="half" idx="2"/>
+          </p:nvPr>
+        </p:nvSpPr>
+        <p:spPr/>
+        <p:txBody>
+          <a:bodyPr/>
+          <a:lstStyle/>
+          <a:p>
+            <a:endParaRPr lang="en-US"/>
+          </a:p>
+        </p:txBody>
+      </p:sp>
       <p:pic>
         <p:nvPicPr>
-          <p:cNvPr id="6" name="Content Placeholder 5"/>
+          <p:cNvPr id="9" name="Picture 8"/>
           <p:cNvPicPr>
-            <a:picLocks noGrp="1" noChangeAspect="1"/>
+            <a:picLocks noChangeAspect="1"/>
           </p:cNvPicPr>
-          <p:nvPr>
-            <p:ph sz="half" idx="1"/>
-          </p:nvPr>
+          <p:nvPr/>
         </p:nvPicPr>
         <p:blipFill>
           <a:blip r:embed="rId2"/>
@@ -10394,8 +10582,8 @@
         </p:blipFill>
         <p:spPr>
           <a:xfrm>
-            <a:off x="533400" y="2286000"/>
-            <a:ext cx="3143250" cy="2238375"/>
+            <a:off x="4589106" y="2283851"/>
+            <a:ext cx="4076700" cy="2352675"/>
           </a:xfrm>
           <a:prstGeom prst="rect">
             <a:avLst/>
@@ -10404,13 +10592,11 @@
       </p:pic>
       <p:pic>
         <p:nvPicPr>
-          <p:cNvPr id="7" name="Content Placeholder 6"/>
+          <p:cNvPr id="10" name="Picture 9"/>
           <p:cNvPicPr>
-            <a:picLocks noGrp="1" noChangeAspect="1"/>
+            <a:picLocks noChangeAspect="1"/>
           </p:cNvPicPr>
-          <p:nvPr>
-            <p:ph sz="half" idx="2"/>
-          </p:nvPr>
+          <p:nvPr/>
         </p:nvPicPr>
         <p:blipFill>
           <a:blip r:embed="rId3"/>
@@ -10420,8 +10606,8 @@
         </p:blipFill>
         <p:spPr>
           <a:xfrm>
-            <a:off x="4876800" y="2057400"/>
-            <a:ext cx="2667000" cy="3057525"/>
+            <a:off x="719137" y="2696536"/>
+            <a:ext cx="3514725" cy="1943100"/>
           </a:xfrm>
           <a:prstGeom prst="rect">
             <a:avLst/>
@@ -10431,7 +10617,7 @@
     </p:spTree>
     <p:extLst>
       <p:ext uri="{BB962C8B-B14F-4D97-AF65-F5344CB8AC3E}">
-        <p14:creationId xmlns:p14="http://schemas.microsoft.com/office/powerpoint/2010/main" val="1830256283"/>
+        <p14:creationId xmlns:p14="http://schemas.microsoft.com/office/powerpoint/2010/main" val="1684306625"/>
       </p:ext>
     </p:extLst>
   </p:cSld>
@@ -10467,46 +10653,6 @@
       </p:grpSpPr>
       <p:sp>
         <p:nvSpPr>
-          <p:cNvPr id="8" name="Rectangle 7"/>
-          <p:cNvSpPr/>
-          <p:nvPr/>
-        </p:nvSpPr>
-        <p:spPr>
-          <a:xfrm>
-            <a:off x="2895600" y="3657600"/>
-            <a:ext cx="1066800" cy="609600"/>
-          </a:xfrm>
-          <a:prstGeom prst="rect">
-            <a:avLst/>
-          </a:prstGeom>
-        </p:spPr>
-        <p:style>
-          <a:lnRef idx="2">
-            <a:schemeClr val="accent1">
-              <a:shade val="50000"/>
-            </a:schemeClr>
-          </a:lnRef>
-          <a:fillRef idx="1">
-            <a:schemeClr val="accent1"/>
-          </a:fillRef>
-          <a:effectRef idx="0">
-            <a:schemeClr val="accent1"/>
-          </a:effectRef>
-          <a:fontRef idx="minor">
-            <a:schemeClr val="lt1"/>
-          </a:fontRef>
-        </p:style>
-        <p:txBody>
-          <a:bodyPr rtlCol="0" anchor="ctr"/>
-          <a:lstStyle/>
-          <a:p>
-            <a:pPr algn="ctr"/>
-            <a:endParaRPr lang="en-US"/>
-          </a:p>
-        </p:txBody>
-      </p:sp>
-      <p:sp>
-        <p:nvSpPr>
           <p:cNvPr id="2" name="Title 1"/>
           <p:cNvSpPr>
             <a:spLocks noGrp="1"/>
@@ -10523,58 +10669,21 @@
           <a:lstStyle/>
           <a:p>
             <a:r>
-              <a:rPr lang="en-US" sz="3000" dirty="0" smtClean="0"/>
+              <a:rPr lang="en-US" sz="3000" dirty="0"/>
               <a:t>Using PROC FREQ</a:t>
             </a:r>
-            <a:endParaRPr lang="en-US" sz="3000" dirty="0"/>
-          </a:p>
-        </p:txBody>
-      </p:sp>
-      <p:sp>
-        <p:nvSpPr>
-          <p:cNvPr id="3" name="Content Placeholder 2"/>
-          <p:cNvSpPr>
-            <a:spLocks noGrp="1"/>
-          </p:cNvSpPr>
-          <p:nvPr>
-            <p:ph sz="half" idx="1"/>
-          </p:nvPr>
-        </p:nvSpPr>
-        <p:spPr/>
-        <p:txBody>
-          <a:bodyPr/>
-          <a:lstStyle/>
-          <a:p>
-            <a:endParaRPr lang="en-US" dirty="0"/>
-          </a:p>
-        </p:txBody>
-      </p:sp>
-      <p:sp>
-        <p:nvSpPr>
-          <p:cNvPr id="5" name="Content Placeholder 4"/>
-          <p:cNvSpPr>
-            <a:spLocks noGrp="1"/>
-          </p:cNvSpPr>
-          <p:nvPr>
-            <p:ph sz="half" idx="2"/>
-          </p:nvPr>
-        </p:nvSpPr>
-        <p:spPr/>
-        <p:txBody>
-          <a:bodyPr/>
-          <a:lstStyle/>
-          <a:p>
-            <a:endParaRPr lang="en-US"/>
           </a:p>
         </p:txBody>
       </p:sp>
       <p:pic>
         <p:nvPicPr>
-          <p:cNvPr id="9" name="Picture 8"/>
+          <p:cNvPr id="5" name="Content Placeholder 4"/>
           <p:cNvPicPr>
-            <a:picLocks noChangeAspect="1"/>
+            <a:picLocks noGrp="1" noChangeAspect="1"/>
           </p:cNvPicPr>
-          <p:nvPr/>
+          <p:nvPr>
+            <p:ph sz="half" idx="1"/>
+          </p:nvPr>
         </p:nvPicPr>
         <p:blipFill>
           <a:blip r:embed="rId2"/>
@@ -10584,17 +10693,36 @@
         </p:blipFill>
         <p:spPr>
           <a:xfrm>
-            <a:off x="4589106" y="2283851"/>
-            <a:ext cx="4076700" cy="2352675"/>
+            <a:off x="533400" y="1584649"/>
+            <a:ext cx="3100084" cy="4525963"/>
           </a:xfrm>
           <a:prstGeom prst="rect">
             <a:avLst/>
           </a:prstGeom>
         </p:spPr>
       </p:pic>
+      <p:sp>
+        <p:nvSpPr>
+          <p:cNvPr id="4" name="Content Placeholder 3"/>
+          <p:cNvSpPr>
+            <a:spLocks noGrp="1"/>
+          </p:cNvSpPr>
+          <p:nvPr>
+            <p:ph sz="half" idx="2"/>
+          </p:nvPr>
+        </p:nvSpPr>
+        <p:spPr/>
+        <p:txBody>
+          <a:bodyPr/>
+          <a:lstStyle/>
+          <a:p>
+            <a:endParaRPr lang="en-US"/>
+          </a:p>
+        </p:txBody>
+      </p:sp>
       <p:pic>
         <p:nvPicPr>
-          <p:cNvPr id="10" name="Picture 9"/>
+          <p:cNvPr id="6" name="Picture 5"/>
           <p:cNvPicPr>
             <a:picLocks noChangeAspect="1"/>
           </p:cNvPicPr>
@@ -10608,8 +10736,8 @@
         </p:blipFill>
         <p:spPr>
           <a:xfrm>
-            <a:off x="719137" y="2696536"/>
-            <a:ext cx="3514725" cy="1943100"/>
+            <a:off x="4724400" y="228600"/>
+            <a:ext cx="3962400" cy="6441587"/>
           </a:xfrm>
           <a:prstGeom prst="rect">
             <a:avLst/>
@@ -10619,7 +10747,7 @@
     </p:spTree>
     <p:extLst>
       <p:ext uri="{BB962C8B-B14F-4D97-AF65-F5344CB8AC3E}">
-        <p14:creationId xmlns:p14="http://schemas.microsoft.com/office/powerpoint/2010/main" val="1684306625"/>
+        <p14:creationId xmlns:p14="http://schemas.microsoft.com/office/powerpoint/2010/main" val="2229345552"/>
       </p:ext>
     </p:extLst>
   </p:cSld>
@@ -10677,6 +10805,81 @@
           </a:p>
         </p:txBody>
       </p:sp>
+      <p:sp>
+        <p:nvSpPr>
+          <p:cNvPr id="3" name="Content Placeholder 2"/>
+          <p:cNvSpPr>
+            <a:spLocks noGrp="1"/>
+          </p:cNvSpPr>
+          <p:nvPr>
+            <p:ph sz="half" idx="1"/>
+          </p:nvPr>
+        </p:nvSpPr>
+        <p:spPr/>
+        <p:txBody>
+          <a:bodyPr/>
+          <a:lstStyle/>
+          <a:p>
+            <a:pPr marL="0" indent="0">
+              <a:buNone/>
+            </a:pPr>
+            <a:r>
+              <a:rPr lang="en-US" dirty="0">
+                <a:solidFill>
+                  <a:srgbClr val="FF0000"/>
+                </a:solidFill>
+              </a:rPr>
+              <a:t>%</a:t>
+            </a:r>
+            <a:r>
+              <a:rPr lang="en-US" dirty="0" err="1">
+                <a:solidFill>
+                  <a:srgbClr val="FF0000"/>
+                </a:solidFill>
+              </a:rPr>
+              <a:t>CI_freq</a:t>
+            </a:r>
+            <a:r>
+              <a:rPr lang="en-US" dirty="0">
+                <a:solidFill>
+                  <a:srgbClr val="FF0000"/>
+                </a:solidFill>
+              </a:rPr>
+              <a:t>(r=81,n=263)</a:t>
+            </a:r>
+            <a:br>
+              <a:rPr lang="en-US" dirty="0">
+                <a:solidFill>
+                  <a:srgbClr val="FF0000"/>
+                </a:solidFill>
+              </a:rPr>
+            </a:br>
+            <a:r>
+              <a:rPr lang="en-US" dirty="0">
+                <a:solidFill>
+                  <a:srgbClr val="FF0000"/>
+                </a:solidFill>
+              </a:rPr>
+              <a:t/>
+            </a:r>
+            <a:br>
+              <a:rPr lang="en-US" dirty="0">
+                <a:solidFill>
+                  <a:srgbClr val="FF0000"/>
+                </a:solidFill>
+              </a:rPr>
+            </a:br>
+            <a:endParaRPr lang="en-US" dirty="0">
+              <a:solidFill>
+                <a:srgbClr val="FF0000"/>
+              </a:solidFill>
+            </a:endParaRPr>
+          </a:p>
+          <a:p>
+            <a:endParaRPr lang="en-US" dirty="0"/>
+          </a:p>
+        </p:txBody>
+      </p:sp>
       <p:pic>
         <p:nvPicPr>
           <p:cNvPr id="5" name="Content Placeholder 4"/>
@@ -10684,7 +10887,7 @@
             <a:picLocks noGrp="1" noChangeAspect="1"/>
           </p:cNvPicPr>
           <p:nvPr>
-            <p:ph sz="half" idx="1"/>
+            <p:ph sz="half" idx="2"/>
           </p:nvPr>
         </p:nvPicPr>
         <p:blipFill>
@@ -10695,51 +10898,8 @@
         </p:blipFill>
         <p:spPr>
           <a:xfrm>
-            <a:off x="533400" y="1584649"/>
-            <a:ext cx="3100084" cy="4525963"/>
-          </a:xfrm>
-          <a:prstGeom prst="rect">
-            <a:avLst/>
-          </a:prstGeom>
-        </p:spPr>
-      </p:pic>
-      <p:sp>
-        <p:nvSpPr>
-          <p:cNvPr id="4" name="Content Placeholder 3"/>
-          <p:cNvSpPr>
-            <a:spLocks noGrp="1"/>
-          </p:cNvSpPr>
-          <p:nvPr>
-            <p:ph sz="half" idx="2"/>
-          </p:nvPr>
-        </p:nvSpPr>
-        <p:spPr/>
-        <p:txBody>
-          <a:bodyPr/>
-          <a:lstStyle/>
-          <a:p>
-            <a:endParaRPr lang="en-US"/>
-          </a:p>
-        </p:txBody>
-      </p:sp>
-      <p:pic>
-        <p:nvPicPr>
-          <p:cNvPr id="6" name="Picture 5"/>
-          <p:cNvPicPr>
-            <a:picLocks noChangeAspect="1"/>
-          </p:cNvPicPr>
-          <p:nvPr/>
-        </p:nvPicPr>
-        <p:blipFill>
-          <a:blip r:embed="rId3"/>
-          <a:stretch>
-            <a:fillRect/>
-          </a:stretch>
-        </p:blipFill>
-        <p:spPr>
-          <a:xfrm>
-            <a:off x="4724400" y="228600"/>
-            <a:ext cx="3962400" cy="6441587"/>
+            <a:off x="4648200" y="2376844"/>
+            <a:ext cx="4038600" cy="2972674"/>
           </a:xfrm>
           <a:prstGeom prst="rect">
             <a:avLst/>
@@ -10749,7 +10909,7 @@
     </p:spTree>
     <p:extLst>
       <p:ext uri="{BB962C8B-B14F-4D97-AF65-F5344CB8AC3E}">
-        <p14:creationId xmlns:p14="http://schemas.microsoft.com/office/powerpoint/2010/main" val="2229345552"/>
+        <p14:creationId xmlns:p14="http://schemas.microsoft.com/office/powerpoint/2010/main" val="3906081019"/>
       </p:ext>
     </p:extLst>
   </p:cSld>
@@ -10785,7 +10945,7 @@
       </p:grpSpPr>
       <p:sp>
         <p:nvSpPr>
-          <p:cNvPr id="2" name="Title 1"/>
+          <p:cNvPr id="5" name="Title 4"/>
           <p:cNvSpPr>
             <a:spLocks noGrp="1"/>
           </p:cNvSpPr>
@@ -10795,26 +10955,25 @@
         </p:nvSpPr>
         <p:spPr/>
         <p:txBody>
-          <a:bodyPr>
-            <a:normAutofit/>
-          </a:bodyPr>
-          <a:lstStyle/>
-          <a:p>
-            <a:r>
-              <a:rPr lang="en-US" sz="3000" dirty="0"/>
-              <a:t>Using PROC FREQ</a:t>
-            </a:r>
-          </a:p>
-        </p:txBody>
-      </p:sp>
-      <p:sp>
-        <p:nvSpPr>
-          <p:cNvPr id="3" name="Content Placeholder 2"/>
-          <p:cNvSpPr>
-            <a:spLocks noGrp="1"/>
-          </p:cNvSpPr>
-          <p:nvPr>
-            <p:ph sz="half" idx="1"/>
+          <a:bodyPr/>
+          <a:lstStyle/>
+          <a:p>
+            <a:r>
+              <a:rPr lang="en-US" dirty="0" smtClean="0"/>
+              <a:t>What’s next</a:t>
+            </a:r>
+            <a:endParaRPr lang="en-US" dirty="0"/>
+          </a:p>
+        </p:txBody>
+      </p:sp>
+      <p:sp>
+        <p:nvSpPr>
+          <p:cNvPr id="6" name="Content Placeholder 5"/>
+          <p:cNvSpPr>
+            <a:spLocks noGrp="1"/>
+          </p:cNvSpPr>
+          <p:nvPr>
+            <p:ph idx="1"/>
           </p:nvPr>
         </p:nvSpPr>
         <p:spPr/>
@@ -10822,109 +10981,63 @@
           <a:bodyPr/>
           <a:lstStyle/>
           <a:p>
+            <a:r>
+              <a:rPr lang="en-US" dirty="0" smtClean="0"/>
+              <a:t>PROC MCMC</a:t>
+            </a:r>
+          </a:p>
+          <a:p>
             <a:pPr marL="0" indent="0">
               <a:buNone/>
             </a:pPr>
-            <a:r>
-              <a:rPr lang="en-US" dirty="0">
-                <a:solidFill>
-                  <a:srgbClr val="FF0000"/>
-                </a:solidFill>
-              </a:rPr>
-              <a:t>%</a:t>
-            </a:r>
-            <a:r>
-              <a:rPr lang="en-US" dirty="0" err="1">
-                <a:solidFill>
-                  <a:srgbClr val="FF0000"/>
-                </a:solidFill>
-              </a:rPr>
-              <a:t>CI_freq</a:t>
-            </a:r>
-            <a:r>
-              <a:rPr lang="en-US" dirty="0">
-                <a:solidFill>
-                  <a:srgbClr val="FF0000"/>
-                </a:solidFill>
-              </a:rPr>
-              <a:t>(r=81,n=263)</a:t>
+            <a:endParaRPr lang="en-US" dirty="0" smtClean="0"/>
+          </a:p>
+          <a:p>
+            <a:r>
+              <a:rPr lang="en-US" dirty="0" smtClean="0"/>
+              <a:t>Put macros to functions</a:t>
+            </a:r>
+          </a:p>
+          <a:p>
+            <a:endParaRPr lang="en-US" dirty="0"/>
+          </a:p>
+          <a:p>
+            <a:r>
+              <a:rPr lang="en-US" i="1" dirty="0" smtClean="0"/>
+              <a:t>CI for difference </a:t>
+            </a:r>
+            <a:r>
+              <a:rPr lang="en-US" i="1" dirty="0"/>
+              <a:t>between independent proportions</a:t>
+            </a:r>
+            <a:r>
+              <a:rPr lang="en-US" dirty="0"/>
+              <a:t/>
             </a:r>
             <a:br>
-              <a:rPr lang="en-US" dirty="0">
-                <a:solidFill>
-                  <a:srgbClr val="FF0000"/>
-                </a:solidFill>
-              </a:rPr>
+              <a:rPr lang="en-US" dirty="0"/>
             </a:br>
             <a:r>
-              <a:rPr lang="en-US" dirty="0">
-                <a:solidFill>
-                  <a:srgbClr val="FF0000"/>
-                </a:solidFill>
-              </a:rPr>
+              <a:rPr lang="en-US" dirty="0"/>
               <a:t/>
             </a:r>
             <a:br>
-              <a:rPr lang="en-US" dirty="0">
-                <a:solidFill>
-                  <a:srgbClr val="FF0000"/>
-                </a:solidFill>
-              </a:rPr>
+              <a:rPr lang="en-US" dirty="0"/>
             </a:br>
-            <a:endParaRPr lang="en-US" dirty="0">
-              <a:solidFill>
-                <a:srgbClr val="FF0000"/>
-              </a:solidFill>
-            </a:endParaRPr>
-          </a:p>
-          <a:p>
             <a:endParaRPr lang="en-US" dirty="0"/>
           </a:p>
         </p:txBody>
       </p:sp>
-      <p:pic>
-        <p:nvPicPr>
-          <p:cNvPr id="5" name="Content Placeholder 4"/>
-          <p:cNvPicPr>
-            <a:picLocks noGrp="1" noChangeAspect="1"/>
-          </p:cNvPicPr>
-          <p:nvPr>
-            <p:ph sz="half" idx="2"/>
-          </p:nvPr>
-        </p:nvPicPr>
-        <p:blipFill>
-          <a:blip r:embed="rId2"/>
-          <a:stretch>
-            <a:fillRect/>
-          </a:stretch>
-        </p:blipFill>
-        <p:spPr>
-          <a:xfrm>
-            <a:off x="4648200" y="2376844"/>
-            <a:ext cx="4038600" cy="2972674"/>
-          </a:xfrm>
-          <a:prstGeom prst="rect">
-            <a:avLst/>
-          </a:prstGeom>
-        </p:spPr>
-      </p:pic>
     </p:spTree>
     <p:extLst>
       <p:ext uri="{BB962C8B-B14F-4D97-AF65-F5344CB8AC3E}">
-        <p14:creationId xmlns:p14="http://schemas.microsoft.com/office/powerpoint/2010/main" val="3906081019"/>
+        <p14:creationId xmlns:p14="http://schemas.microsoft.com/office/powerpoint/2010/main" val="403877853"/>
       </p:ext>
     </p:extLst>
   </p:cSld>
   <p:clrMapOvr>
     <a:masterClrMapping/>
   </p:clrMapOvr>
-  <p:timing>
-    <p:tnLst>
-      <p:par>
-        <p:cTn id="1" dur="indefinite" restart="never" nodeType="tmRoot"/>
-      </p:par>
-    </p:tnLst>
-  </p:timing>
 </p:sld>
 </file>
 
@@ -11505,6 +11618,12 @@
             <a:r>
               <a:rPr lang="en-US" b="1" dirty="0" smtClean="0"/>
               <a:t>How</a:t>
+            </a:r>
+          </a:p>
+          <a:p>
+            <a:r>
+              <a:rPr lang="en-US" b="1" dirty="0" smtClean="0"/>
+              <a:t>Next</a:t>
             </a:r>
           </a:p>
         </p:txBody>

--- a/2015/SD103.pptx
+++ b/2015/SD103.pptx
@@ -17,32 +17,31 @@
     <p:sldId id="261" r:id="rId11"/>
     <p:sldId id="271" r:id="rId12"/>
     <p:sldId id="272" r:id="rId13"/>
-    <p:sldId id="260" r:id="rId14"/>
-    <p:sldId id="269" r:id="rId15"/>
-    <p:sldId id="274" r:id="rId16"/>
-    <p:sldId id="273" r:id="rId17"/>
-    <p:sldId id="276" r:id="rId18"/>
-    <p:sldId id="277" r:id="rId19"/>
-    <p:sldId id="278" r:id="rId20"/>
-    <p:sldId id="279" r:id="rId21"/>
-    <p:sldId id="280" r:id="rId22"/>
-    <p:sldId id="281" r:id="rId23"/>
-    <p:sldId id="282" r:id="rId24"/>
-    <p:sldId id="283" r:id="rId25"/>
-    <p:sldId id="284" r:id="rId26"/>
-    <p:sldId id="286" r:id="rId27"/>
-    <p:sldId id="287" r:id="rId28"/>
-    <p:sldId id="285" r:id="rId29"/>
-    <p:sldId id="288" r:id="rId30"/>
-    <p:sldId id="289" r:id="rId31"/>
-    <p:sldId id="290" r:id="rId32"/>
-    <p:sldId id="291" r:id="rId33"/>
-    <p:sldId id="292" r:id="rId34"/>
-    <p:sldId id="293" r:id="rId35"/>
-    <p:sldId id="294" r:id="rId36"/>
-    <p:sldId id="295" r:id="rId37"/>
-    <p:sldId id="296" r:id="rId38"/>
-    <p:sldId id="297" r:id="rId39"/>
+    <p:sldId id="269" r:id="rId14"/>
+    <p:sldId id="274" r:id="rId15"/>
+    <p:sldId id="273" r:id="rId16"/>
+    <p:sldId id="276" r:id="rId17"/>
+    <p:sldId id="277" r:id="rId18"/>
+    <p:sldId id="278" r:id="rId19"/>
+    <p:sldId id="279" r:id="rId20"/>
+    <p:sldId id="280" r:id="rId21"/>
+    <p:sldId id="281" r:id="rId22"/>
+    <p:sldId id="282" r:id="rId23"/>
+    <p:sldId id="283" r:id="rId24"/>
+    <p:sldId id="284" r:id="rId25"/>
+    <p:sldId id="286" r:id="rId26"/>
+    <p:sldId id="287" r:id="rId27"/>
+    <p:sldId id="285" r:id="rId28"/>
+    <p:sldId id="288" r:id="rId29"/>
+    <p:sldId id="289" r:id="rId30"/>
+    <p:sldId id="290" r:id="rId31"/>
+    <p:sldId id="291" r:id="rId32"/>
+    <p:sldId id="292" r:id="rId33"/>
+    <p:sldId id="293" r:id="rId34"/>
+    <p:sldId id="294" r:id="rId35"/>
+    <p:sldId id="295" r:id="rId36"/>
+    <p:sldId id="296" r:id="rId37"/>
+    <p:sldId id="297" r:id="rId38"/>
   </p:sldIdLst>
   <p:sldSz cx="9144000" cy="6858000" type="screen4x3"/>
   <p:notesSz cx="6858000" cy="9144000"/>
@@ -350,7 +349,7 @@
           <a:p>
             <a:fld id="{B4BB906A-7526-49A7-A47A-B7356A5ECE64}" type="datetimeFigureOut">
               <a:rPr lang="en-US" smtClean="0"/>
-              <a:t>9/23/2015</a:t>
+              <a:t>9/24/2015</a:t>
             </a:fld>
             <a:endParaRPr lang="en-US"/>
           </a:p>
@@ -552,7 +551,7 @@
           <a:p>
             <a:fld id="{B4BB906A-7526-49A7-A47A-B7356A5ECE64}" type="datetimeFigureOut">
               <a:rPr lang="en-US" smtClean="0"/>
-              <a:t>9/23/2015</a:t>
+              <a:t>9/24/2015</a:t>
             </a:fld>
             <a:endParaRPr lang="en-US"/>
           </a:p>
@@ -759,7 +758,7 @@
           <a:p>
             <a:fld id="{B4BB906A-7526-49A7-A47A-B7356A5ECE64}" type="datetimeFigureOut">
               <a:rPr lang="en-US" smtClean="0"/>
-              <a:t>9/23/2015</a:t>
+              <a:t>9/24/2015</a:t>
             </a:fld>
             <a:endParaRPr lang="en-US"/>
           </a:p>
@@ -1028,7 +1027,7 @@
           <a:p>
             <a:fld id="{B4BB906A-7526-49A7-A47A-B7356A5ECE64}" type="datetimeFigureOut">
               <a:rPr lang="en-US" smtClean="0"/>
-              <a:t>9/23/2015</a:t>
+              <a:t>9/24/2015</a:t>
             </a:fld>
             <a:endParaRPr lang="en-US"/>
           </a:p>
@@ -1266,7 +1265,7 @@
           <a:p>
             <a:fld id="{B4BB906A-7526-49A7-A47A-B7356A5ECE64}" type="datetimeFigureOut">
               <a:rPr lang="en-US" smtClean="0"/>
-              <a:t>9/23/2015</a:t>
+              <a:t>9/24/2015</a:t>
             </a:fld>
             <a:endParaRPr lang="en-US"/>
           </a:p>
@@ -1539,7 +1538,7 @@
           <a:p>
             <a:fld id="{B4BB906A-7526-49A7-A47A-B7356A5ECE64}" type="datetimeFigureOut">
               <a:rPr lang="en-US" smtClean="0"/>
-              <a:t>9/23/2015</a:t>
+              <a:t>9/24/2015</a:t>
             </a:fld>
             <a:endParaRPr lang="en-US"/>
           </a:p>
@@ -1857,7 +1856,7 @@
           <a:p>
             <a:fld id="{B4BB906A-7526-49A7-A47A-B7356A5ECE64}" type="datetimeFigureOut">
               <a:rPr lang="en-US" smtClean="0"/>
-              <a:t>9/23/2015</a:t>
+              <a:t>9/24/2015</a:t>
             </a:fld>
             <a:endParaRPr lang="en-US"/>
           </a:p>
@@ -2315,7 +2314,7 @@
           <a:p>
             <a:fld id="{B4BB906A-7526-49A7-A47A-B7356A5ECE64}" type="datetimeFigureOut">
               <a:rPr lang="en-US" smtClean="0"/>
-              <a:t>9/23/2015</a:t>
+              <a:t>9/24/2015</a:t>
             </a:fld>
             <a:endParaRPr lang="en-US"/>
           </a:p>
@@ -2457,7 +2456,7 @@
           <a:p>
             <a:fld id="{B4BB906A-7526-49A7-A47A-B7356A5ECE64}" type="datetimeFigureOut">
               <a:rPr lang="en-US" smtClean="0"/>
-              <a:t>9/23/2015</a:t>
+              <a:t>9/24/2015</a:t>
             </a:fld>
             <a:endParaRPr lang="en-US"/>
           </a:p>
@@ -2576,7 +2575,7 @@
           <a:p>
             <a:fld id="{B4BB906A-7526-49A7-A47A-B7356A5ECE64}" type="datetimeFigureOut">
               <a:rPr lang="en-US" smtClean="0"/>
-              <a:t>9/23/2015</a:t>
+              <a:t>9/24/2015</a:t>
             </a:fld>
             <a:endParaRPr lang="en-US"/>
           </a:p>
@@ -2883,7 +2882,7 @@
           <a:p>
             <a:fld id="{B4BB906A-7526-49A7-A47A-B7356A5ECE64}" type="datetimeFigureOut">
               <a:rPr lang="en-US" smtClean="0"/>
-              <a:t>9/23/2015</a:t>
+              <a:t>9/24/2015</a:t>
             </a:fld>
             <a:endParaRPr lang="en-US"/>
           </a:p>
@@ -3085,7 +3084,7 @@
           <a:p>
             <a:fld id="{B4BB906A-7526-49A7-A47A-B7356A5ECE64}" type="datetimeFigureOut">
               <a:rPr lang="en-US" smtClean="0"/>
-              <a:t>9/23/2015</a:t>
+              <a:t>9/24/2015</a:t>
             </a:fld>
             <a:endParaRPr lang="en-US"/>
           </a:p>
@@ -3368,7 +3367,7 @@
           <a:p>
             <a:fld id="{B4BB906A-7526-49A7-A47A-B7356A5ECE64}" type="datetimeFigureOut">
               <a:rPr lang="en-US" smtClean="0"/>
-              <a:t>9/23/2015</a:t>
+              <a:t>9/24/2015</a:t>
             </a:fld>
             <a:endParaRPr lang="en-US"/>
           </a:p>
@@ -3570,7 +3569,7 @@
           <a:p>
             <a:fld id="{B4BB906A-7526-49A7-A47A-B7356A5ECE64}" type="datetimeFigureOut">
               <a:rPr lang="en-US" smtClean="0"/>
-              <a:t>9/23/2015</a:t>
+              <a:t>9/24/2015</a:t>
             </a:fld>
             <a:endParaRPr lang="en-US"/>
           </a:p>
@@ -3777,7 +3776,7 @@
           <a:p>
             <a:fld id="{B4BB906A-7526-49A7-A47A-B7356A5ECE64}" type="datetimeFigureOut">
               <a:rPr lang="en-US" smtClean="0"/>
-              <a:t>9/23/2015</a:t>
+              <a:t>9/24/2015</a:t>
             </a:fld>
             <a:endParaRPr lang="en-US"/>
           </a:p>
@@ -4050,7 +4049,7 @@
           <a:p>
             <a:fld id="{B4BB906A-7526-49A7-A47A-B7356A5ECE64}" type="datetimeFigureOut">
               <a:rPr lang="en-US" smtClean="0"/>
-              <a:t>9/23/2015</a:t>
+              <a:t>9/24/2015</a:t>
             </a:fld>
             <a:endParaRPr lang="en-US"/>
           </a:p>
@@ -4368,7 +4367,7 @@
           <a:p>
             <a:fld id="{B4BB906A-7526-49A7-A47A-B7356A5ECE64}" type="datetimeFigureOut">
               <a:rPr lang="en-US" smtClean="0"/>
-              <a:t>9/23/2015</a:t>
+              <a:t>9/24/2015</a:t>
             </a:fld>
             <a:endParaRPr lang="en-US"/>
           </a:p>
@@ -4826,7 +4825,7 @@
           <a:p>
             <a:fld id="{B4BB906A-7526-49A7-A47A-B7356A5ECE64}" type="datetimeFigureOut">
               <a:rPr lang="en-US" smtClean="0"/>
-              <a:t>9/23/2015</a:t>
+              <a:t>9/24/2015</a:t>
             </a:fld>
             <a:endParaRPr lang="en-US"/>
           </a:p>
@@ -4968,7 +4967,7 @@
           <a:p>
             <a:fld id="{B4BB906A-7526-49A7-A47A-B7356A5ECE64}" type="datetimeFigureOut">
               <a:rPr lang="en-US" smtClean="0"/>
-              <a:t>9/23/2015</a:t>
+              <a:t>9/24/2015</a:t>
             </a:fld>
             <a:endParaRPr lang="en-US"/>
           </a:p>
@@ -5087,7 +5086,7 @@
           <a:p>
             <a:fld id="{B4BB906A-7526-49A7-A47A-B7356A5ECE64}" type="datetimeFigureOut">
               <a:rPr lang="en-US" smtClean="0"/>
-              <a:t>9/23/2015</a:t>
+              <a:t>9/24/2015</a:t>
             </a:fld>
             <a:endParaRPr lang="en-US"/>
           </a:p>
@@ -5394,7 +5393,7 @@
           <a:p>
             <a:fld id="{B4BB906A-7526-49A7-A47A-B7356A5ECE64}" type="datetimeFigureOut">
               <a:rPr lang="en-US" smtClean="0"/>
-              <a:t>9/23/2015</a:t>
+              <a:t>9/24/2015</a:t>
             </a:fld>
             <a:endParaRPr lang="en-US"/>
           </a:p>
@@ -5677,7 +5676,7 @@
           <a:p>
             <a:fld id="{B4BB906A-7526-49A7-A47A-B7356A5ECE64}" type="datetimeFigureOut">
               <a:rPr lang="en-US" smtClean="0"/>
-              <a:t>9/23/2015</a:t>
+              <a:t>9/24/2015</a:t>
             </a:fld>
             <a:endParaRPr lang="en-US"/>
           </a:p>
@@ -6998,7 +6997,7 @@
           <a:p>
             <a:r>
               <a:rPr lang="en-US" dirty="0" smtClean="0"/>
-              <a:t>The Goal </a:t>
+              <a:t>What is CI</a:t>
             </a:r>
             <a:endParaRPr lang="en-US" dirty="0"/>
           </a:p>
@@ -7014,44 +7013,110 @@
             <p:ph idx="1"/>
           </p:nvPr>
         </p:nvSpPr>
-        <p:spPr/>
-        <p:txBody>
-          <a:bodyPr/>
-          <a:lstStyle/>
-          <a:p>
-            <a:r>
-              <a:rPr lang="en-US" dirty="0" smtClean="0"/>
-              <a:t>Understand what is CI</a:t>
-            </a:r>
-          </a:p>
-          <a:p>
-            <a:r>
-              <a:rPr lang="en-US" dirty="0" smtClean="0"/>
-              <a:t>Reproduce the outputs by SAS</a:t>
-            </a:r>
-          </a:p>
-          <a:p>
-            <a:endParaRPr lang="en-US" dirty="0"/>
-          </a:p>
-        </p:txBody>
-      </p:sp>
+        <p:spPr>
+          <a:xfrm>
+            <a:off x="457200" y="1371600"/>
+            <a:ext cx="8458200" cy="5257800"/>
+          </a:xfrm>
+        </p:spPr>
+        <p:txBody>
+          <a:bodyPr/>
+          <a:lstStyle/>
+          <a:p>
+            <a:r>
+              <a:rPr lang="en-US" sz="2500" dirty="0" smtClean="0"/>
+              <a:t>Inputs: n, r</a:t>
+            </a:r>
+          </a:p>
+          <a:p>
+            <a:pPr lvl="1"/>
+            <a:r>
+              <a:rPr lang="en-US" sz="2100" dirty="0" smtClean="0"/>
+              <a:t>derived: p = r/n, q = 1- p)</a:t>
+            </a:r>
+          </a:p>
+          <a:p>
+            <a:r>
+              <a:rPr lang="en-US" sz="2500" dirty="0" smtClean="0"/>
+              <a:t>CI: Confidence Interval, </a:t>
+            </a:r>
+            <a:r>
+              <a:rPr lang="en-US" sz="2500" dirty="0"/>
+              <a:t>a range of values, computed from the sample, which </a:t>
+            </a:r>
+            <a:r>
+              <a:rPr lang="en-US" sz="2500" dirty="0" smtClean="0"/>
+              <a:t>is with </a:t>
+            </a:r>
+            <a:r>
+              <a:rPr lang="en-US" sz="2500" dirty="0"/>
+              <a:t>probability of 95% to cover the population proportion </a:t>
+            </a:r>
+            <a:br>
+              <a:rPr lang="en-US" sz="2500" dirty="0"/>
+            </a:br>
+            <a:r>
+              <a:rPr lang="en-US" sz="2500" dirty="0"/>
+              <a:t/>
+            </a:r>
+            <a:br>
+              <a:rPr lang="en-US" sz="2500" dirty="0"/>
+            </a:br>
+            <a:r>
+              <a:rPr lang="en-US" sz="2500" dirty="0"/>
+              <a:t/>
+            </a:r>
+            <a:br>
+              <a:rPr lang="en-US" sz="2500" dirty="0"/>
+            </a:br>
+            <a:r>
+              <a:rPr lang="en-US" sz="2500" dirty="0"/>
+              <a:t/>
+            </a:r>
+            <a:br>
+              <a:rPr lang="en-US" sz="2500" dirty="0"/>
+            </a:br>
+            <a:endParaRPr lang="en-US" sz="2500" dirty="0" smtClean="0"/>
+          </a:p>
+          <a:p>
+            <a:endParaRPr lang="en-US" sz="2500" dirty="0"/>
+          </a:p>
+        </p:txBody>
+      </p:sp>
+      <p:pic>
+        <p:nvPicPr>
+          <p:cNvPr id="4" name="Picture 3"/>
+          <p:cNvPicPr>
+            <a:picLocks noChangeAspect="1"/>
+          </p:cNvPicPr>
+          <p:nvPr/>
+        </p:nvPicPr>
+        <p:blipFill>
+          <a:blip r:embed="rId2"/>
+          <a:stretch>
+            <a:fillRect/>
+          </a:stretch>
+        </p:blipFill>
+        <p:spPr>
+          <a:xfrm>
+            <a:off x="838200" y="3657600"/>
+            <a:ext cx="7543800" cy="2343150"/>
+          </a:xfrm>
+          <a:prstGeom prst="rect">
+            <a:avLst/>
+          </a:prstGeom>
+        </p:spPr>
+      </p:pic>
     </p:spTree>
     <p:extLst>
       <p:ext uri="{BB962C8B-B14F-4D97-AF65-F5344CB8AC3E}">
-        <p14:creationId xmlns:p14="http://schemas.microsoft.com/office/powerpoint/2010/main" val="2356704734"/>
+        <p14:creationId xmlns:p14="http://schemas.microsoft.com/office/powerpoint/2010/main" val="3800340229"/>
       </p:ext>
     </p:extLst>
   </p:cSld>
   <p:clrMapOvr>
     <a:masterClrMapping/>
   </p:clrMapOvr>
-  <p:timing>
-    <p:tnLst>
-      <p:par>
-        <p:cTn id="1" dur="indefinite" restart="never" nodeType="tmRoot"/>
-      </p:par>
-    </p:tnLst>
-  </p:timing>
 </p:sld>
 </file>
 
@@ -7089,7 +7154,7 @@
           <a:p>
             <a:r>
               <a:rPr lang="en-US" dirty="0" smtClean="0"/>
-              <a:t>What is CI</a:t>
+              <a:t>Why CI is important</a:t>
             </a:r>
             <a:endParaRPr lang="en-US" dirty="0"/>
           </a:p>
@@ -7107,71 +7172,29 @@
         </p:nvSpPr>
         <p:spPr>
           <a:xfrm>
-            <a:off x="457200" y="1371600"/>
-            <a:ext cx="8458200" cy="5257800"/>
-          </a:xfrm>
-        </p:spPr>
-        <p:txBody>
-          <a:bodyPr/>
-          <a:lstStyle/>
-          <a:p>
-            <a:r>
-              <a:rPr lang="en-US" sz="2500" dirty="0" smtClean="0"/>
-              <a:t>Inputs: n, r</a:t>
-            </a:r>
-          </a:p>
-          <a:p>
-            <a:pPr lvl="1"/>
-            <a:r>
-              <a:rPr lang="en-US" sz="2100" dirty="0" smtClean="0"/>
-              <a:t>derived: p = r/n, q = 1- p)</a:t>
-            </a:r>
-          </a:p>
-          <a:p>
-            <a:r>
-              <a:rPr lang="en-US" sz="2500" dirty="0" smtClean="0"/>
-              <a:t>CI: Confidence Interval, </a:t>
-            </a:r>
-            <a:r>
-              <a:rPr lang="en-US" sz="2500" dirty="0"/>
-              <a:t>a range of values, computed from the sample, which </a:t>
-            </a:r>
-            <a:r>
-              <a:rPr lang="en-US" sz="2500" dirty="0" smtClean="0"/>
-              <a:t>is with </a:t>
-            </a:r>
-            <a:r>
-              <a:rPr lang="en-US" sz="2500" dirty="0"/>
-              <a:t>probability of 95% to cover the population proportion </a:t>
-            </a:r>
-            <a:br>
-              <a:rPr lang="en-US" sz="2500" dirty="0"/>
-            </a:br>
-            <a:r>
-              <a:rPr lang="en-US" sz="2500" dirty="0"/>
-              <a:t/>
-            </a:r>
-            <a:br>
-              <a:rPr lang="en-US" sz="2500" dirty="0"/>
-            </a:br>
-            <a:r>
-              <a:rPr lang="en-US" sz="2500" dirty="0"/>
-              <a:t/>
-            </a:r>
-            <a:br>
-              <a:rPr lang="en-US" sz="2500" dirty="0"/>
-            </a:br>
-            <a:r>
-              <a:rPr lang="en-US" sz="2500" dirty="0"/>
-              <a:t/>
-            </a:r>
-            <a:br>
-              <a:rPr lang="en-US" sz="2500" dirty="0"/>
-            </a:br>
-            <a:endParaRPr lang="en-US" sz="2500" dirty="0" smtClean="0"/>
-          </a:p>
-          <a:p>
-            <a:endParaRPr lang="en-US" sz="2500" dirty="0"/>
+            <a:off x="457200" y="1295400"/>
+            <a:ext cx="8229600" cy="4830763"/>
+          </a:xfrm>
+        </p:spPr>
+        <p:txBody>
+          <a:bodyPr/>
+          <a:lstStyle/>
+          <a:p>
+            <a:r>
+              <a:rPr lang="en-US" dirty="0" smtClean="0"/>
+              <a:t>From </a:t>
+            </a:r>
+            <a:r>
+              <a:rPr lang="en-US" dirty="0"/>
+              <a:t>statistical point of view, confidence intervals are generally more informative than </a:t>
+            </a:r>
+            <a:r>
+              <a:rPr lang="en-US" dirty="0" smtClean="0"/>
+              <a:t>p-value</a:t>
+            </a:r>
+          </a:p>
+          <a:p>
+            <a:endParaRPr lang="en-US" dirty="0" smtClean="0"/>
           </a:p>
         </p:txBody>
       </p:sp>
@@ -7191,8 +7214,8 @@
         </p:blipFill>
         <p:spPr>
           <a:xfrm>
-            <a:off x="838200" y="3657600"/>
-            <a:ext cx="7543800" cy="2343150"/>
+            <a:off x="990600" y="3124200"/>
+            <a:ext cx="7162800" cy="2761869"/>
           </a:xfrm>
           <a:prstGeom prst="rect">
             <a:avLst/>
@@ -7202,7 +7225,7 @@
     </p:spTree>
     <p:extLst>
       <p:ext uri="{BB962C8B-B14F-4D97-AF65-F5344CB8AC3E}">
-        <p14:creationId xmlns:p14="http://schemas.microsoft.com/office/powerpoint/2010/main" val="3800340229"/>
+        <p14:creationId xmlns:p14="http://schemas.microsoft.com/office/powerpoint/2010/main" val="3392906977"/>
       </p:ext>
     </p:extLst>
   </p:cSld>
@@ -7239,121 +7262,6 @@
             <p:ph type="title"/>
           </p:nvPr>
         </p:nvSpPr>
-        <p:spPr/>
-        <p:txBody>
-          <a:bodyPr/>
-          <a:lstStyle/>
-          <a:p>
-            <a:r>
-              <a:rPr lang="en-US" dirty="0" smtClean="0"/>
-              <a:t>Why CI is important</a:t>
-            </a:r>
-            <a:endParaRPr lang="en-US" dirty="0"/>
-          </a:p>
-        </p:txBody>
-      </p:sp>
-      <p:sp>
-        <p:nvSpPr>
-          <p:cNvPr id="3" name="Content Placeholder 2"/>
-          <p:cNvSpPr>
-            <a:spLocks noGrp="1"/>
-          </p:cNvSpPr>
-          <p:nvPr>
-            <p:ph idx="1"/>
-          </p:nvPr>
-        </p:nvSpPr>
-        <p:spPr>
-          <a:xfrm>
-            <a:off x="457200" y="1295400"/>
-            <a:ext cx="8229600" cy="4830763"/>
-          </a:xfrm>
-        </p:spPr>
-        <p:txBody>
-          <a:bodyPr/>
-          <a:lstStyle/>
-          <a:p>
-            <a:r>
-              <a:rPr lang="en-US" dirty="0" smtClean="0"/>
-              <a:t>From </a:t>
-            </a:r>
-            <a:r>
-              <a:rPr lang="en-US" dirty="0"/>
-              <a:t>statistical point of view, confidence intervals are generally more informative than </a:t>
-            </a:r>
-            <a:r>
-              <a:rPr lang="en-US" dirty="0" smtClean="0"/>
-              <a:t>p-value</a:t>
-            </a:r>
-          </a:p>
-          <a:p>
-            <a:endParaRPr lang="en-US" dirty="0" smtClean="0"/>
-          </a:p>
-        </p:txBody>
-      </p:sp>
-      <p:pic>
-        <p:nvPicPr>
-          <p:cNvPr id="4" name="Picture 3"/>
-          <p:cNvPicPr>
-            <a:picLocks noChangeAspect="1"/>
-          </p:cNvPicPr>
-          <p:nvPr/>
-        </p:nvPicPr>
-        <p:blipFill>
-          <a:blip r:embed="rId2"/>
-          <a:stretch>
-            <a:fillRect/>
-          </a:stretch>
-        </p:blipFill>
-        <p:spPr>
-          <a:xfrm>
-            <a:off x="990600" y="3124200"/>
-            <a:ext cx="7162800" cy="2761869"/>
-          </a:xfrm>
-          <a:prstGeom prst="rect">
-            <a:avLst/>
-          </a:prstGeom>
-        </p:spPr>
-      </p:pic>
-    </p:spTree>
-    <p:extLst>
-      <p:ext uri="{BB962C8B-B14F-4D97-AF65-F5344CB8AC3E}">
-        <p14:creationId xmlns:p14="http://schemas.microsoft.com/office/powerpoint/2010/main" val="3392906977"/>
-      </p:ext>
-    </p:extLst>
-  </p:cSld>
-  <p:clrMapOvr>
-    <a:masterClrMapping/>
-  </p:clrMapOvr>
-</p:sld>
-</file>
-
-<file path=ppt/slides/slide15.xml><?xml version="1.0" encoding="utf-8"?>
-<p:sld xmlns:a="http://schemas.openxmlformats.org/drawingml/2006/main" xmlns:r="http://schemas.openxmlformats.org/officeDocument/2006/relationships" xmlns:p="http://schemas.openxmlformats.org/presentationml/2006/main">
-  <p:cSld>
-    <p:spTree>
-      <p:nvGrpSpPr>
-        <p:cNvPr id="1" name=""/>
-        <p:cNvGrpSpPr/>
-        <p:nvPr/>
-      </p:nvGrpSpPr>
-      <p:grpSpPr>
-        <a:xfrm>
-          <a:off x="0" y="0"/>
-          <a:ext cx="0" cy="0"/>
-          <a:chOff x="0" y="0"/>
-          <a:chExt cx="0" cy="0"/>
-        </a:xfrm>
-      </p:grpSpPr>
-      <p:sp>
-        <p:nvSpPr>
-          <p:cNvPr id="2" name="Title 1"/>
-          <p:cNvSpPr>
-            <a:spLocks noGrp="1"/>
-          </p:cNvSpPr>
-          <p:nvPr>
-            <p:ph type="title"/>
-          </p:nvPr>
-        </p:nvSpPr>
         <p:spPr>
           <a:xfrm>
             <a:off x="0" y="1219200"/>
@@ -7539,6 +7447,178 @@
 </p:sld>
 </file>
 
+<file path=ppt/slides/slide15.xml><?xml version="1.0" encoding="utf-8"?>
+<p:sld xmlns:a="http://schemas.openxmlformats.org/drawingml/2006/main" xmlns:r="http://schemas.openxmlformats.org/officeDocument/2006/relationships" xmlns:p="http://schemas.openxmlformats.org/presentationml/2006/main">
+  <p:cSld>
+    <p:spTree>
+      <p:nvGrpSpPr>
+        <p:cNvPr id="1" name=""/>
+        <p:cNvGrpSpPr/>
+        <p:nvPr/>
+      </p:nvGrpSpPr>
+      <p:grpSpPr>
+        <a:xfrm>
+          <a:off x="0" y="0"/>
+          <a:ext cx="0" cy="0"/>
+          <a:chOff x="0" y="0"/>
+          <a:chExt cx="0" cy="0"/>
+        </a:xfrm>
+      </p:grpSpPr>
+      <p:sp>
+        <p:nvSpPr>
+          <p:cNvPr id="2" name="Title 1"/>
+          <p:cNvSpPr>
+            <a:spLocks noGrp="1"/>
+          </p:cNvSpPr>
+          <p:nvPr>
+            <p:ph type="title"/>
+          </p:nvPr>
+        </p:nvSpPr>
+        <p:spPr>
+          <a:xfrm>
+            <a:off x="0" y="1219200"/>
+            <a:ext cx="8610600" cy="152400"/>
+          </a:xfrm>
+        </p:spPr>
+        <p:txBody>
+          <a:bodyPr>
+            <a:normAutofit fontScale="90000"/>
+          </a:bodyPr>
+          <a:lstStyle/>
+          <a:p>
+            <a:r>
+              <a:rPr lang="en-US" dirty="0" smtClean="0"/>
+              <a:t>#1: Wald </a:t>
+            </a:r>
+            <a:r>
+              <a:rPr lang="en-US" dirty="0"/>
+              <a:t/>
+            </a:r>
+            <a:br>
+              <a:rPr lang="en-US" dirty="0"/>
+            </a:br>
+            <a:r>
+              <a:rPr lang="en-US" dirty="0"/>
+              <a:t/>
+            </a:r>
+            <a:br>
+              <a:rPr lang="en-US" dirty="0"/>
+            </a:br>
+            <a:endParaRPr lang="en-US" dirty="0"/>
+          </a:p>
+        </p:txBody>
+      </p:sp>
+      <p:sp>
+        <p:nvSpPr>
+          <p:cNvPr id="3" name="Content Placeholder 2"/>
+          <p:cNvSpPr>
+            <a:spLocks noGrp="1"/>
+          </p:cNvSpPr>
+          <p:nvPr>
+            <p:ph idx="1"/>
+          </p:nvPr>
+        </p:nvSpPr>
+        <p:spPr/>
+        <p:txBody>
+          <a:bodyPr/>
+          <a:lstStyle/>
+          <a:p>
+            <a:r>
+              <a:rPr lang="en-US" dirty="0" smtClean="0"/>
+              <a:t>Pros</a:t>
+            </a:r>
+          </a:p>
+          <a:p>
+            <a:pPr lvl="1"/>
+            <a:r>
+              <a:rPr lang="en-US" dirty="0" smtClean="0"/>
+              <a:t>very popular</a:t>
+            </a:r>
+          </a:p>
+          <a:p>
+            <a:pPr lvl="1"/>
+            <a:r>
+              <a:rPr lang="en-US" dirty="0" smtClean="0"/>
+              <a:t>Easy to understand</a:t>
+            </a:r>
+          </a:p>
+          <a:p>
+            <a:r>
+              <a:rPr lang="en-US" dirty="0" smtClean="0"/>
+              <a:t>Cons</a:t>
+            </a:r>
+          </a:p>
+          <a:p>
+            <a:pPr lvl="1"/>
+            <a:r>
+              <a:rPr lang="en-US" dirty="0"/>
+              <a:t>not </a:t>
+            </a:r>
+            <a:r>
+              <a:rPr lang="en-US" dirty="0" smtClean="0"/>
+              <a:t>boundary-respecting (</a:t>
+            </a:r>
+            <a:r>
+              <a:rPr lang="en-US" dirty="0"/>
+              <a:t>beyond 0 or </a:t>
+            </a:r>
+            <a:r>
+              <a:rPr lang="en-US" dirty="0" smtClean="0"/>
+              <a:t>1)</a:t>
+            </a:r>
+          </a:p>
+          <a:p>
+            <a:pPr lvl="1"/>
+            <a:r>
+              <a:rPr lang="en-US" dirty="0" smtClean="0"/>
+              <a:t>Degeneracy: </a:t>
+            </a:r>
+            <a:r>
+              <a:rPr lang="en-US" dirty="0"/>
+              <a:t>When p = 0 or 1, </a:t>
+            </a:r>
+            <a:r>
+              <a:rPr lang="en-US" dirty="0" smtClean="0"/>
+              <a:t>#1 will </a:t>
+            </a:r>
+            <a:r>
+              <a:rPr lang="en-US" dirty="0"/>
+              <a:t>get a zero width interval [0, 0]</a:t>
+            </a:r>
+            <a:br>
+              <a:rPr lang="en-US" dirty="0"/>
+            </a:br>
+            <a:r>
+              <a:rPr lang="en-US" dirty="0"/>
+              <a:t/>
+            </a:r>
+            <a:br>
+              <a:rPr lang="en-US" dirty="0"/>
+            </a:br>
+            <a:r>
+              <a:rPr lang="en-US" dirty="0"/>
+              <a:t/>
+            </a:r>
+            <a:br>
+              <a:rPr lang="en-US" dirty="0"/>
+            </a:br>
+            <a:endParaRPr lang="en-US" dirty="0"/>
+          </a:p>
+        </p:txBody>
+      </p:sp>
+    </p:spTree>
+    <p:extLst>
+      <p:ext uri="{BB962C8B-B14F-4D97-AF65-F5344CB8AC3E}">
+        <p14:creationId xmlns:p14="http://schemas.microsoft.com/office/powerpoint/2010/main" val="2100919662"/>
+      </p:ext>
+    </p:extLst>
+  </p:cSld>
+  <p:clrMapOvr>
+    <a:masterClrMapping/>
+  </p:clrMapOvr>
+</p:sld>
+</file>
+
 <file path=ppt/slides/slide16.xml><?xml version="1.0" encoding="utf-8"?>
 <p:sld xmlns:a="http://schemas.openxmlformats.org/drawingml/2006/main" xmlns:r="http://schemas.openxmlformats.org/officeDocument/2006/relationships" xmlns:p="http://schemas.openxmlformats.org/presentationml/2006/main">
   <p:cSld>
@@ -7580,7 +7660,7 @@
           <a:p>
             <a:r>
               <a:rPr lang="en-US" dirty="0" smtClean="0"/>
-              <a:t>#1: Wald </a:t>
+              <a:t>#2: Wald with CC </a:t>
             </a:r>
             <a:r>
               <a:rPr lang="en-US" dirty="0"/>
@@ -7610,76 +7690,40 @@
             <p:ph idx="1"/>
           </p:nvPr>
         </p:nvSpPr>
-        <p:spPr/>
+        <p:spPr>
+          <a:xfrm>
+            <a:off x="457200" y="1219200"/>
+            <a:ext cx="8229600" cy="4906963"/>
+          </a:xfrm>
+        </p:spPr>
         <p:txBody>
           <a:bodyPr/>
           <a:lstStyle/>
           <a:p>
             <a:r>
               <a:rPr lang="en-US" dirty="0" smtClean="0"/>
-              <a:t>Pros</a:t>
-            </a:r>
-          </a:p>
-          <a:p>
-            <a:pPr lvl="1"/>
+              <a:t>CC: </a:t>
+            </a:r>
+            <a:r>
+              <a:rPr lang="en-US" dirty="0"/>
+              <a:t>continuity </a:t>
+            </a:r>
             <a:r>
               <a:rPr lang="en-US" dirty="0" smtClean="0"/>
-              <a:t>very popular</a:t>
-            </a:r>
-          </a:p>
-          <a:p>
-            <a:pPr lvl="1"/>
+              <a:t>correction, </a:t>
+            </a:r>
+            <a:r>
+              <a:rPr lang="en-US" dirty="0"/>
+              <a:t>1 / (2</a:t>
+            </a:r>
+            <a:r>
+              <a:rPr lang="en-US" i="1" dirty="0"/>
+              <a:t>n</a:t>
+            </a:r>
             <a:r>
               <a:rPr lang="en-US" dirty="0" smtClean="0"/>
-              <a:t>Easy to understand</a:t>
-            </a:r>
-          </a:p>
-          <a:p>
-            <a:r>
-              <a:rPr lang="en-US" dirty="0" smtClean="0"/>
-              <a:t>Cons</a:t>
-            </a:r>
-          </a:p>
-          <a:p>
-            <a:pPr lvl="1"/>
-            <a:r>
-              <a:rPr lang="en-US" dirty="0"/>
-              <a:t>not </a:t>
-            </a:r>
-            <a:r>
-              <a:rPr lang="en-US" dirty="0" smtClean="0"/>
-              <a:t>boundary-respecting (</a:t>
-            </a:r>
-            <a:r>
-              <a:rPr lang="en-US" dirty="0"/>
-              <a:t>beyond 0 or </a:t>
-            </a:r>
-            <a:r>
-              <a:rPr lang="en-US" dirty="0" smtClean="0"/>
-              <a:t>1)</a:t>
-            </a:r>
-          </a:p>
-          <a:p>
-            <a:pPr lvl="1"/>
-            <a:r>
-              <a:rPr lang="en-US" dirty="0" smtClean="0"/>
-              <a:t>Degeneracy: </a:t>
-            </a:r>
-            <a:r>
-              <a:rPr lang="en-US" dirty="0"/>
-              <a:t>When p = 0 or 1, </a:t>
-            </a:r>
-            <a:r>
-              <a:rPr lang="en-US" dirty="0" smtClean="0"/>
-              <a:t>#1 will </a:t>
-            </a:r>
-            <a:r>
-              <a:rPr lang="en-US" dirty="0"/>
-              <a:t>get a zero width interval [0, 0]</a:t>
-            </a:r>
-            <a:br>
-              <a:rPr lang="en-US" dirty="0"/>
-            </a:br>
+              <a:t>)</a:t>
+            </a:r>
             <a:r>
               <a:rPr lang="en-US" dirty="0"/>
               <a:t/>
@@ -7698,10 +7742,82 @@
           </a:p>
         </p:txBody>
       </p:sp>
+      <p:pic>
+        <p:nvPicPr>
+          <p:cNvPr id="4" name="Picture 3"/>
+          <p:cNvPicPr>
+            <a:picLocks noChangeAspect="1"/>
+          </p:cNvPicPr>
+          <p:nvPr/>
+        </p:nvPicPr>
+        <p:blipFill>
+          <a:blip r:embed="rId2"/>
+          <a:stretch>
+            <a:fillRect/>
+          </a:stretch>
+        </p:blipFill>
+        <p:spPr>
+          <a:xfrm>
+            <a:off x="457200" y="2374958"/>
+            <a:ext cx="8477250" cy="3718548"/>
+          </a:xfrm>
+          <a:prstGeom prst="rect">
+            <a:avLst/>
+          </a:prstGeom>
+        </p:spPr>
+      </p:pic>
+      <p:pic>
+        <p:nvPicPr>
+          <p:cNvPr id="5" name="Picture 4"/>
+          <p:cNvPicPr>
+            <a:picLocks noChangeAspect="1"/>
+          </p:cNvPicPr>
+          <p:nvPr/>
+        </p:nvPicPr>
+        <p:blipFill>
+          <a:blip r:embed="rId3"/>
+          <a:stretch>
+            <a:fillRect/>
+          </a:stretch>
+        </p:blipFill>
+        <p:spPr>
+          <a:xfrm>
+            <a:off x="5867400" y="1904151"/>
+            <a:ext cx="2514600" cy="438150"/>
+          </a:xfrm>
+          <a:prstGeom prst="rect">
+            <a:avLst/>
+          </a:prstGeom>
+        </p:spPr>
+      </p:pic>
+      <p:pic>
+        <p:nvPicPr>
+          <p:cNvPr id="6" name="Picture 5"/>
+          <p:cNvPicPr>
+            <a:picLocks noChangeAspect="1"/>
+          </p:cNvPicPr>
+          <p:nvPr/>
+        </p:nvPicPr>
+        <p:blipFill>
+          <a:blip r:embed="rId4"/>
+          <a:stretch>
+            <a:fillRect/>
+          </a:stretch>
+        </p:blipFill>
+        <p:spPr>
+          <a:xfrm>
+            <a:off x="2667000" y="2001442"/>
+            <a:ext cx="1162050" cy="352425"/>
+          </a:xfrm>
+          <a:prstGeom prst="rect">
+            <a:avLst/>
+          </a:prstGeom>
+        </p:spPr>
+      </p:pic>
     </p:spTree>
     <p:extLst>
       <p:ext uri="{BB962C8B-B14F-4D97-AF65-F5344CB8AC3E}">
-        <p14:creationId xmlns:p14="http://schemas.microsoft.com/office/powerpoint/2010/main" val="2100919662"/>
+        <p14:creationId xmlns:p14="http://schemas.microsoft.com/office/powerpoint/2010/main" val="2864240377"/>
       </p:ext>
     </p:extLst>
   </p:cSld>
@@ -7782,39 +7898,40 @@
             <p:ph idx="1"/>
           </p:nvPr>
         </p:nvSpPr>
-        <p:spPr>
-          <a:xfrm>
-            <a:off x="457200" y="1219200"/>
-            <a:ext cx="8229600" cy="4906963"/>
-          </a:xfrm>
-        </p:spPr>
+        <p:spPr/>
         <p:txBody>
           <a:bodyPr/>
           <a:lstStyle/>
           <a:p>
             <a:r>
               <a:rPr lang="en-US" dirty="0" smtClean="0"/>
-              <a:t>CC: </a:t>
-            </a:r>
-            <a:r>
-              <a:rPr lang="en-US" dirty="0"/>
-              <a:t>continuity </a:t>
-            </a:r>
+              <a:t>Pros: </a:t>
+            </a:r>
+          </a:p>
+          <a:p>
+            <a:pPr lvl="1"/>
             <a:r>
               <a:rPr lang="en-US" dirty="0" smtClean="0"/>
-              <a:t>correction, </a:t>
-            </a:r>
-            <a:r>
-              <a:rPr lang="en-US" dirty="0"/>
-              <a:t>1 / (2</a:t>
-            </a:r>
-            <a:r>
-              <a:rPr lang="en-US" i="1" dirty="0"/>
-              <a:t>n</a:t>
-            </a:r>
+              <a:t>Avoiding degeneracy</a:t>
+            </a:r>
+          </a:p>
+          <a:p>
+            <a:pPr marL="457200" lvl="1" indent="0">
+              <a:buNone/>
+            </a:pPr>
+            <a:endParaRPr lang="en-US" dirty="0" smtClean="0"/>
+          </a:p>
+          <a:p>
             <a:r>
               <a:rPr lang="en-US" dirty="0" smtClean="0"/>
-              <a:t>)</a:t>
+              <a:t>Cons</a:t>
+            </a:r>
+          </a:p>
+          <a:p>
+            <a:pPr lvl="1"/>
+            <a:r>
+              <a:rPr lang="en-US" dirty="0" smtClean="0"/>
+              <a:t>Overshoot (wider than #1)</a:t>
             </a:r>
             <a:r>
               <a:rPr lang="en-US" dirty="0"/>
@@ -7834,82 +7951,10 @@
           </a:p>
         </p:txBody>
       </p:sp>
-      <p:pic>
-        <p:nvPicPr>
-          <p:cNvPr id="4" name="Picture 3"/>
-          <p:cNvPicPr>
-            <a:picLocks noChangeAspect="1"/>
-          </p:cNvPicPr>
-          <p:nvPr/>
-        </p:nvPicPr>
-        <p:blipFill>
-          <a:blip r:embed="rId2"/>
-          <a:stretch>
-            <a:fillRect/>
-          </a:stretch>
-        </p:blipFill>
-        <p:spPr>
-          <a:xfrm>
-            <a:off x="457200" y="2374958"/>
-            <a:ext cx="8477250" cy="3718548"/>
-          </a:xfrm>
-          <a:prstGeom prst="rect">
-            <a:avLst/>
-          </a:prstGeom>
-        </p:spPr>
-      </p:pic>
-      <p:pic>
-        <p:nvPicPr>
-          <p:cNvPr id="5" name="Picture 4"/>
-          <p:cNvPicPr>
-            <a:picLocks noChangeAspect="1"/>
-          </p:cNvPicPr>
-          <p:nvPr/>
-        </p:nvPicPr>
-        <p:blipFill>
-          <a:blip r:embed="rId3"/>
-          <a:stretch>
-            <a:fillRect/>
-          </a:stretch>
-        </p:blipFill>
-        <p:spPr>
-          <a:xfrm>
-            <a:off x="5867400" y="1904151"/>
-            <a:ext cx="2514600" cy="438150"/>
-          </a:xfrm>
-          <a:prstGeom prst="rect">
-            <a:avLst/>
-          </a:prstGeom>
-        </p:spPr>
-      </p:pic>
-      <p:pic>
-        <p:nvPicPr>
-          <p:cNvPr id="6" name="Picture 5"/>
-          <p:cNvPicPr>
-            <a:picLocks noChangeAspect="1"/>
-          </p:cNvPicPr>
-          <p:nvPr/>
-        </p:nvPicPr>
-        <p:blipFill>
-          <a:blip r:embed="rId4"/>
-          <a:stretch>
-            <a:fillRect/>
-          </a:stretch>
-        </p:blipFill>
-        <p:spPr>
-          <a:xfrm>
-            <a:off x="2667000" y="2001442"/>
-            <a:ext cx="1162050" cy="352425"/>
-          </a:xfrm>
-          <a:prstGeom prst="rect">
-            <a:avLst/>
-          </a:prstGeom>
-        </p:spPr>
-      </p:pic>
     </p:spTree>
     <p:extLst>
       <p:ext uri="{BB962C8B-B14F-4D97-AF65-F5344CB8AC3E}">
-        <p14:creationId xmlns:p14="http://schemas.microsoft.com/office/powerpoint/2010/main" val="2864240377"/>
+        <p14:creationId xmlns:p14="http://schemas.microsoft.com/office/powerpoint/2010/main" val="3027969375"/>
       </p:ext>
     </p:extLst>
   </p:cSld>
@@ -7960,7 +8005,7 @@
           <a:p>
             <a:r>
               <a:rPr lang="en-US" dirty="0" smtClean="0"/>
-              <a:t>#2: Wald with CC </a:t>
+              <a:t>#13: Logit</a:t>
             </a:r>
             <a:r>
               <a:rPr lang="en-US" dirty="0"/>
@@ -7997,41 +8042,34 @@
           <a:p>
             <a:r>
               <a:rPr lang="en-US" dirty="0" smtClean="0"/>
-              <a:t>Pros: </a:t>
-            </a:r>
-          </a:p>
-          <a:p>
-            <a:pPr lvl="1"/>
+              <a:t>Similar to #1, Wald (</a:t>
+            </a:r>
+            <a:r>
+              <a:rPr lang="en-US" dirty="0"/>
+              <a:t>p = r / </a:t>
+            </a:r>
             <a:r>
               <a:rPr lang="en-US" dirty="0" smtClean="0"/>
-              <a:t>Avoiding degeneracy</a:t>
-            </a:r>
-          </a:p>
-          <a:p>
-            <a:pPr marL="457200" lvl="1" indent="0">
-              <a:buNone/>
-            </a:pPr>
-            <a:endParaRPr lang="en-US" dirty="0" smtClean="0"/>
-          </a:p>
-          <a:p>
+              <a:t>n)</a:t>
+            </a:r>
+          </a:p>
+          <a:p>
+            <a:r>
+              <a:rPr lang="en-US" dirty="0"/>
+              <a:t>logit </a:t>
+            </a:r>
             <a:r>
               <a:rPr lang="en-US" dirty="0" smtClean="0"/>
-              <a:t>Cons</a:t>
-            </a:r>
-          </a:p>
-          <a:p>
-            <a:pPr lvl="1"/>
+              <a:t>transformation: log </a:t>
+            </a:r>
+            <a:r>
+              <a:rPr lang="en-US" dirty="0"/>
+              <a:t>(p / (1-p</a:t>
+            </a:r>
             <a:r>
               <a:rPr lang="en-US" dirty="0" smtClean="0"/>
-              <a:t>Overshoot (wider than #1)</a:t>
-            </a:r>
-            <a:r>
-              <a:rPr lang="en-US" dirty="0"/>
-              <a:t/>
-            </a:r>
-            <a:br>
-              <a:rPr lang="en-US" dirty="0"/>
-            </a:br>
+              <a:t>))</a:t>
+            </a:r>
             <a:r>
               <a:rPr lang="en-US" dirty="0"/>
               <a:t/>
@@ -8043,10 +8081,34 @@
           </a:p>
         </p:txBody>
       </p:sp>
+      <p:pic>
+        <p:nvPicPr>
+          <p:cNvPr id="4" name="Picture 3"/>
+          <p:cNvPicPr>
+            <a:picLocks noChangeAspect="1"/>
+          </p:cNvPicPr>
+          <p:nvPr/>
+        </p:nvPicPr>
+        <p:blipFill>
+          <a:blip r:embed="rId2"/>
+          <a:stretch>
+            <a:fillRect/>
+          </a:stretch>
+        </p:blipFill>
+        <p:spPr>
+          <a:xfrm>
+            <a:off x="633412" y="2971800"/>
+            <a:ext cx="7343775" cy="2828925"/>
+          </a:xfrm>
+          <a:prstGeom prst="rect">
+            <a:avLst/>
+          </a:prstGeom>
+        </p:spPr>
+      </p:pic>
     </p:spTree>
     <p:extLst>
       <p:ext uri="{BB962C8B-B14F-4D97-AF65-F5344CB8AC3E}">
-        <p14:creationId xmlns:p14="http://schemas.microsoft.com/office/powerpoint/2010/main" val="3027969375"/>
+        <p14:creationId xmlns:p14="http://schemas.microsoft.com/office/powerpoint/2010/main" val="4208224420"/>
       </p:ext>
     </p:extLst>
   </p:cSld>
@@ -8134,33 +8196,56 @@
           <a:p>
             <a:r>
               <a:rPr lang="en-US" dirty="0" smtClean="0"/>
-              <a:t>Similar to #1, Wald (</a:t>
-            </a:r>
+              <a:t>Pros</a:t>
+            </a:r>
+          </a:p>
+          <a:p>
+            <a:pPr lvl="1"/>
             <a:r>
               <a:rPr lang="en-US" dirty="0"/>
-              <a:t>p = r / </a:t>
+              <a:t>often used for odds </a:t>
             </a:r>
             <a:r>
               <a:rPr lang="en-US" dirty="0" smtClean="0"/>
-              <a:t>n)</a:t>
-            </a:r>
-          </a:p>
-          <a:p>
+              <a:t>ratios</a:t>
+            </a:r>
+          </a:p>
+          <a:p>
+            <a:pPr marL="457200" lvl="1" indent="0">
+              <a:buNone/>
+            </a:pPr>
+            <a:endParaRPr lang="en-US" dirty="0" smtClean="0"/>
+          </a:p>
+          <a:p>
+            <a:r>
+              <a:rPr lang="en-US" dirty="0" smtClean="0"/>
+              <a:t>Cons</a:t>
+            </a:r>
+          </a:p>
+          <a:p>
+            <a:pPr lvl="1"/>
             <a:r>
               <a:rPr lang="en-US" dirty="0"/>
-              <a:t>logit </a:t>
+              <a:t>not guaranteed satisfactory when n is small or</a:t>
+            </a:r>
+            <a:br>
+              <a:rPr lang="en-US" dirty="0"/>
+            </a:br>
+            <a:r>
+              <a:rPr lang="en-US" dirty="0"/>
+              <a:t>p is close to 0 or </a:t>
             </a:r>
             <a:r>
               <a:rPr lang="en-US" dirty="0" smtClean="0"/>
-              <a:t>transformation: log </a:t>
+              <a:t>1</a:t>
             </a:r>
             <a:r>
               <a:rPr lang="en-US" dirty="0"/>
-              <a:t>(p / (1-p</a:t>
+              <a:t> </a:t>
             </a:r>
             <a:r>
               <a:rPr lang="en-US" dirty="0" smtClean="0"/>
-              <a:t>))</a:t>
+              <a:t>(like #1 ‘Wald’)</a:t>
             </a:r>
             <a:r>
               <a:rPr lang="en-US" dirty="0"/>
@@ -8173,34 +8258,10 @@
           </a:p>
         </p:txBody>
       </p:sp>
-      <p:pic>
-        <p:nvPicPr>
-          <p:cNvPr id="4" name="Picture 3"/>
-          <p:cNvPicPr>
-            <a:picLocks noChangeAspect="1"/>
-          </p:cNvPicPr>
-          <p:nvPr/>
-        </p:nvPicPr>
-        <p:blipFill>
-          <a:blip r:embed="rId2"/>
-          <a:stretch>
-            <a:fillRect/>
-          </a:stretch>
-        </p:blipFill>
-        <p:spPr>
-          <a:xfrm>
-            <a:off x="633412" y="2971800"/>
-            <a:ext cx="7343775" cy="2828925"/>
-          </a:xfrm>
-          <a:prstGeom prst="rect">
-            <a:avLst/>
-          </a:prstGeom>
-        </p:spPr>
-      </p:pic>
     </p:spTree>
     <p:extLst>
       <p:ext uri="{BB962C8B-B14F-4D97-AF65-F5344CB8AC3E}">
-        <p14:creationId xmlns:p14="http://schemas.microsoft.com/office/powerpoint/2010/main" val="4208224420"/>
+        <p14:creationId xmlns:p14="http://schemas.microsoft.com/office/powerpoint/2010/main" val="854724017"/>
       </p:ext>
     </p:extLst>
   </p:cSld>
@@ -8327,123 +8388,116 @@
             <p:ph type="title"/>
           </p:nvPr>
         </p:nvSpPr>
-        <p:spPr>
-          <a:xfrm>
-            <a:off x="0" y="1219200"/>
-            <a:ext cx="8610600" cy="152400"/>
-          </a:xfrm>
-        </p:spPr>
+        <p:spPr/>
         <p:txBody>
           <a:bodyPr>
-            <a:normAutofit fontScale="90000"/>
+            <a:normAutofit/>
           </a:bodyPr>
           <a:lstStyle/>
           <a:p>
             <a:r>
+              <a:rPr lang="en-US" sz="3000" dirty="0" smtClean="0"/>
+              <a:t>#3 &amp; 4: Wilson Score w/o CC</a:t>
+            </a:r>
+            <a:endParaRPr lang="en-US" sz="3000" dirty="0"/>
+          </a:p>
+        </p:txBody>
+      </p:sp>
+      <p:sp>
+        <p:nvSpPr>
+          <p:cNvPr id="3" name="Content Placeholder 2"/>
+          <p:cNvSpPr>
+            <a:spLocks noGrp="1"/>
+          </p:cNvSpPr>
+          <p:nvPr>
+            <p:ph idx="1"/>
+          </p:nvPr>
+        </p:nvSpPr>
+        <p:spPr/>
+        <p:txBody>
+          <a:bodyPr/>
+          <a:lstStyle/>
+          <a:p>
+            <a:r>
               <a:rPr lang="en-US" dirty="0" smtClean="0"/>
-              <a:t>#13: Logit</a:t>
+              <a:t>#3 Score method, without CC, ‘Wilson’</a:t>
+            </a:r>
+          </a:p>
+          <a:p>
+            <a:endParaRPr lang="en-US" dirty="0"/>
+          </a:p>
+          <a:p>
+            <a:endParaRPr lang="en-US" dirty="0"/>
+          </a:p>
+          <a:p>
+            <a:r>
+              <a:rPr lang="en-US" dirty="0" smtClean="0"/>
+              <a:t>#4 Score </a:t>
             </a:r>
             <a:r>
               <a:rPr lang="en-US" dirty="0"/>
-              <a:t/>
-            </a:r>
-            <a:br>
-              <a:rPr lang="en-US" dirty="0"/>
-            </a:br>
-            <a:r>
-              <a:rPr lang="en-US" dirty="0"/>
-              <a:t/>
-            </a:r>
-            <a:br>
-              <a:rPr lang="en-US" dirty="0"/>
-            </a:br>
+              <a:t>method, </a:t>
+            </a:r>
+            <a:r>
+              <a:rPr lang="en-US" dirty="0" smtClean="0"/>
+              <a:t>with CC</a:t>
+            </a:r>
             <a:endParaRPr lang="en-US" dirty="0"/>
           </a:p>
         </p:txBody>
       </p:sp>
-      <p:sp>
-        <p:nvSpPr>
-          <p:cNvPr id="3" name="Content Placeholder 2"/>
-          <p:cNvSpPr>
-            <a:spLocks noGrp="1"/>
-          </p:cNvSpPr>
-          <p:nvPr>
-            <p:ph idx="1"/>
-          </p:nvPr>
-        </p:nvSpPr>
-        <p:spPr/>
-        <p:txBody>
-          <a:bodyPr/>
-          <a:lstStyle/>
-          <a:p>
-            <a:r>
-              <a:rPr lang="en-US" dirty="0" smtClean="0"/>
-              <a:t>Pros</a:t>
-            </a:r>
-          </a:p>
-          <a:p>
-            <a:pPr lvl="1"/>
-            <a:r>
-              <a:rPr lang="en-US" dirty="0"/>
-              <a:t>often used for odds </a:t>
-            </a:r>
-            <a:r>
-              <a:rPr lang="en-US" dirty="0" smtClean="0"/>
-              <a:t>ratios</a:t>
-            </a:r>
-          </a:p>
-          <a:p>
-            <a:pPr marL="457200" lvl="1" indent="0">
-              <a:buNone/>
-            </a:pPr>
-            <a:endParaRPr lang="en-US" dirty="0" smtClean="0"/>
-          </a:p>
-          <a:p>
-            <a:r>
-              <a:rPr lang="en-US" dirty="0" smtClean="0"/>
-              <a:t>Cons</a:t>
-            </a:r>
-          </a:p>
-          <a:p>
-            <a:pPr lvl="1"/>
-            <a:r>
-              <a:rPr lang="en-US" dirty="0"/>
-              <a:t>not guaranteed satisfactory when n is small or</a:t>
-            </a:r>
-            <a:br>
-              <a:rPr lang="en-US" dirty="0"/>
-            </a:br>
-            <a:r>
-              <a:rPr lang="en-US" dirty="0"/>
-              <a:t>p is close to 0 or </a:t>
-            </a:r>
-            <a:r>
-              <a:rPr lang="en-US" dirty="0" smtClean="0"/>
-              <a:t>1</a:t>
-            </a:r>
-            <a:r>
-              <a:rPr lang="en-US" dirty="0"/>
-              <a:t> </a:t>
-            </a:r>
-            <a:r>
-              <a:rPr lang="en-US" dirty="0" smtClean="0"/>
-              <a:t>(like #1 ‘Wald’)</a:t>
-            </a:r>
-            <a:r>
-              <a:rPr lang="en-US" dirty="0"/>
-              <a:t/>
-            </a:r>
-            <a:br>
-              <a:rPr lang="en-US" dirty="0"/>
-            </a:br>
-            <a:endParaRPr lang="en-US" dirty="0"/>
-          </a:p>
-        </p:txBody>
-      </p:sp>
+      <p:pic>
+        <p:nvPicPr>
+          <p:cNvPr id="4" name="Picture 3"/>
+          <p:cNvPicPr>
+            <a:picLocks noChangeAspect="1"/>
+          </p:cNvPicPr>
+          <p:nvPr/>
+        </p:nvPicPr>
+        <p:blipFill>
+          <a:blip r:embed="rId2"/>
+          <a:stretch>
+            <a:fillRect/>
+          </a:stretch>
+        </p:blipFill>
+        <p:spPr>
+          <a:xfrm>
+            <a:off x="2252662" y="2286000"/>
+            <a:ext cx="4105275" cy="704850"/>
+          </a:xfrm>
+          <a:prstGeom prst="rect">
+            <a:avLst/>
+          </a:prstGeom>
+        </p:spPr>
+      </p:pic>
+      <p:pic>
+        <p:nvPicPr>
+          <p:cNvPr id="5" name="Picture 4"/>
+          <p:cNvPicPr>
+            <a:picLocks noChangeAspect="1"/>
+          </p:cNvPicPr>
+          <p:nvPr/>
+        </p:nvPicPr>
+        <p:blipFill>
+          <a:blip r:embed="rId3"/>
+          <a:stretch>
+            <a:fillRect/>
+          </a:stretch>
+        </p:blipFill>
+        <p:spPr>
+          <a:xfrm>
+            <a:off x="1676400" y="4343400"/>
+            <a:ext cx="5943600" cy="1647825"/>
+          </a:xfrm>
+          <a:prstGeom prst="rect">
+            <a:avLst/>
+          </a:prstGeom>
+        </p:spPr>
+      </p:pic>
     </p:spTree>
     <p:extLst>
       <p:ext uri="{BB962C8B-B14F-4D97-AF65-F5344CB8AC3E}">
-        <p14:creationId xmlns:p14="http://schemas.microsoft.com/office/powerpoint/2010/main" val="854724017"/>
+        <p14:creationId xmlns:p14="http://schemas.microsoft.com/office/powerpoint/2010/main" val="2624589982"/>
       </p:ext>
     </p:extLst>
   </p:cSld>
@@ -8495,56 +8549,15 @@
           </a:p>
         </p:txBody>
       </p:sp>
-      <p:sp>
-        <p:nvSpPr>
-          <p:cNvPr id="3" name="Content Placeholder 2"/>
-          <p:cNvSpPr>
-            <a:spLocks noGrp="1"/>
-          </p:cNvSpPr>
-          <p:nvPr>
-            <p:ph idx="1"/>
-          </p:nvPr>
-        </p:nvSpPr>
-        <p:spPr/>
-        <p:txBody>
-          <a:bodyPr/>
-          <a:lstStyle/>
-          <a:p>
-            <a:r>
-              <a:rPr lang="en-US" dirty="0" smtClean="0"/>
-              <a:t>#3 Score method, without CC, ‘Wilson’</a:t>
-            </a:r>
-          </a:p>
-          <a:p>
-            <a:endParaRPr lang="en-US" dirty="0"/>
-          </a:p>
-          <a:p>
-            <a:endParaRPr lang="en-US" dirty="0"/>
-          </a:p>
-          <a:p>
-            <a:r>
-              <a:rPr lang="en-US" dirty="0" smtClean="0"/>
-              <a:t>#4 Score </a:t>
-            </a:r>
-            <a:r>
-              <a:rPr lang="en-US" dirty="0"/>
-              <a:t>method, </a:t>
-            </a:r>
-            <a:r>
-              <a:rPr lang="en-US" dirty="0" smtClean="0"/>
-              <a:t>with CC</a:t>
-            </a:r>
-            <a:endParaRPr lang="en-US" dirty="0"/>
-          </a:p>
-        </p:txBody>
-      </p:sp>
       <p:pic>
         <p:nvPicPr>
-          <p:cNvPr id="4" name="Picture 3"/>
+          <p:cNvPr id="6" name="Content Placeholder 5"/>
           <p:cNvPicPr>
-            <a:picLocks noChangeAspect="1"/>
+            <a:picLocks noGrp="1" noChangeAspect="1"/>
           </p:cNvPicPr>
-          <p:nvPr/>
+          <p:nvPr>
+            <p:ph idx="1"/>
+          </p:nvPr>
         </p:nvPicPr>
         <p:blipFill>
           <a:blip r:embed="rId2"/>
@@ -8554,32 +8567,8 @@
         </p:blipFill>
         <p:spPr>
           <a:xfrm>
-            <a:off x="2252662" y="2286000"/>
-            <a:ext cx="4105275" cy="704850"/>
-          </a:xfrm>
-          <a:prstGeom prst="rect">
-            <a:avLst/>
-          </a:prstGeom>
-        </p:spPr>
-      </p:pic>
-      <p:pic>
-        <p:nvPicPr>
-          <p:cNvPr id="5" name="Picture 4"/>
-          <p:cNvPicPr>
-            <a:picLocks noChangeAspect="1"/>
-          </p:cNvPicPr>
-          <p:nvPr/>
-        </p:nvPicPr>
-        <p:blipFill>
-          <a:blip r:embed="rId3"/>
-          <a:stretch>
-            <a:fillRect/>
-          </a:stretch>
-        </p:blipFill>
-        <p:spPr>
-          <a:xfrm>
-            <a:off x="1676400" y="4343400"/>
-            <a:ext cx="5943600" cy="1647825"/>
+            <a:off x="228600" y="1905000"/>
+            <a:ext cx="8229600" cy="3390628"/>
           </a:xfrm>
           <a:prstGeom prst="rect">
             <a:avLst/>
@@ -8589,7 +8578,7 @@
     </p:spTree>
     <p:extLst>
       <p:ext uri="{BB962C8B-B14F-4D97-AF65-F5344CB8AC3E}">
-        <p14:creationId xmlns:p14="http://schemas.microsoft.com/office/powerpoint/2010/main" val="2624589982"/>
+        <p14:creationId xmlns:p14="http://schemas.microsoft.com/office/powerpoint/2010/main" val="2150906107"/>
       </p:ext>
     </p:extLst>
   </p:cSld>
@@ -8641,36 +8630,100 @@
           </a:p>
         </p:txBody>
       </p:sp>
-      <p:pic>
-        <p:nvPicPr>
-          <p:cNvPr id="6" name="Content Placeholder 5"/>
-          <p:cNvPicPr>
-            <a:picLocks noGrp="1" noChangeAspect="1"/>
-          </p:cNvPicPr>
+      <p:sp>
+        <p:nvSpPr>
+          <p:cNvPr id="3" name="Content Placeholder 2"/>
+          <p:cNvSpPr>
+            <a:spLocks noGrp="1"/>
+          </p:cNvSpPr>
           <p:nvPr>
             <p:ph idx="1"/>
           </p:nvPr>
-        </p:nvPicPr>
-        <p:blipFill>
-          <a:blip r:embed="rId2"/>
-          <a:stretch>
-            <a:fillRect/>
-          </a:stretch>
-        </p:blipFill>
-        <p:spPr>
-          <a:xfrm>
-            <a:off x="228600" y="1905000"/>
-            <a:ext cx="8229600" cy="3390628"/>
-          </a:xfrm>
-          <a:prstGeom prst="rect">
-            <a:avLst/>
-          </a:prstGeom>
-        </p:spPr>
-      </p:pic>
+        </p:nvSpPr>
+        <p:spPr/>
+        <p:txBody>
+          <a:bodyPr/>
+          <a:lstStyle/>
+          <a:p>
+            <a:r>
+              <a:rPr lang="en-US" sz="2500" dirty="0"/>
+              <a:t>Wilson score method (#3)</a:t>
+            </a:r>
+            <a:endParaRPr lang="en-US" sz="2500" dirty="0" smtClean="0"/>
+          </a:p>
+          <a:p>
+            <a:pPr lvl="1"/>
+            <a:r>
+              <a:rPr lang="en-US" sz="2100" dirty="0" smtClean="0"/>
+              <a:t>Pros</a:t>
+            </a:r>
+          </a:p>
+          <a:p>
+            <a:pPr lvl="2"/>
+            <a:r>
+              <a:rPr lang="en-US" sz="2100" dirty="0" smtClean="0"/>
+              <a:t>is </a:t>
+            </a:r>
+            <a:r>
+              <a:rPr lang="en-US" sz="2100" dirty="0"/>
+              <a:t>considered the simplest acceptable alternative to the Wald </a:t>
+            </a:r>
+            <a:r>
+              <a:rPr lang="en-US" sz="2100" dirty="0" smtClean="0"/>
+              <a:t>approach</a:t>
+            </a:r>
+          </a:p>
+          <a:p>
+            <a:pPr lvl="2"/>
+            <a:r>
+              <a:rPr lang="en-US" sz="2100" dirty="0"/>
+              <a:t>It gets </a:t>
+            </a:r>
+            <a:r>
+              <a:rPr lang="en-US" sz="2100" dirty="0" smtClean="0"/>
+              <a:t>better performance </a:t>
+            </a:r>
+            <a:r>
+              <a:rPr lang="en-US" sz="2100" dirty="0"/>
+              <a:t>when n is small and when p is close to 0 or </a:t>
+            </a:r>
+            <a:r>
+              <a:rPr lang="en-US" sz="2100" dirty="0" smtClean="0"/>
+              <a:t>1</a:t>
+            </a:r>
+            <a:endParaRPr lang="en-US" sz="2100" dirty="0"/>
+          </a:p>
+          <a:p>
+            <a:pPr lvl="1"/>
+            <a:r>
+              <a:rPr lang="en-US" sz="2100" dirty="0" smtClean="0"/>
+              <a:t>Cons</a:t>
+            </a:r>
+          </a:p>
+          <a:p>
+            <a:pPr lvl="2"/>
+            <a:r>
+              <a:rPr lang="en-US" sz="2000" dirty="0"/>
+              <a:t>not boundary-respecting</a:t>
+            </a:r>
+            <a:br>
+              <a:rPr lang="en-US" sz="2000" dirty="0"/>
+            </a:br>
+            <a:r>
+              <a:rPr lang="en-US" sz="2000" dirty="0"/>
+              <a:t/>
+            </a:r>
+            <a:br>
+              <a:rPr lang="en-US" sz="2000" dirty="0"/>
+            </a:br>
+            <a:endParaRPr lang="en-US" sz="1700" dirty="0"/>
+          </a:p>
+        </p:txBody>
+      </p:sp>
     </p:spTree>
     <p:extLst>
       <p:ext uri="{BB962C8B-B14F-4D97-AF65-F5344CB8AC3E}">
-        <p14:creationId xmlns:p14="http://schemas.microsoft.com/office/powerpoint/2010/main" val="2150906107"/>
+        <p14:creationId xmlns:p14="http://schemas.microsoft.com/office/powerpoint/2010/main" val="4286453857"/>
       </p:ext>
     </p:extLst>
   </p:cSld>
@@ -8710,13 +8763,21 @@
         <p:spPr/>
         <p:txBody>
           <a:bodyPr>
-            <a:normAutofit/>
+            <a:normAutofit fontScale="90000"/>
           </a:bodyPr>
           <a:lstStyle/>
           <a:p>
             <a:r>
               <a:rPr lang="en-US" sz="3000" dirty="0" smtClean="0"/>
-              <a:t>#3 &amp; 4: Wilson Score w/o CC</a:t>
+              <a:t>#5 Binomial based: </a:t>
+            </a:r>
+            <a:r>
+              <a:rPr lang="en-US" sz="3000" dirty="0" err="1" smtClean="0"/>
+              <a:t>Clopper</a:t>
+            </a:r>
+            <a:r>
+              <a:rPr lang="en-US" sz="3000" dirty="0" smtClean="0"/>
+              <a:t>-Pearson ‘exact’</a:t>
             </a:r>
             <a:endParaRPr lang="en-US" sz="3000" dirty="0"/>
           </a:p>
@@ -8724,7 +8785,7 @@
       </p:sp>
       <p:sp>
         <p:nvSpPr>
-          <p:cNvPr id="3" name="Content Placeholder 2"/>
+          <p:cNvPr id="5" name="Content Placeholder 4"/>
           <p:cNvSpPr>
             <a:spLocks noGrp="1"/>
           </p:cNvSpPr>
@@ -8732,91 +8793,98 @@
             <p:ph idx="1"/>
           </p:nvPr>
         </p:nvSpPr>
-        <p:spPr/>
+        <p:spPr>
+          <a:xfrm>
+            <a:off x="457200" y="1371600"/>
+            <a:ext cx="8229600" cy="4754563"/>
+          </a:xfrm>
+        </p:spPr>
         <p:txBody>
           <a:bodyPr/>
           <a:lstStyle/>
           <a:p>
             <a:r>
               <a:rPr lang="en-US" sz="2500" dirty="0"/>
-              <a:t>Wilson score method (#3)</a:t>
-            </a:r>
+              <a:t>computationally </a:t>
+            </a:r>
+            <a:r>
+              <a:rPr lang="en-US" sz="2500" dirty="0" smtClean="0"/>
+              <a:t>convenient</a:t>
+            </a:r>
+          </a:p>
+          <a:p>
+            <a:endParaRPr lang="en-US" sz="2500" dirty="0"/>
+          </a:p>
+          <a:p>
             <a:endParaRPr lang="en-US" sz="2500" dirty="0" smtClean="0"/>
           </a:p>
           <a:p>
-            <a:pPr lvl="1"/>
-            <a:r>
-              <a:rPr lang="en-US" sz="2100" dirty="0" smtClean="0"/>
-              <a:t>Pros</a:t>
-            </a:r>
-          </a:p>
-          <a:p>
-            <a:pPr lvl="2"/>
-            <a:r>
-              <a:rPr lang="en-US" sz="2100" dirty="0" smtClean="0"/>
-              <a:t>is </a:t>
-            </a:r>
-            <a:r>
-              <a:rPr lang="en-US" sz="2100" dirty="0"/>
-              <a:t>considered the simplest acceptable alternative to the Wald </a:t>
-            </a:r>
-            <a:r>
-              <a:rPr lang="en-US" sz="2100" dirty="0" smtClean="0"/>
-              <a:t>approach</a:t>
-            </a:r>
-            <a:endParaRPr lang="en-US" sz="2100" dirty="0" smtClean="0"/>
-          </a:p>
-          <a:p>
-            <a:pPr lvl="2"/>
-            <a:r>
-              <a:rPr lang="en-US" sz="2100" dirty="0"/>
-              <a:t>It gets </a:t>
-            </a:r>
-            <a:r>
-              <a:rPr lang="en-US" sz="2100" dirty="0" smtClean="0"/>
-              <a:t>better performance </a:t>
-            </a:r>
-            <a:r>
-              <a:rPr lang="en-US" sz="2100" dirty="0"/>
-              <a:t>when n is small and when p is close to 0 or </a:t>
-            </a:r>
-            <a:r>
-              <a:rPr lang="en-US" sz="2100" dirty="0" smtClean="0"/>
-              <a:t>1</a:t>
-            </a:r>
-            <a:endParaRPr lang="en-US" sz="2100" dirty="0"/>
-          </a:p>
-          <a:p>
-            <a:pPr lvl="1"/>
-            <a:r>
-              <a:rPr lang="en-US" sz="2100" dirty="0" smtClean="0"/>
-              <a:t>Cons</a:t>
-            </a:r>
-          </a:p>
-          <a:p>
-            <a:pPr lvl="2"/>
-            <a:r>
-              <a:rPr lang="en-US" sz="2000" dirty="0"/>
-              <a:t>not boundary-respecting</a:t>
-            </a:r>
-            <a:br>
-              <a:rPr lang="en-US" sz="2000" dirty="0"/>
-            </a:br>
-            <a:r>
-              <a:rPr lang="en-US" sz="2000" dirty="0"/>
-              <a:t/>
-            </a:r>
-            <a:br>
-              <a:rPr lang="en-US" sz="2000" dirty="0"/>
-            </a:br>
-            <a:endParaRPr lang="en-US" sz="1700" dirty="0"/>
-          </a:p>
-        </p:txBody>
-      </p:sp>
+            <a:endParaRPr lang="en-US" sz="2500" dirty="0" smtClean="0"/>
+          </a:p>
+          <a:p>
+            <a:endParaRPr lang="en-US" sz="2500" dirty="0" smtClean="0"/>
+          </a:p>
+          <a:p>
+            <a:endParaRPr lang="en-US" sz="2500" dirty="0" smtClean="0"/>
+          </a:p>
+          <a:p>
+            <a:r>
+              <a:rPr lang="en-US" sz="2500" dirty="0" smtClean="0"/>
+              <a:t>Not symmetrical (as #1 - #4)</a:t>
+            </a:r>
+          </a:p>
+          <a:p>
+            <a:r>
+              <a:rPr lang="en-US" sz="2500" dirty="0" smtClean="0"/>
+              <a:t>Based on </a:t>
+            </a:r>
+            <a:r>
+              <a:rPr lang="en-US" sz="2800" dirty="0"/>
+              <a:t>exact binomial distribution </a:t>
+            </a:r>
+            <a:r>
+              <a:rPr lang="en-US" sz="2800" dirty="0" smtClean="0"/>
+              <a:t>(vs #1 </a:t>
+            </a:r>
+            <a:r>
+              <a:rPr lang="en-US" sz="2800" dirty="0"/>
+              <a:t>- #4: normal approximation)</a:t>
+            </a:r>
+            <a:endParaRPr lang="en-US" sz="2500" dirty="0" smtClean="0"/>
+          </a:p>
+          <a:p>
+            <a:endParaRPr lang="en-US" sz="2500" dirty="0"/>
+          </a:p>
+        </p:txBody>
+      </p:sp>
+      <p:pic>
+        <p:nvPicPr>
+          <p:cNvPr id="6" name="Picture 5"/>
+          <p:cNvPicPr>
+            <a:picLocks noChangeAspect="1"/>
+          </p:cNvPicPr>
+          <p:nvPr/>
+        </p:nvPicPr>
+        <p:blipFill>
+          <a:blip r:embed="rId2"/>
+          <a:stretch>
+            <a:fillRect/>
+          </a:stretch>
+        </p:blipFill>
+        <p:spPr>
+          <a:xfrm>
+            <a:off x="1371600" y="2057400"/>
+            <a:ext cx="5419725" cy="1943100"/>
+          </a:xfrm>
+          <a:prstGeom prst="rect">
+            <a:avLst/>
+          </a:prstGeom>
+        </p:spPr>
+      </p:pic>
     </p:spTree>
     <p:extLst>
       <p:ext uri="{BB962C8B-B14F-4D97-AF65-F5344CB8AC3E}">
-        <p14:creationId xmlns:p14="http://schemas.microsoft.com/office/powerpoint/2010/main" val="4286453857"/>
+        <p14:creationId xmlns:p14="http://schemas.microsoft.com/office/powerpoint/2010/main" val="2373125808"/>
       </p:ext>
     </p:extLst>
   </p:cSld>
@@ -8861,18 +8929,17 @@
           <a:lstStyle/>
           <a:p>
             <a:r>
-              <a:rPr lang="en-US" sz="3000" dirty="0" smtClean="0"/>
+              <a:rPr lang="en-US" sz="3000" dirty="0"/>
               <a:t>#5 Binomial based: </a:t>
             </a:r>
             <a:r>
-              <a:rPr lang="en-US" sz="3000" dirty="0" err="1" smtClean="0"/>
+              <a:rPr lang="en-US" sz="3000" dirty="0" err="1"/>
               <a:t>Clopper</a:t>
             </a:r>
             <a:r>
-              <a:rPr lang="en-US" sz="3000" dirty="0" smtClean="0"/>
+              <a:rPr lang="en-US" sz="3000" dirty="0"/>
               <a:t>-Pearson ‘exact’</a:t>
             </a:r>
-            <a:endParaRPr lang="en-US" sz="3000" dirty="0"/>
           </a:p>
         </p:txBody>
       </p:sp>
@@ -8897,87 +8964,48 @@
           <a:lstStyle/>
           <a:p>
             <a:r>
+              <a:rPr lang="en-US" sz="2500" dirty="0" smtClean="0"/>
+              <a:t>Conservative</a:t>
+            </a:r>
+            <a:endParaRPr lang="en-US" sz="2500" dirty="0"/>
+          </a:p>
+          <a:p>
+            <a:pPr lvl="1"/>
+            <a:r>
+              <a:rPr lang="en-US" sz="2500" dirty="0" smtClean="0"/>
+              <a:t>Needs large sample size for precision</a:t>
+            </a:r>
+          </a:p>
+          <a:p>
+            <a:pPr marL="457200" lvl="1" indent="0">
+              <a:buNone/>
+            </a:pPr>
+            <a:endParaRPr lang="en-US" sz="2500" dirty="0" smtClean="0"/>
+          </a:p>
+          <a:p>
+            <a:pPr marL="400050"/>
+            <a:r>
               <a:rPr lang="en-US" sz="2500" dirty="0"/>
-              <a:t>computationally </a:t>
-            </a:r>
-            <a:r>
-              <a:rPr lang="en-US" sz="2500" dirty="0" smtClean="0"/>
-              <a:t>convenient</a:t>
-            </a:r>
-          </a:p>
-          <a:p>
+              <a:t>recommended for the case of very rare or common events</a:t>
+            </a:r>
+            <a:br>
+              <a:rPr lang="en-US" sz="2500" dirty="0"/>
+            </a:br>
+            <a:r>
+              <a:rPr lang="en-US" sz="2500" dirty="0"/>
+              <a:t/>
+            </a:r>
+            <a:br>
+              <a:rPr lang="en-US" sz="2500" dirty="0"/>
+            </a:br>
             <a:endParaRPr lang="en-US" sz="2500" dirty="0"/>
           </a:p>
-          <a:p>
-            <a:endParaRPr lang="en-US" sz="2500" dirty="0" smtClean="0"/>
-          </a:p>
-          <a:p>
-            <a:endParaRPr lang="en-US" sz="2500" dirty="0" smtClean="0"/>
-          </a:p>
-          <a:p>
-            <a:endParaRPr lang="en-US" sz="2500" dirty="0" smtClean="0"/>
-          </a:p>
-          <a:p>
-            <a:endParaRPr lang="en-US" sz="2500" dirty="0" smtClean="0"/>
-          </a:p>
-          <a:p>
-            <a:r>
-              <a:rPr lang="en-US" sz="2500" dirty="0" smtClean="0"/>
-              <a:t>Not symmetrical (as #1 - #4)</a:t>
-            </a:r>
-          </a:p>
-          <a:p>
-            <a:r>
-              <a:rPr lang="en-US" sz="2500" dirty="0" smtClean="0"/>
-              <a:t>Based on </a:t>
-            </a:r>
-            <a:r>
-              <a:rPr lang="en-US" sz="2800" dirty="0"/>
-              <a:t>exact binomial distribution </a:t>
-            </a:r>
-            <a:r>
-              <a:rPr lang="en-US" sz="2800" dirty="0" smtClean="0"/>
-              <a:t>(vs #1 </a:t>
-            </a:r>
-            <a:r>
-              <a:rPr lang="en-US" sz="2800" dirty="0"/>
-              <a:t>- #4: normal approximation)</a:t>
-            </a:r>
-            <a:endParaRPr lang="en-US" sz="2500" dirty="0" smtClean="0"/>
-          </a:p>
-          <a:p>
-            <a:endParaRPr lang="en-US" sz="2500" dirty="0"/>
-          </a:p>
-        </p:txBody>
-      </p:sp>
-      <p:pic>
-        <p:nvPicPr>
-          <p:cNvPr id="6" name="Picture 5"/>
-          <p:cNvPicPr>
-            <a:picLocks noChangeAspect="1"/>
-          </p:cNvPicPr>
-          <p:nvPr/>
-        </p:nvPicPr>
-        <p:blipFill>
-          <a:blip r:embed="rId2"/>
-          <a:stretch>
-            <a:fillRect/>
-          </a:stretch>
-        </p:blipFill>
-        <p:spPr>
-          <a:xfrm>
-            <a:off x="1371600" y="2057400"/>
-            <a:ext cx="5419725" cy="1943100"/>
-          </a:xfrm>
-          <a:prstGeom prst="rect">
-            <a:avLst/>
-          </a:prstGeom>
-        </p:spPr>
-      </p:pic>
+        </p:txBody>
+      </p:sp>
     </p:spTree>
     <p:extLst>
       <p:ext uri="{BB962C8B-B14F-4D97-AF65-F5344CB8AC3E}">
-        <p14:creationId xmlns:p14="http://schemas.microsoft.com/office/powerpoint/2010/main" val="2373125808"/>
+        <p14:creationId xmlns:p14="http://schemas.microsoft.com/office/powerpoint/2010/main" val="2238487069"/>
       </p:ext>
     </p:extLst>
   </p:cSld>
@@ -9017,22 +9045,23 @@
         <p:spPr/>
         <p:txBody>
           <a:bodyPr>
-            <a:normAutofit fontScale="90000"/>
+            <a:normAutofit/>
           </a:bodyPr>
           <a:lstStyle/>
           <a:p>
             <a:r>
+              <a:rPr lang="en-US" sz="3000" dirty="0" smtClean="0"/>
+              <a:t>#6 </a:t>
+            </a:r>
+            <a:r>
               <a:rPr lang="en-US" sz="3000" dirty="0"/>
-              <a:t>#5 Binomial based: </a:t>
-            </a:r>
-            <a:r>
-              <a:rPr lang="en-US" sz="3000" dirty="0" err="1"/>
-              <a:t>Clopper</a:t>
-            </a:r>
-            <a:r>
-              <a:rPr lang="en-US" sz="3000" dirty="0"/>
-              <a:t>-Pearson ‘exact’</a:t>
-            </a:r>
+              <a:t>Binomial based: </a:t>
+            </a:r>
+            <a:r>
+              <a:rPr lang="en-US" sz="3000" dirty="0" smtClean="0"/>
+              <a:t>Mid-p</a:t>
+            </a:r>
+            <a:endParaRPr lang="en-US" sz="3000" dirty="0"/>
           </a:p>
         </p:txBody>
       </p:sp>
@@ -9046,63 +9075,99 @@
             <p:ph idx="1"/>
           </p:nvPr>
         </p:nvSpPr>
-        <p:spPr>
-          <a:xfrm>
-            <a:off x="457200" y="1371600"/>
-            <a:ext cx="8229600" cy="4754563"/>
-          </a:xfrm>
-        </p:spPr>
-        <p:txBody>
-          <a:bodyPr/>
-          <a:lstStyle/>
-          <a:p>
-            <a:r>
-              <a:rPr lang="en-US" sz="2500" dirty="0" smtClean="0"/>
-              <a:t>Conservative</a:t>
-            </a:r>
-            <a:endParaRPr lang="en-US" sz="2500" dirty="0"/>
-          </a:p>
-          <a:p>
-            <a:pPr lvl="1"/>
-            <a:r>
-              <a:rPr lang="en-US" sz="2500" dirty="0" smtClean="0"/>
-              <a:t>Needs large sample size for </a:t>
-            </a:r>
-            <a:r>
-              <a:rPr lang="en-US" sz="2500" dirty="0" smtClean="0"/>
-              <a:t>precision</a:t>
-            </a:r>
-          </a:p>
-          <a:p>
-            <a:pPr marL="457200" lvl="1" indent="0">
-              <a:buNone/>
-            </a:pPr>
-            <a:endParaRPr lang="en-US" sz="2500" dirty="0" smtClean="0"/>
-          </a:p>
-          <a:p>
-            <a:pPr marL="400050"/>
-            <a:r>
-              <a:rPr lang="en-US" sz="2500" dirty="0"/>
-              <a:t>recommended for the case of very rare or common events</a:t>
+        <p:spPr/>
+        <p:txBody>
+          <a:bodyPr/>
+          <a:lstStyle/>
+          <a:p>
+            <a:r>
+              <a:rPr lang="en-US" dirty="0"/>
+              <a:t>used to reduce </a:t>
+            </a:r>
+            <a:r>
+              <a:rPr lang="en-US" dirty="0" smtClean="0"/>
+              <a:t>the conservatism of #5</a:t>
+            </a:r>
+            <a:r>
+              <a:rPr lang="en-US" dirty="0"/>
+              <a:t/>
             </a:r>
             <a:br>
-              <a:rPr lang="en-US" sz="2500" dirty="0"/>
+              <a:rPr lang="en-US" dirty="0"/>
             </a:br>
             <a:r>
-              <a:rPr lang="en-US" sz="2500" dirty="0"/>
+              <a:rPr lang="en-US" dirty="0"/>
               <a:t/>
             </a:r>
             <a:br>
-              <a:rPr lang="en-US" sz="2500" dirty="0"/>
+              <a:rPr lang="en-US" dirty="0"/>
             </a:br>
-            <a:endParaRPr lang="en-US" sz="2500" dirty="0"/>
+            <a:endParaRPr lang="en-US" dirty="0"/>
+          </a:p>
+        </p:txBody>
+      </p:sp>
+      <p:pic>
+        <p:nvPicPr>
+          <p:cNvPr id="3" name="Picture 2"/>
+          <p:cNvPicPr>
+            <a:picLocks noChangeAspect="1"/>
+          </p:cNvPicPr>
+          <p:nvPr/>
+        </p:nvPicPr>
+        <p:blipFill>
+          <a:blip r:embed="rId2"/>
+          <a:stretch>
+            <a:fillRect/>
+          </a:stretch>
+        </p:blipFill>
+        <p:spPr>
+          <a:xfrm>
+            <a:off x="1371600" y="2663031"/>
+            <a:ext cx="5343525" cy="2400300"/>
+          </a:xfrm>
+          <a:prstGeom prst="rect">
+            <a:avLst/>
+          </a:prstGeom>
+        </p:spPr>
+      </p:pic>
+      <p:sp>
+        <p:nvSpPr>
+          <p:cNvPr id="4" name="TextBox 3"/>
+          <p:cNvSpPr txBox="1"/>
+          <p:nvPr/>
+        </p:nvSpPr>
+        <p:spPr>
+          <a:xfrm>
+            <a:off x="-159096" y="5562600"/>
+            <a:ext cx="6716903" cy="246221"/>
+          </a:xfrm>
+          <a:prstGeom prst="rect">
+            <a:avLst/>
+          </a:prstGeom>
+          <a:noFill/>
+        </p:spPr>
+        <p:txBody>
+          <a:bodyPr wrap="none" rtlCol="0">
+            <a:spAutoFit/>
+          </a:bodyPr>
+          <a:lstStyle/>
+          <a:p>
+            <a:pPr lvl="3" algn="ctr"/>
+            <a:r>
+              <a:rPr lang="en-US" sz="1000" dirty="0">
+                <a:solidFill>
+                  <a:srgbClr val="FF0000"/>
+                </a:solidFill>
+              </a:rPr>
+              <a:t>https://raw.githubusercontent.com/Jiangtang/Programming-SAS/master/CI_Single_Proportion.sas</a:t>
+            </a:r>
           </a:p>
         </p:txBody>
       </p:sp>
     </p:spTree>
     <p:extLst>
       <p:ext uri="{BB962C8B-B14F-4D97-AF65-F5344CB8AC3E}">
-        <p14:creationId xmlns:p14="http://schemas.microsoft.com/office/powerpoint/2010/main" val="2238487069"/>
+        <p14:creationId xmlns:p14="http://schemas.microsoft.com/office/powerpoint/2010/main" val="4065030283"/>
       </p:ext>
     </p:extLst>
   </p:cSld>
@@ -9148,15 +9213,11 @@
           <a:p>
             <a:r>
               <a:rPr lang="en-US" sz="3000" dirty="0" smtClean="0"/>
-              <a:t>#6 </a:t>
-            </a:r>
-            <a:r>
-              <a:rPr lang="en-US" sz="3000" dirty="0"/>
-              <a:t>Binomial based: </a:t>
-            </a:r>
-            <a:r>
-              <a:rPr lang="en-US" sz="3000" dirty="0" smtClean="0"/>
-              <a:t>Mid-p</a:t>
+              <a:t>#7 </a:t>
+            </a:r>
+            <a:r>
+              <a:rPr lang="en-US" sz="3000" dirty="0" err="1" smtClean="0"/>
+              <a:t>Likehood</a:t>
             </a:r>
             <a:endParaRPr lang="en-US" sz="3000" dirty="0"/>
           </a:p>
@@ -9179,12 +9240,32 @@
           <a:p>
             <a:r>
               <a:rPr lang="en-US" dirty="0"/>
-              <a:t>used to reduce </a:t>
+              <a:t>is said to be theoretically </a:t>
             </a:r>
             <a:r>
               <a:rPr lang="en-US" dirty="0" smtClean="0"/>
-              <a:t>the conservatism of #5</a:t>
-            </a:r>
+              <a:t>appealing</a:t>
+            </a:r>
+            <a:r>
+              <a:rPr lang="en-US" dirty="0" smtClean="0">
+                <a:sym typeface="Wingdings" panose="05000000000000000000" pitchFamily="2" charset="2"/>
+              </a:rPr>
+              <a:t></a:t>
+            </a:r>
+            <a:r>
+              <a:rPr lang="en-US" dirty="0"/>
+              <a:t/>
+            </a:r>
+            <a:br>
+              <a:rPr lang="en-US" dirty="0"/>
+            </a:br>
+            <a:r>
+              <a:rPr lang="en-US" dirty="0"/>
+              <a:t/>
+            </a:r>
+            <a:br>
+              <a:rPr lang="en-US" dirty="0"/>
+            </a:br>
             <a:r>
               <a:rPr lang="en-US" dirty="0"/>
               <a:t/>
@@ -9205,7 +9286,7 @@
       </p:sp>
       <p:pic>
         <p:nvPicPr>
-          <p:cNvPr id="3" name="Picture 2"/>
+          <p:cNvPr id="4" name="Picture 3"/>
           <p:cNvPicPr>
             <a:picLocks noChangeAspect="1"/>
           </p:cNvPicPr>
@@ -9219,8 +9300,8 @@
         </p:blipFill>
         <p:spPr>
           <a:xfrm>
-            <a:off x="1371600" y="2663031"/>
-            <a:ext cx="5343525" cy="2400300"/>
+            <a:off x="1228725" y="2819400"/>
+            <a:ext cx="6153150" cy="1676400"/>
           </a:xfrm>
           <a:prstGeom prst="rect">
             <a:avLst/>
@@ -9229,14 +9310,14 @@
       </p:pic>
       <p:sp>
         <p:nvSpPr>
-          <p:cNvPr id="4" name="TextBox 3"/>
+          <p:cNvPr id="8" name="TextBox 7"/>
           <p:cNvSpPr txBox="1"/>
           <p:nvPr/>
         </p:nvSpPr>
         <p:spPr>
           <a:xfrm>
-            <a:off x="-159096" y="5562600"/>
-            <a:ext cx="6716903" cy="246221"/>
+            <a:off x="1524000" y="5257800"/>
+            <a:ext cx="5715000" cy="246221"/>
           </a:xfrm>
           <a:prstGeom prst="rect">
             <a:avLst/>
@@ -9244,27 +9325,40 @@
           <a:noFill/>
         </p:spPr>
         <p:txBody>
-          <a:bodyPr wrap="none" rtlCol="0">
+          <a:bodyPr wrap="square" rtlCol="0">
             <a:spAutoFit/>
           </a:bodyPr>
           <a:lstStyle/>
           <a:p>
-            <a:pPr lvl="3" algn="ctr"/>
+            <a:pPr marL="0" lvl="3"/>
             <a:r>
               <a:rPr lang="en-US" sz="1000" dirty="0">
                 <a:solidFill>
                   <a:srgbClr val="FF0000"/>
                 </a:solidFill>
               </a:rPr>
-              <a:t>https://raw.githubusercontent.com/Jiangtang/Programming-SAS/master/CI_Single_Proportion.sas</a:t>
-            </a:r>
+              <a:t>https://</a:t>
+            </a:r>
+            <a:r>
+              <a:rPr lang="en-US" sz="1000" dirty="0" smtClean="0">
+                <a:solidFill>
+                  <a:srgbClr val="FF0000"/>
+                </a:solidFill>
+              </a:rPr>
+              <a:t>raw.githubusercontent.com/Jiangtang/Programming-SAS/master/CI_Single_Proportion.sas</a:t>
+            </a:r>
+            <a:endParaRPr lang="en-US" sz="1000" dirty="0">
+              <a:solidFill>
+                <a:srgbClr val="FF0000"/>
+              </a:solidFill>
+            </a:endParaRPr>
           </a:p>
         </p:txBody>
       </p:sp>
     </p:spTree>
     <p:extLst>
       <p:ext uri="{BB962C8B-B14F-4D97-AF65-F5344CB8AC3E}">
-        <p14:creationId xmlns:p14="http://schemas.microsoft.com/office/powerpoint/2010/main" val="4065030283"/>
+        <p14:creationId xmlns:p14="http://schemas.microsoft.com/office/powerpoint/2010/main" val="862779199"/>
       </p:ext>
     </p:extLst>
   </p:cSld>
@@ -9309,20 +9403,20 @@
           <a:lstStyle/>
           <a:p>
             <a:r>
-              <a:rPr lang="en-US" sz="3000" dirty="0" smtClean="0"/>
-              <a:t>#7 </a:t>
-            </a:r>
-            <a:r>
-              <a:rPr lang="en-US" sz="3000" dirty="0" err="1" smtClean="0"/>
-              <a:t>Likehood</a:t>
-            </a:r>
-            <a:endParaRPr lang="en-US" sz="3000" dirty="0"/>
-          </a:p>
-        </p:txBody>
-      </p:sp>
-      <p:sp>
-        <p:nvSpPr>
-          <p:cNvPr id="5" name="Content Placeholder 4"/>
+              <a:rPr lang="en-US" sz="2500" dirty="0" err="1" smtClean="0"/>
+              <a:t>Agresti-Coull</a:t>
+            </a:r>
+            <a:r>
+              <a:rPr lang="en-US" sz="2500" dirty="0" smtClean="0"/>
+              <a:t>, #9-12</a:t>
+            </a:r>
+            <a:endParaRPr lang="en-US" sz="2500" dirty="0"/>
+          </a:p>
+        </p:txBody>
+      </p:sp>
+      <p:sp>
+        <p:nvSpPr>
+          <p:cNvPr id="3" name="Content Placeholder 2"/>
           <p:cNvSpPr>
             <a:spLocks noGrp="1"/>
           </p:cNvSpPr>
@@ -9330,38 +9424,95 @@
             <p:ph idx="1"/>
           </p:nvPr>
         </p:nvSpPr>
-        <p:spPr/>
-        <p:txBody>
-          <a:bodyPr/>
-          <a:lstStyle/>
-          <a:p>
-            <a:r>
-              <a:rPr lang="en-US" dirty="0"/>
-              <a:t>is said to be theoretically </a:t>
-            </a:r>
-            <a:r>
-              <a:rPr lang="en-US" dirty="0" smtClean="0"/>
-              <a:t>appealing</a:t>
-            </a:r>
-            <a:r>
-              <a:rPr lang="en-US" dirty="0" smtClean="0">
-                <a:sym typeface="Wingdings" panose="05000000000000000000" pitchFamily="2" charset="2"/>
-              </a:rPr>
-              <a:t></a:t>
-            </a:r>
-            <a:r>
-              <a:rPr lang="en-US" dirty="0"/>
+        <p:spPr>
+          <a:xfrm>
+            <a:off x="457200" y="1219200"/>
+            <a:ext cx="8229600" cy="4906963"/>
+          </a:xfrm>
+        </p:spPr>
+        <p:txBody>
+          <a:bodyPr/>
+          <a:lstStyle/>
+          <a:p>
+            <a:r>
+              <a:rPr lang="en-US" sz="2400" dirty="0"/>
+              <a:t>Instead of using p = r / n, 4 methods </a:t>
+            </a:r>
+            <a:r>
+              <a:rPr lang="en-US" sz="2400" dirty="0" smtClean="0"/>
+              <a:t>are developed </a:t>
+            </a:r>
+            <a:r>
+              <a:rPr lang="en-US" sz="2400" dirty="0"/>
+              <a:t>when </a:t>
+            </a:r>
+            <a:r>
+              <a:rPr lang="en-US" sz="2400" dirty="0" smtClean="0"/>
+              <a:t>ψ </a:t>
+            </a:r>
+            <a:r>
+              <a:rPr lang="en-US" sz="2400" dirty="0"/>
+              <a:t>gets values </a:t>
+            </a:r>
+            <a:r>
+              <a:rPr lang="en-US" sz="2400" i="1" dirty="0"/>
+              <a:t>z</a:t>
+            </a:r>
+            <a:r>
+              <a:rPr lang="en-US" sz="2400" dirty="0"/>
+              <a:t>2/2, 2, 1, </a:t>
+            </a:r>
+            <a:r>
+              <a:rPr lang="en-US" sz="2400" dirty="0" smtClean="0"/>
+              <a:t>3</a:t>
+            </a:r>
+          </a:p>
+          <a:p>
+            <a:pPr marL="914400" lvl="2" indent="0">
+              <a:buNone/>
+            </a:pPr>
+            <a:r>
+              <a:rPr lang="pt-BR" dirty="0"/>
+              <a:t>pψ = (</a:t>
+            </a:r>
+            <a:r>
+              <a:rPr lang="pt-BR" i="1" dirty="0"/>
+              <a:t>r </a:t>
+            </a:r>
+            <a:r>
+              <a:rPr lang="pt-BR" dirty="0"/>
+              <a:t>+ ψ)/(</a:t>
+            </a:r>
+            <a:r>
+              <a:rPr lang="pt-BR" i="1" dirty="0"/>
+              <a:t>n </a:t>
+            </a:r>
+            <a:r>
+              <a:rPr lang="pt-BR" dirty="0"/>
+              <a:t>+ 2ψ</a:t>
+            </a:r>
+            <a:r>
+              <a:rPr lang="pt-BR" dirty="0" smtClean="0"/>
+              <a:t>)</a:t>
+            </a:r>
+          </a:p>
+          <a:p>
+            <a:pPr marL="914400" lvl="2" indent="0">
+              <a:buNone/>
+            </a:pPr>
+            <a:r>
+              <a:rPr lang="pt-BR" dirty="0"/>
               <a:t/>
             </a:r>
             <a:br>
-              <a:rPr lang="en-US" dirty="0"/>
+              <a:rPr lang="pt-BR" dirty="0"/>
             </a:br>
             <a:r>
-              <a:rPr lang="en-US" dirty="0"/>
+              <a:rPr lang="pt-BR" dirty="0"/>
               <a:t/>
             </a:r>
             <a:br>
-              <a:rPr lang="en-US" dirty="0"/>
+              <a:rPr lang="pt-BR" dirty="0"/>
             </a:br>
             <a:r>
               <a:rPr lang="en-US" dirty="0"/>
@@ -9397,65 +9548,18 @@
         </p:blipFill>
         <p:spPr>
           <a:xfrm>
-            <a:off x="1228725" y="2819400"/>
-            <a:ext cx="6153150" cy="1676400"/>
+            <a:off x="1752600" y="2743200"/>
+            <a:ext cx="4600575" cy="3000375"/>
           </a:xfrm>
           <a:prstGeom prst="rect">
             <a:avLst/>
           </a:prstGeom>
         </p:spPr>
       </p:pic>
-      <p:sp>
-        <p:nvSpPr>
-          <p:cNvPr id="8" name="TextBox 7"/>
-          <p:cNvSpPr txBox="1"/>
-          <p:nvPr/>
-        </p:nvSpPr>
-        <p:spPr>
-          <a:xfrm>
-            <a:off x="1524000" y="5257800"/>
-            <a:ext cx="5715000" cy="246221"/>
-          </a:xfrm>
-          <a:prstGeom prst="rect">
-            <a:avLst/>
-          </a:prstGeom>
-          <a:noFill/>
-        </p:spPr>
-        <p:txBody>
-          <a:bodyPr wrap="square" rtlCol="0">
-            <a:spAutoFit/>
-          </a:bodyPr>
-          <a:lstStyle/>
-          <a:p>
-            <a:pPr marL="0" lvl="3"/>
-            <a:r>
-              <a:rPr lang="en-US" sz="1000" dirty="0">
-                <a:solidFill>
-                  <a:srgbClr val="FF0000"/>
-                </a:solidFill>
-              </a:rPr>
-              <a:t>https://</a:t>
-            </a:r>
-            <a:r>
-              <a:rPr lang="en-US" sz="1000" dirty="0" smtClean="0">
-                <a:solidFill>
-                  <a:srgbClr val="FF0000"/>
-                </a:solidFill>
-              </a:rPr>
-              <a:t>raw.githubusercontent.com/Jiangtang/Programming-SAS/master/CI_Single_Proportion.sas</a:t>
-            </a:r>
-            <a:endParaRPr lang="en-US" sz="1000" dirty="0">
-              <a:solidFill>
-                <a:srgbClr val="FF0000"/>
-              </a:solidFill>
-            </a:endParaRPr>
-          </a:p>
-        </p:txBody>
-      </p:sp>
     </p:spTree>
     <p:extLst>
       <p:ext uri="{BB962C8B-B14F-4D97-AF65-F5344CB8AC3E}">
-        <p14:creationId xmlns:p14="http://schemas.microsoft.com/office/powerpoint/2010/main" val="862779199"/>
+        <p14:creationId xmlns:p14="http://schemas.microsoft.com/office/powerpoint/2010/main" val="867176211"/>
       </p:ext>
     </p:extLst>
   </p:cSld>
@@ -9494,26 +9598,20 @@
         </p:nvSpPr>
         <p:spPr/>
         <p:txBody>
-          <a:bodyPr>
-            <a:normAutofit/>
-          </a:bodyPr>
-          <a:lstStyle/>
-          <a:p>
-            <a:r>
-              <a:rPr lang="en-US" sz="2500" dirty="0" err="1" smtClean="0"/>
-              <a:t>Agresti-Coull</a:t>
-            </a:r>
-            <a:r>
-              <a:rPr lang="en-US" sz="2500" dirty="0" smtClean="0"/>
-              <a:t>, #9-12</a:t>
-            </a:r>
-            <a:endParaRPr lang="en-US" sz="2500" dirty="0"/>
-          </a:p>
-        </p:txBody>
-      </p:sp>
-      <p:sp>
-        <p:nvSpPr>
-          <p:cNvPr id="3" name="Content Placeholder 2"/>
+          <a:bodyPr/>
+          <a:lstStyle/>
+          <a:p>
+            <a:r>
+              <a:rPr lang="en-US" dirty="0" smtClean="0"/>
+              <a:t>Bayesian Begins</a:t>
+            </a:r>
+            <a:endParaRPr lang="en-US" dirty="0"/>
+          </a:p>
+        </p:txBody>
+      </p:sp>
+      <p:sp>
+        <p:nvSpPr>
+          <p:cNvPr id="5" name="Content Placeholder 4"/>
           <p:cNvSpPr>
             <a:spLocks noGrp="1"/>
           </p:cNvSpPr>
@@ -9521,117 +9619,18 @@
             <p:ph idx="1"/>
           </p:nvPr>
         </p:nvSpPr>
-        <p:spPr>
-          <a:xfrm>
-            <a:off x="457200" y="1219200"/>
-            <a:ext cx="8229600" cy="4906963"/>
-          </a:xfrm>
-        </p:spPr>
-        <p:txBody>
-          <a:bodyPr/>
-          <a:lstStyle/>
-          <a:p>
-            <a:r>
-              <a:rPr lang="en-US" sz="2400" dirty="0"/>
-              <a:t>Instead of using p = r / n, 4 methods </a:t>
-            </a:r>
-            <a:r>
-              <a:rPr lang="en-US" sz="2400" dirty="0" smtClean="0"/>
-              <a:t>are developed </a:t>
-            </a:r>
-            <a:r>
-              <a:rPr lang="en-US" sz="2400" dirty="0"/>
-              <a:t>when </a:t>
-            </a:r>
-            <a:r>
-              <a:rPr lang="en-US" sz="2400" dirty="0" smtClean="0"/>
-              <a:t>ψ </a:t>
-            </a:r>
-            <a:r>
-              <a:rPr lang="en-US" sz="2400" dirty="0"/>
-              <a:t>gets values </a:t>
-            </a:r>
-            <a:r>
-              <a:rPr lang="en-US" sz="2400" i="1" dirty="0"/>
-              <a:t>z</a:t>
-            </a:r>
-            <a:r>
-              <a:rPr lang="en-US" sz="2400" dirty="0"/>
-              <a:t>2/2, 2, 1, </a:t>
-            </a:r>
-            <a:r>
-              <a:rPr lang="en-US" sz="2400" dirty="0" smtClean="0"/>
-              <a:t>3</a:t>
-            </a:r>
-          </a:p>
-          <a:p>
-            <a:pPr marL="914400" lvl="2" indent="0">
-              <a:buNone/>
-            </a:pPr>
-            <a:r>
-              <a:rPr lang="pt-BR" dirty="0"/>
-              <a:t>pψ = (</a:t>
-            </a:r>
-            <a:r>
-              <a:rPr lang="pt-BR" i="1" dirty="0"/>
-              <a:t>r </a:t>
-            </a:r>
-            <a:r>
-              <a:rPr lang="pt-BR" dirty="0"/>
-              <a:t>+ ψ)/(</a:t>
-            </a:r>
-            <a:r>
-              <a:rPr lang="pt-BR" i="1" dirty="0"/>
-              <a:t>n </a:t>
-            </a:r>
-            <a:r>
-              <a:rPr lang="pt-BR" dirty="0"/>
-              <a:t>+ 2ψ</a:t>
-            </a:r>
-            <a:r>
-              <a:rPr lang="pt-BR" dirty="0" smtClean="0"/>
-              <a:t>)</a:t>
-            </a:r>
-          </a:p>
-          <a:p>
-            <a:pPr marL="914400" lvl="2" indent="0">
-              <a:buNone/>
-            </a:pPr>
-            <a:r>
-              <a:rPr lang="pt-BR" dirty="0"/>
-              <a:t/>
-            </a:r>
-            <a:br>
-              <a:rPr lang="pt-BR" dirty="0"/>
-            </a:br>
-            <a:r>
-              <a:rPr lang="pt-BR" dirty="0"/>
-              <a:t/>
-            </a:r>
-            <a:br>
-              <a:rPr lang="pt-BR" dirty="0"/>
-            </a:br>
-            <a:r>
-              <a:rPr lang="en-US" dirty="0"/>
-              <a:t/>
-            </a:r>
-            <a:br>
-              <a:rPr lang="en-US" dirty="0"/>
-            </a:br>
-            <a:r>
-              <a:rPr lang="en-US" dirty="0"/>
-              <a:t/>
-            </a:r>
-            <a:br>
-              <a:rPr lang="en-US" dirty="0"/>
-            </a:br>
-            <a:endParaRPr lang="en-US" dirty="0"/>
+        <p:spPr/>
+        <p:txBody>
+          <a:bodyPr/>
+          <a:lstStyle/>
+          <a:p>
+            <a:endParaRPr lang="en-US"/>
           </a:p>
         </p:txBody>
       </p:sp>
       <p:pic>
         <p:nvPicPr>
-          <p:cNvPr id="4" name="Picture 3"/>
+          <p:cNvPr id="6" name="Picture 5"/>
           <p:cNvPicPr>
             <a:picLocks noChangeAspect="1"/>
           </p:cNvPicPr>
@@ -9645,8 +9644,8 @@
         </p:blipFill>
         <p:spPr>
           <a:xfrm>
-            <a:off x="1752600" y="2743200"/>
-            <a:ext cx="4600575" cy="3000375"/>
+            <a:off x="583406" y="1628192"/>
+            <a:ext cx="7443787" cy="4226627"/>
           </a:xfrm>
           <a:prstGeom prst="rect">
             <a:avLst/>
@@ -9656,7 +9655,7 @@
     </p:spTree>
     <p:extLst>
       <p:ext uri="{BB962C8B-B14F-4D97-AF65-F5344CB8AC3E}">
-        <p14:creationId xmlns:p14="http://schemas.microsoft.com/office/powerpoint/2010/main" val="867176211"/>
+        <p14:creationId xmlns:p14="http://schemas.microsoft.com/office/powerpoint/2010/main" val="1003731338"/>
       </p:ext>
     </p:extLst>
   </p:cSld>
@@ -9700,38 +9699,25 @@
           <a:p>
             <a:r>
               <a:rPr lang="en-US" dirty="0" smtClean="0"/>
-              <a:t>Bayesian Begins</a:t>
+              <a:t>#8 Bayesian: </a:t>
+            </a:r>
+            <a:r>
+              <a:rPr lang="en-US" dirty="0" err="1" smtClean="0"/>
+              <a:t>Jeffreys</a:t>
             </a:r>
             <a:endParaRPr lang="en-US" dirty="0"/>
-          </a:p>
-        </p:txBody>
-      </p:sp>
-      <p:sp>
-        <p:nvSpPr>
-          <p:cNvPr id="5" name="Content Placeholder 4"/>
-          <p:cNvSpPr>
-            <a:spLocks noGrp="1"/>
-          </p:cNvSpPr>
-          <p:nvPr>
-            <p:ph idx="1"/>
-          </p:nvPr>
-        </p:nvSpPr>
-        <p:spPr/>
-        <p:txBody>
-          <a:bodyPr/>
-          <a:lstStyle/>
-          <a:p>
-            <a:endParaRPr lang="en-US"/>
           </a:p>
         </p:txBody>
       </p:sp>
       <p:pic>
         <p:nvPicPr>
-          <p:cNvPr id="6" name="Picture 5"/>
+          <p:cNvPr id="5" name="Content Placeholder 4"/>
           <p:cNvPicPr>
-            <a:picLocks noChangeAspect="1"/>
+            <a:picLocks noGrp="1" noChangeAspect="1"/>
           </p:cNvPicPr>
-          <p:nvPr/>
+          <p:nvPr>
+            <p:ph idx="1"/>
+          </p:nvPr>
         </p:nvPicPr>
         <p:blipFill>
           <a:blip r:embed="rId2"/>
@@ -9741,8 +9727,8 @@
         </p:blipFill>
         <p:spPr>
           <a:xfrm>
-            <a:off x="583406" y="1628192"/>
-            <a:ext cx="7443787" cy="4226627"/>
+            <a:off x="1976437" y="2844006"/>
+            <a:ext cx="5191125" cy="2038350"/>
           </a:xfrm>
           <a:prstGeom prst="rect">
             <a:avLst/>
@@ -9752,13 +9738,20 @@
     </p:spTree>
     <p:extLst>
       <p:ext uri="{BB962C8B-B14F-4D97-AF65-F5344CB8AC3E}">
-        <p14:creationId xmlns:p14="http://schemas.microsoft.com/office/powerpoint/2010/main" val="1003731338"/>
+        <p14:creationId xmlns:p14="http://schemas.microsoft.com/office/powerpoint/2010/main" val="1447350912"/>
       </p:ext>
     </p:extLst>
   </p:cSld>
   <p:clrMapOvr>
     <a:masterClrMapping/>
   </p:clrMapOvr>
+  <p:timing>
+    <p:tnLst>
+      <p:par>
+        <p:cTn id="1" dur="indefinite" restart="never" nodeType="tmRoot"/>
+      </p:par>
+    </p:tnLst>
+  </p:timing>
 </p:sld>
 </file>
 
@@ -9962,30 +9955,57 @@
         </p:nvSpPr>
         <p:spPr/>
         <p:txBody>
-          <a:bodyPr/>
+          <a:bodyPr>
+            <a:normAutofit/>
+          </a:bodyPr>
           <a:lstStyle/>
           <a:p>
             <a:r>
               <a:rPr lang="en-US" dirty="0" smtClean="0"/>
-              <a:t>#8 Bayesian: </a:t>
+              <a:t>#14 Bayesian: </a:t>
             </a:r>
             <a:r>
               <a:rPr lang="en-US" dirty="0" err="1" smtClean="0"/>
-              <a:t>Jeffreys</a:t>
-            </a:r>
+              <a:t>Blaker</a:t>
+            </a:r>
+            <a:endParaRPr lang="en-US" dirty="0"/>
+          </a:p>
+        </p:txBody>
+      </p:sp>
+      <p:sp>
+        <p:nvSpPr>
+          <p:cNvPr id="3" name="Content Placeholder 2"/>
+          <p:cNvSpPr>
+            <a:spLocks noGrp="1"/>
+          </p:cNvSpPr>
+          <p:nvPr>
+            <p:ph idx="1"/>
+          </p:nvPr>
+        </p:nvSpPr>
+        <p:spPr>
+          <a:xfrm>
+            <a:off x="528637" y="1575318"/>
+            <a:ext cx="8229600" cy="4525963"/>
+          </a:xfrm>
+        </p:spPr>
+        <p:txBody>
+          <a:bodyPr/>
+          <a:lstStyle/>
+          <a:p>
+            <a:pPr marL="0" indent="0">
+              <a:buNone/>
+            </a:pPr>
             <a:endParaRPr lang="en-US" dirty="0"/>
           </a:p>
         </p:txBody>
       </p:sp>
       <p:pic>
         <p:nvPicPr>
-          <p:cNvPr id="5" name="Content Placeholder 4"/>
+          <p:cNvPr id="4" name="Picture 3"/>
           <p:cNvPicPr>
-            <a:picLocks noGrp="1" noChangeAspect="1"/>
+            <a:picLocks noChangeAspect="1"/>
           </p:cNvPicPr>
-          <p:nvPr>
-            <p:ph idx="1"/>
-          </p:nvPr>
+          <p:nvPr/>
         </p:nvPicPr>
         <p:blipFill>
           <a:blip r:embed="rId2"/>
@@ -9995,8 +10015,8 @@
         </p:blipFill>
         <p:spPr>
           <a:xfrm>
-            <a:off x="1976437" y="2844006"/>
-            <a:ext cx="5191125" cy="2038350"/>
+            <a:off x="1981200" y="1631653"/>
+            <a:ext cx="5324475" cy="4469628"/>
           </a:xfrm>
           <a:prstGeom prst="rect">
             <a:avLst/>
@@ -10006,7 +10026,7 @@
     </p:spTree>
     <p:extLst>
       <p:ext uri="{BB962C8B-B14F-4D97-AF65-F5344CB8AC3E}">
-        <p14:creationId xmlns:p14="http://schemas.microsoft.com/office/powerpoint/2010/main" val="1447350912"/>
+        <p14:creationId xmlns:p14="http://schemas.microsoft.com/office/powerpoint/2010/main" val="1601966258"/>
       </p:ext>
     </p:extLst>
   </p:cSld>
@@ -10050,22 +10070,23 @@
             <p:ph type="title"/>
           </p:nvPr>
         </p:nvSpPr>
-        <p:spPr/>
+        <p:spPr>
+          <a:xfrm>
+            <a:off x="0" y="76200"/>
+            <a:ext cx="8610600" cy="838200"/>
+          </a:xfrm>
+        </p:spPr>
         <p:txBody>
           <a:bodyPr>
-            <a:normAutofit fontScale="90000"/>
+            <a:normAutofit/>
           </a:bodyPr>
           <a:lstStyle/>
           <a:p>
             <a:r>
-              <a:rPr lang="en-US" dirty="0" smtClean="0"/>
-              <a:t>#14 Bayesian: </a:t>
-            </a:r>
-            <a:r>
-              <a:rPr lang="en-US" dirty="0" err="1" smtClean="0"/>
-              <a:t>Jeffreys</a:t>
-            </a:r>
-            <a:endParaRPr lang="en-US" dirty="0"/>
+              <a:rPr lang="en-US" sz="3000" dirty="0" smtClean="0"/>
+              <a:t>Get All!</a:t>
+            </a:r>
+            <a:endParaRPr lang="en-US" sz="3000" dirty="0"/>
           </a:p>
         </p:txBody>
       </p:sp>
@@ -10081,8 +10102,8 @@
         </p:nvSpPr>
         <p:spPr>
           <a:xfrm>
-            <a:off x="528637" y="1575318"/>
-            <a:ext cx="8229600" cy="4525963"/>
+            <a:off x="0" y="838200"/>
+            <a:ext cx="9067800" cy="5287963"/>
           </a:xfrm>
         </p:spPr>
         <p:txBody>
@@ -10092,7 +10113,81 @@
             <a:pPr marL="0" indent="0">
               <a:buNone/>
             </a:pPr>
-            <a:endParaRPr lang="en-US" dirty="0"/>
+            <a:r>
+              <a:rPr lang="it-IT" sz="1400" dirty="0">
+                <a:latin typeface="Courier New" panose="02070309020205020404" pitchFamily="49" charset="0"/>
+                <a:cs typeface="Courier New" panose="02070309020205020404" pitchFamily="49" charset="0"/>
+              </a:rPr>
+              <a:t>filename CI url 'https://raw.github.com/Jiangtang/ProgrammingSAS/master/</a:t>
+            </a:r>
+            <a:r>
+              <a:rPr lang="it-IT" sz="1400" dirty="0">
+                <a:solidFill>
+                  <a:srgbClr val="FF0000"/>
+                </a:solidFill>
+                <a:latin typeface="Courier New" panose="02070309020205020404" pitchFamily="49" charset="0"/>
+                <a:cs typeface="Courier New" panose="02070309020205020404" pitchFamily="49" charset="0"/>
+              </a:rPr>
+              <a:t>CI_Single_Proportion.sas</a:t>
+            </a:r>
+            <a:r>
+              <a:rPr lang="it-IT" sz="1400" dirty="0">
+                <a:latin typeface="Courier New" panose="02070309020205020404" pitchFamily="49" charset="0"/>
+                <a:cs typeface="Courier New" panose="02070309020205020404" pitchFamily="49" charset="0"/>
+              </a:rPr>
+              <a:t>';</a:t>
+            </a:r>
+            <a:br>
+              <a:rPr lang="it-IT" sz="1400" dirty="0">
+                <a:latin typeface="Courier New" panose="02070309020205020404" pitchFamily="49" charset="0"/>
+                <a:cs typeface="Courier New" panose="02070309020205020404" pitchFamily="49" charset="0"/>
+              </a:rPr>
+            </a:br>
+            <a:r>
+              <a:rPr lang="it-IT" sz="1400" dirty="0">
+                <a:latin typeface="Courier New" panose="02070309020205020404" pitchFamily="49" charset="0"/>
+                <a:cs typeface="Courier New" panose="02070309020205020404" pitchFamily="49" charset="0"/>
+              </a:rPr>
+              <a:t>%include CI;</a:t>
+            </a:r>
+            <a:br>
+              <a:rPr lang="it-IT" sz="1400" dirty="0">
+                <a:latin typeface="Courier New" panose="02070309020205020404" pitchFamily="49" charset="0"/>
+                <a:cs typeface="Courier New" panose="02070309020205020404" pitchFamily="49" charset="0"/>
+              </a:rPr>
+            </a:br>
+            <a:r>
+              <a:rPr lang="it-IT" sz="1400" dirty="0">
+                <a:latin typeface="Courier New" panose="02070309020205020404" pitchFamily="49" charset="0"/>
+                <a:cs typeface="Courier New" panose="02070309020205020404" pitchFamily="49" charset="0"/>
+              </a:rPr>
+              <a:t>%</a:t>
+            </a:r>
+            <a:r>
+              <a:rPr lang="it-IT" sz="1400" i="1" dirty="0">
+                <a:latin typeface="Courier New" panose="02070309020205020404" pitchFamily="49" charset="0"/>
+                <a:cs typeface="Courier New" panose="02070309020205020404" pitchFamily="49" charset="0"/>
+              </a:rPr>
+              <a:t>CI_Single_Proportion</a:t>
+            </a:r>
+            <a:r>
+              <a:rPr lang="it-IT" sz="1400" dirty="0">
+                <a:latin typeface="Courier New" panose="02070309020205020404" pitchFamily="49" charset="0"/>
+                <a:cs typeface="Courier New" panose="02070309020205020404" pitchFamily="49" charset="0"/>
+              </a:rPr>
+              <a:t>(r=81,n=263</a:t>
+            </a:r>
+            <a:r>
+              <a:rPr lang="it-IT" sz="1400" dirty="0" smtClean="0">
+                <a:latin typeface="Courier New" panose="02070309020205020404" pitchFamily="49" charset="0"/>
+                <a:cs typeface="Courier New" panose="02070309020205020404" pitchFamily="49" charset="0"/>
+              </a:rPr>
+              <a:t>);</a:t>
+            </a:r>
+            <a:endParaRPr lang="en-US" sz="1400" dirty="0">
+              <a:latin typeface="Courier New" panose="02070309020205020404" pitchFamily="49" charset="0"/>
+              <a:cs typeface="Courier New" panose="02070309020205020404" pitchFamily="49" charset="0"/>
+            </a:endParaRPr>
           </a:p>
         </p:txBody>
       </p:sp>
@@ -10112,8 +10207,8 @@
         </p:blipFill>
         <p:spPr>
           <a:xfrm>
-            <a:off x="1981200" y="1631653"/>
-            <a:ext cx="5324475" cy="4469628"/>
+            <a:off x="423863" y="1828800"/>
+            <a:ext cx="8643937" cy="4902771"/>
           </a:xfrm>
           <a:prstGeom prst="rect">
             <a:avLst/>
@@ -10123,7 +10218,7 @@
     </p:spTree>
     <p:extLst>
       <p:ext uri="{BB962C8B-B14F-4D97-AF65-F5344CB8AC3E}">
-        <p14:creationId xmlns:p14="http://schemas.microsoft.com/office/powerpoint/2010/main" val="1601966258"/>
+        <p14:creationId xmlns:p14="http://schemas.microsoft.com/office/powerpoint/2010/main" val="4018854140"/>
       </p:ext>
     </p:extLst>
   </p:cSld>
@@ -10167,12 +10262,7 @@
             <p:ph type="title"/>
           </p:nvPr>
         </p:nvSpPr>
-        <p:spPr>
-          <a:xfrm>
-            <a:off x="0" y="76200"/>
-            <a:ext cx="8610600" cy="838200"/>
-          </a:xfrm>
-        </p:spPr>
+        <p:spPr/>
         <p:txBody>
           <a:bodyPr>
             <a:normAutofit/>
@@ -10181,120 +10271,25 @@
           <a:p>
             <a:r>
               <a:rPr lang="en-US" sz="3000" dirty="0" smtClean="0"/>
-              <a:t>Get All!</a:t>
+              <a:t>Using PROC </a:t>
+            </a:r>
+            <a:r>
+              <a:rPr lang="en-US" sz="3000" dirty="0" smtClean="0"/>
+              <a:t>FREQ (1/4)</a:t>
             </a:r>
             <a:endParaRPr lang="en-US" sz="3000" dirty="0"/>
-          </a:p>
-        </p:txBody>
-      </p:sp>
-      <p:sp>
-        <p:nvSpPr>
-          <p:cNvPr id="3" name="Content Placeholder 2"/>
-          <p:cNvSpPr>
-            <a:spLocks noGrp="1"/>
-          </p:cNvSpPr>
-          <p:nvPr>
-            <p:ph idx="1"/>
-          </p:nvPr>
-        </p:nvSpPr>
-        <p:spPr>
-          <a:xfrm>
-            <a:off x="0" y="838200"/>
-            <a:ext cx="9067800" cy="5287963"/>
-          </a:xfrm>
-        </p:spPr>
-        <p:txBody>
-          <a:bodyPr/>
-          <a:lstStyle/>
-          <a:p>
-            <a:pPr marL="0" indent="0">
-              <a:buNone/>
-            </a:pPr>
-            <a:r>
-              <a:rPr lang="it-IT" sz="1400" dirty="0">
-                <a:latin typeface="Courier New" panose="02070309020205020404" pitchFamily="49" charset="0"/>
-                <a:cs typeface="Courier New" panose="02070309020205020404" pitchFamily="49" charset="0"/>
-              </a:rPr>
-              <a:t>filename CI url 'https://raw.github.com/Jiangtang/ProgrammingSAS/master/</a:t>
-            </a:r>
-            <a:r>
-              <a:rPr lang="it-IT" sz="1400" dirty="0">
-                <a:solidFill>
-                  <a:srgbClr val="FF0000"/>
-                </a:solidFill>
-                <a:latin typeface="Courier New" panose="02070309020205020404" pitchFamily="49" charset="0"/>
-                <a:cs typeface="Courier New" panose="02070309020205020404" pitchFamily="49" charset="0"/>
-              </a:rPr>
-              <a:t>CI_Single_Proportion.sas</a:t>
-            </a:r>
-            <a:r>
-              <a:rPr lang="it-IT" sz="1400" dirty="0">
-                <a:latin typeface="Courier New" panose="02070309020205020404" pitchFamily="49" charset="0"/>
-                <a:cs typeface="Courier New" panose="02070309020205020404" pitchFamily="49" charset="0"/>
-              </a:rPr>
-              <a:t>';</a:t>
-            </a:r>
-            <a:br>
-              <a:rPr lang="it-IT" sz="1400" dirty="0">
-                <a:latin typeface="Courier New" panose="02070309020205020404" pitchFamily="49" charset="0"/>
-                <a:cs typeface="Courier New" panose="02070309020205020404" pitchFamily="49" charset="0"/>
-              </a:rPr>
-            </a:br>
-            <a:r>
-              <a:rPr lang="it-IT" sz="1400" dirty="0">
-                <a:latin typeface="Courier New" panose="02070309020205020404" pitchFamily="49" charset="0"/>
-                <a:cs typeface="Courier New" panose="02070309020205020404" pitchFamily="49" charset="0"/>
-              </a:rPr>
-              <a:t>%include CI;</a:t>
-            </a:r>
-            <a:br>
-              <a:rPr lang="it-IT" sz="1400" dirty="0">
-                <a:latin typeface="Courier New" panose="02070309020205020404" pitchFamily="49" charset="0"/>
-                <a:cs typeface="Courier New" panose="02070309020205020404" pitchFamily="49" charset="0"/>
-              </a:rPr>
-            </a:br>
-            <a:r>
-              <a:rPr lang="it-IT" sz="1400" dirty="0">
-                <a:latin typeface="Courier New" panose="02070309020205020404" pitchFamily="49" charset="0"/>
-                <a:cs typeface="Courier New" panose="02070309020205020404" pitchFamily="49" charset="0"/>
-              </a:rPr>
-              <a:t>%</a:t>
-            </a:r>
-            <a:r>
-              <a:rPr lang="it-IT" sz="1400" i="1" dirty="0">
-                <a:latin typeface="Courier New" panose="02070309020205020404" pitchFamily="49" charset="0"/>
-                <a:cs typeface="Courier New" panose="02070309020205020404" pitchFamily="49" charset="0"/>
-              </a:rPr>
-              <a:t>CI_Single_Proportion</a:t>
-            </a:r>
-            <a:r>
-              <a:rPr lang="it-IT" sz="1400" dirty="0">
-                <a:latin typeface="Courier New" panose="02070309020205020404" pitchFamily="49" charset="0"/>
-                <a:cs typeface="Courier New" panose="02070309020205020404" pitchFamily="49" charset="0"/>
-              </a:rPr>
-              <a:t>(r=81,n=263</a:t>
-            </a:r>
-            <a:r>
-              <a:rPr lang="it-IT" sz="1400" dirty="0" smtClean="0">
-                <a:latin typeface="Courier New" panose="02070309020205020404" pitchFamily="49" charset="0"/>
-                <a:cs typeface="Courier New" panose="02070309020205020404" pitchFamily="49" charset="0"/>
-              </a:rPr>
-              <a:t>);</a:t>
-            </a:r>
-            <a:endParaRPr lang="en-US" sz="1400" dirty="0">
-              <a:latin typeface="Courier New" panose="02070309020205020404" pitchFamily="49" charset="0"/>
-              <a:cs typeface="Courier New" panose="02070309020205020404" pitchFamily="49" charset="0"/>
-            </a:endParaRPr>
           </a:p>
         </p:txBody>
       </p:sp>
       <p:pic>
         <p:nvPicPr>
-          <p:cNvPr id="4" name="Picture 3"/>
+          <p:cNvPr id="6" name="Content Placeholder 5"/>
           <p:cNvPicPr>
-            <a:picLocks noChangeAspect="1"/>
+            <a:picLocks noGrp="1" noChangeAspect="1"/>
           </p:cNvPicPr>
-          <p:nvPr/>
+          <p:nvPr>
+            <p:ph sz="half" idx="1"/>
+          </p:nvPr>
         </p:nvPicPr>
         <p:blipFill>
           <a:blip r:embed="rId2"/>
@@ -10304,8 +10299,34 @@
         </p:blipFill>
         <p:spPr>
           <a:xfrm>
-            <a:off x="423863" y="1828800"/>
-            <a:ext cx="8643937" cy="4902771"/>
+            <a:off x="533400" y="2286000"/>
+            <a:ext cx="3143250" cy="2238375"/>
+          </a:xfrm>
+          <a:prstGeom prst="rect">
+            <a:avLst/>
+          </a:prstGeom>
+        </p:spPr>
+      </p:pic>
+      <p:pic>
+        <p:nvPicPr>
+          <p:cNvPr id="7" name="Content Placeholder 6"/>
+          <p:cNvPicPr>
+            <a:picLocks noGrp="1" noChangeAspect="1"/>
+          </p:cNvPicPr>
+          <p:nvPr>
+            <p:ph sz="half" idx="2"/>
+          </p:nvPr>
+        </p:nvPicPr>
+        <p:blipFill>
+          <a:blip r:embed="rId3"/>
+          <a:stretch>
+            <a:fillRect/>
+          </a:stretch>
+        </p:blipFill>
+        <p:spPr>
+          <a:xfrm>
+            <a:off x="4876800" y="2057400"/>
+            <a:ext cx="2667000" cy="3057525"/>
           </a:xfrm>
           <a:prstGeom prst="rect">
             <a:avLst/>
@@ -10315,7 +10336,7 @@
     </p:spTree>
     <p:extLst>
       <p:ext uri="{BB962C8B-B14F-4D97-AF65-F5344CB8AC3E}">
-        <p14:creationId xmlns:p14="http://schemas.microsoft.com/office/powerpoint/2010/main" val="4018854140"/>
+        <p14:creationId xmlns:p14="http://schemas.microsoft.com/office/powerpoint/2010/main" val="1830256283"/>
       </p:ext>
     </p:extLst>
   </p:cSld>
@@ -10351,6 +10372,46 @@
       </p:grpSpPr>
       <p:sp>
         <p:nvSpPr>
+          <p:cNvPr id="8" name="Rectangle 7"/>
+          <p:cNvSpPr/>
+          <p:nvPr/>
+        </p:nvSpPr>
+        <p:spPr>
+          <a:xfrm>
+            <a:off x="2895600" y="3657600"/>
+            <a:ext cx="1066800" cy="609600"/>
+          </a:xfrm>
+          <a:prstGeom prst="rect">
+            <a:avLst/>
+          </a:prstGeom>
+        </p:spPr>
+        <p:style>
+          <a:lnRef idx="2">
+            <a:schemeClr val="accent1">
+              <a:shade val="50000"/>
+            </a:schemeClr>
+          </a:lnRef>
+          <a:fillRef idx="1">
+            <a:schemeClr val="accent1"/>
+          </a:fillRef>
+          <a:effectRef idx="0">
+            <a:schemeClr val="accent1"/>
+          </a:effectRef>
+          <a:fontRef idx="minor">
+            <a:schemeClr val="lt1"/>
+          </a:fontRef>
+        </p:style>
+        <p:txBody>
+          <a:bodyPr rtlCol="0" anchor="ctr"/>
+          <a:lstStyle/>
+          <a:p>
+            <a:pPr algn="ctr"/>
+            <a:endParaRPr lang="en-US"/>
+          </a:p>
+        </p:txBody>
+      </p:sp>
+      <p:sp>
+        <p:nvSpPr>
           <p:cNvPr id="2" name="Title 1"/>
           <p:cNvSpPr>
             <a:spLocks noGrp="1"/>
@@ -10368,21 +10429,69 @@
           <a:p>
             <a:r>
               <a:rPr lang="en-US" sz="3000" dirty="0" smtClean="0"/>
-              <a:t>Using PROC FREQ</a:t>
+              <a:t>Using PROC </a:t>
+            </a:r>
+            <a:r>
+              <a:rPr lang="en-US" sz="3000" dirty="0"/>
+              <a:t>FREQ </a:t>
+            </a:r>
+            <a:r>
+              <a:rPr lang="en-US" sz="3000" dirty="0" smtClean="0"/>
+              <a:t>(2/4</a:t>
+            </a:r>
+            <a:r>
+              <a:rPr lang="en-US" sz="3000" dirty="0"/>
+              <a:t>)</a:t>
             </a:r>
             <a:endParaRPr lang="en-US" sz="3000" dirty="0"/>
+          </a:p>
+        </p:txBody>
+      </p:sp>
+      <p:sp>
+        <p:nvSpPr>
+          <p:cNvPr id="3" name="Content Placeholder 2"/>
+          <p:cNvSpPr>
+            <a:spLocks noGrp="1"/>
+          </p:cNvSpPr>
+          <p:nvPr>
+            <p:ph sz="half" idx="1"/>
+          </p:nvPr>
+        </p:nvSpPr>
+        <p:spPr/>
+        <p:txBody>
+          <a:bodyPr/>
+          <a:lstStyle/>
+          <a:p>
+            <a:endParaRPr lang="en-US" dirty="0"/>
+          </a:p>
+        </p:txBody>
+      </p:sp>
+      <p:sp>
+        <p:nvSpPr>
+          <p:cNvPr id="5" name="Content Placeholder 4"/>
+          <p:cNvSpPr>
+            <a:spLocks noGrp="1"/>
+          </p:cNvSpPr>
+          <p:nvPr>
+            <p:ph sz="half" idx="2"/>
+          </p:nvPr>
+        </p:nvSpPr>
+        <p:spPr/>
+        <p:txBody>
+          <a:bodyPr/>
+          <a:lstStyle/>
+          <a:p>
+            <a:endParaRPr lang="en-US"/>
           </a:p>
         </p:txBody>
       </p:sp>
       <p:pic>
         <p:nvPicPr>
-          <p:cNvPr id="6" name="Content Placeholder 5"/>
+          <p:cNvPr id="9" name="Picture 8"/>
           <p:cNvPicPr>
-            <a:picLocks noGrp="1" noChangeAspect="1"/>
+            <a:picLocks noChangeAspect="1"/>
           </p:cNvPicPr>
-          <p:nvPr>
-            <p:ph sz="half" idx="1"/>
-          </p:nvPr>
+          <p:nvPr/>
         </p:nvPicPr>
         <p:blipFill>
           <a:blip r:embed="rId2"/>
@@ -10392,8 +10501,8 @@
         </p:blipFill>
         <p:spPr>
           <a:xfrm>
-            <a:off x="533400" y="2286000"/>
-            <a:ext cx="3143250" cy="2238375"/>
+            <a:off x="4589106" y="2283851"/>
+            <a:ext cx="4076700" cy="2352675"/>
           </a:xfrm>
           <a:prstGeom prst="rect">
             <a:avLst/>
@@ -10402,13 +10511,11 @@
       </p:pic>
       <p:pic>
         <p:nvPicPr>
-          <p:cNvPr id="7" name="Content Placeholder 6"/>
+          <p:cNvPr id="10" name="Picture 9"/>
           <p:cNvPicPr>
-            <a:picLocks noGrp="1" noChangeAspect="1"/>
+            <a:picLocks noChangeAspect="1"/>
           </p:cNvPicPr>
-          <p:nvPr>
-            <p:ph sz="half" idx="2"/>
-          </p:nvPr>
+          <p:nvPr/>
         </p:nvPicPr>
         <p:blipFill>
           <a:blip r:embed="rId3"/>
@@ -10418,8 +10525,8 @@
         </p:blipFill>
         <p:spPr>
           <a:xfrm>
-            <a:off x="4876800" y="2057400"/>
-            <a:ext cx="2667000" cy="3057525"/>
+            <a:off x="719137" y="2696536"/>
+            <a:ext cx="3514725" cy="1943100"/>
           </a:xfrm>
           <a:prstGeom prst="rect">
             <a:avLst/>
@@ -10429,7 +10536,7 @@
     </p:spTree>
     <p:extLst>
       <p:ext uri="{BB962C8B-B14F-4D97-AF65-F5344CB8AC3E}">
-        <p14:creationId xmlns:p14="http://schemas.microsoft.com/office/powerpoint/2010/main" val="1830256283"/>
+        <p14:creationId xmlns:p14="http://schemas.microsoft.com/office/powerpoint/2010/main" val="1684306625"/>
       </p:ext>
     </p:extLst>
   </p:cSld>
@@ -10465,46 +10572,6 @@
       </p:grpSpPr>
       <p:sp>
         <p:nvSpPr>
-          <p:cNvPr id="8" name="Rectangle 7"/>
-          <p:cNvSpPr/>
-          <p:nvPr/>
-        </p:nvSpPr>
-        <p:spPr>
-          <a:xfrm>
-            <a:off x="2895600" y="3657600"/>
-            <a:ext cx="1066800" cy="609600"/>
-          </a:xfrm>
-          <a:prstGeom prst="rect">
-            <a:avLst/>
-          </a:prstGeom>
-        </p:spPr>
-        <p:style>
-          <a:lnRef idx="2">
-            <a:schemeClr val="accent1">
-              <a:shade val="50000"/>
-            </a:schemeClr>
-          </a:lnRef>
-          <a:fillRef idx="1">
-            <a:schemeClr val="accent1"/>
-          </a:fillRef>
-          <a:effectRef idx="0">
-            <a:schemeClr val="accent1"/>
-          </a:effectRef>
-          <a:fontRef idx="minor">
-            <a:schemeClr val="lt1"/>
-          </a:fontRef>
-        </p:style>
-        <p:txBody>
-          <a:bodyPr rtlCol="0" anchor="ctr"/>
-          <a:lstStyle/>
-          <a:p>
-            <a:pPr algn="ctr"/>
-            <a:endParaRPr lang="en-US"/>
-          </a:p>
-        </p:txBody>
-      </p:sp>
-      <p:sp>
-        <p:nvSpPr>
           <p:cNvPr id="2" name="Title 1"/>
           <p:cNvSpPr>
             <a:spLocks noGrp="1"/>
@@ -10521,58 +10588,34 @@
           <a:lstStyle/>
           <a:p>
             <a:r>
+              <a:rPr lang="en-US" sz="3000" dirty="0"/>
+              <a:t>Using PROC </a:t>
+            </a:r>
+            <a:r>
+              <a:rPr lang="en-US" sz="3000" dirty="0"/>
+              <a:t>FREQ </a:t>
+            </a:r>
+            <a:r>
               <a:rPr lang="en-US" sz="3000" dirty="0" smtClean="0"/>
-              <a:t>Using PROC FREQ</a:t>
+              <a:t>(3/4</a:t>
+            </a:r>
+            <a:r>
+              <a:rPr lang="en-US" sz="3000" dirty="0"/>
+              <a:t>)</a:t>
             </a:r>
             <a:endParaRPr lang="en-US" sz="3000" dirty="0"/>
-          </a:p>
-        </p:txBody>
-      </p:sp>
-      <p:sp>
-        <p:nvSpPr>
-          <p:cNvPr id="3" name="Content Placeholder 2"/>
-          <p:cNvSpPr>
-            <a:spLocks noGrp="1"/>
-          </p:cNvSpPr>
-          <p:nvPr>
-            <p:ph sz="half" idx="1"/>
-          </p:nvPr>
-        </p:nvSpPr>
-        <p:spPr/>
-        <p:txBody>
-          <a:bodyPr/>
-          <a:lstStyle/>
-          <a:p>
-            <a:endParaRPr lang="en-US" dirty="0"/>
-          </a:p>
-        </p:txBody>
-      </p:sp>
-      <p:sp>
-        <p:nvSpPr>
-          <p:cNvPr id="5" name="Content Placeholder 4"/>
-          <p:cNvSpPr>
-            <a:spLocks noGrp="1"/>
-          </p:cNvSpPr>
-          <p:nvPr>
-            <p:ph sz="half" idx="2"/>
-          </p:nvPr>
-        </p:nvSpPr>
-        <p:spPr/>
-        <p:txBody>
-          <a:bodyPr/>
-          <a:lstStyle/>
-          <a:p>
-            <a:endParaRPr lang="en-US"/>
           </a:p>
         </p:txBody>
       </p:sp>
       <p:pic>
         <p:nvPicPr>
-          <p:cNvPr id="9" name="Picture 8"/>
+          <p:cNvPr id="5" name="Content Placeholder 4"/>
           <p:cNvPicPr>
-            <a:picLocks noChangeAspect="1"/>
+            <a:picLocks noGrp="1" noChangeAspect="1"/>
           </p:cNvPicPr>
-          <p:nvPr/>
+          <p:nvPr>
+            <p:ph sz="half" idx="1"/>
+          </p:nvPr>
         </p:nvPicPr>
         <p:blipFill>
           <a:blip r:embed="rId2"/>
@@ -10582,17 +10625,36 @@
         </p:blipFill>
         <p:spPr>
           <a:xfrm>
-            <a:off x="4589106" y="2283851"/>
-            <a:ext cx="4076700" cy="2352675"/>
+            <a:off x="533400" y="1584649"/>
+            <a:ext cx="3100084" cy="4525963"/>
           </a:xfrm>
           <a:prstGeom prst="rect">
             <a:avLst/>
           </a:prstGeom>
         </p:spPr>
       </p:pic>
+      <p:sp>
+        <p:nvSpPr>
+          <p:cNvPr id="4" name="Content Placeholder 3"/>
+          <p:cNvSpPr>
+            <a:spLocks noGrp="1"/>
+          </p:cNvSpPr>
+          <p:nvPr>
+            <p:ph sz="half" idx="2"/>
+          </p:nvPr>
+        </p:nvSpPr>
+        <p:spPr/>
+        <p:txBody>
+          <a:bodyPr/>
+          <a:lstStyle/>
+          <a:p>
+            <a:endParaRPr lang="en-US"/>
+          </a:p>
+        </p:txBody>
+      </p:sp>
       <p:pic>
         <p:nvPicPr>
-          <p:cNvPr id="10" name="Picture 9"/>
+          <p:cNvPr id="6" name="Picture 5"/>
           <p:cNvPicPr>
             <a:picLocks noChangeAspect="1"/>
           </p:cNvPicPr>
@@ -10606,8 +10668,8 @@
         </p:blipFill>
         <p:spPr>
           <a:xfrm>
-            <a:off x="719137" y="2696536"/>
-            <a:ext cx="3514725" cy="1943100"/>
+            <a:off x="4953000" y="152400"/>
+            <a:ext cx="3962400" cy="6441587"/>
           </a:xfrm>
           <a:prstGeom prst="rect">
             <a:avLst/>
@@ -10617,7 +10679,7 @@
     </p:spTree>
     <p:extLst>
       <p:ext uri="{BB962C8B-B14F-4D97-AF65-F5344CB8AC3E}">
-        <p14:creationId xmlns:p14="http://schemas.microsoft.com/office/powerpoint/2010/main" val="1684306625"/>
+        <p14:creationId xmlns:p14="http://schemas.microsoft.com/office/powerpoint/2010/main" val="2229345552"/>
       </p:ext>
     </p:extLst>
   </p:cSld>
@@ -10670,8 +10732,96 @@
           <a:p>
             <a:r>
               <a:rPr lang="en-US" sz="3000" dirty="0"/>
-              <a:t>Using PROC FREQ</a:t>
-            </a:r>
+              <a:t>Using PROC </a:t>
+            </a:r>
+            <a:r>
+              <a:rPr lang="en-US" sz="3000" dirty="0"/>
+              <a:t>FREQ </a:t>
+            </a:r>
+            <a:r>
+              <a:rPr lang="en-US" sz="3000" dirty="0" smtClean="0"/>
+              <a:t>(4/4</a:t>
+            </a:r>
+            <a:r>
+              <a:rPr lang="en-US" sz="3000" dirty="0"/>
+              <a:t>)</a:t>
+            </a:r>
+            <a:endParaRPr lang="en-US" sz="3000" dirty="0"/>
+          </a:p>
+        </p:txBody>
+      </p:sp>
+      <p:sp>
+        <p:nvSpPr>
+          <p:cNvPr id="3" name="Content Placeholder 2"/>
+          <p:cNvSpPr>
+            <a:spLocks noGrp="1"/>
+          </p:cNvSpPr>
+          <p:nvPr>
+            <p:ph sz="half" idx="1"/>
+          </p:nvPr>
+        </p:nvSpPr>
+        <p:spPr/>
+        <p:txBody>
+          <a:bodyPr/>
+          <a:lstStyle/>
+          <a:p>
+            <a:pPr marL="0" indent="0">
+              <a:buNone/>
+            </a:pPr>
+            <a:r>
+              <a:rPr lang="en-US" dirty="0">
+                <a:solidFill>
+                  <a:srgbClr val="FF0000"/>
+                </a:solidFill>
+              </a:rPr>
+              <a:t>%</a:t>
+            </a:r>
+            <a:r>
+              <a:rPr lang="en-US" dirty="0" err="1">
+                <a:solidFill>
+                  <a:srgbClr val="FF0000"/>
+                </a:solidFill>
+              </a:rPr>
+              <a:t>CI_freq</a:t>
+            </a:r>
+            <a:r>
+              <a:rPr lang="en-US" dirty="0">
+                <a:solidFill>
+                  <a:srgbClr val="FF0000"/>
+                </a:solidFill>
+              </a:rPr>
+              <a:t>(r=81,n=263)</a:t>
+            </a:r>
+            <a:br>
+              <a:rPr lang="en-US" dirty="0">
+                <a:solidFill>
+                  <a:srgbClr val="FF0000"/>
+                </a:solidFill>
+              </a:rPr>
+            </a:br>
+            <a:r>
+              <a:rPr lang="en-US" dirty="0">
+                <a:solidFill>
+                  <a:srgbClr val="FF0000"/>
+                </a:solidFill>
+              </a:rPr>
+              <a:t/>
+            </a:r>
+            <a:br>
+              <a:rPr lang="en-US" dirty="0">
+                <a:solidFill>
+                  <a:srgbClr val="FF0000"/>
+                </a:solidFill>
+              </a:rPr>
+            </a:br>
+            <a:endParaRPr lang="en-US" dirty="0">
+              <a:solidFill>
+                <a:srgbClr val="FF0000"/>
+              </a:solidFill>
+            </a:endParaRPr>
+          </a:p>
+          <a:p>
+            <a:endParaRPr lang="en-US" dirty="0"/>
           </a:p>
         </p:txBody>
       </p:sp>
@@ -10682,7 +10832,7 @@
             <a:picLocks noGrp="1" noChangeAspect="1"/>
           </p:cNvPicPr>
           <p:nvPr>
-            <p:ph sz="half" idx="1"/>
+            <p:ph sz="half" idx="2"/>
           </p:nvPr>
         </p:nvPicPr>
         <p:blipFill>
@@ -10693,51 +10843,8 @@
         </p:blipFill>
         <p:spPr>
           <a:xfrm>
-            <a:off x="533400" y="1584649"/>
-            <a:ext cx="3100084" cy="4525963"/>
-          </a:xfrm>
-          <a:prstGeom prst="rect">
-            <a:avLst/>
-          </a:prstGeom>
-        </p:spPr>
-      </p:pic>
-      <p:sp>
-        <p:nvSpPr>
-          <p:cNvPr id="4" name="Content Placeholder 3"/>
-          <p:cNvSpPr>
-            <a:spLocks noGrp="1"/>
-          </p:cNvSpPr>
-          <p:nvPr>
-            <p:ph sz="half" idx="2"/>
-          </p:nvPr>
-        </p:nvSpPr>
-        <p:spPr/>
-        <p:txBody>
-          <a:bodyPr/>
-          <a:lstStyle/>
-          <a:p>
-            <a:endParaRPr lang="en-US"/>
-          </a:p>
-        </p:txBody>
-      </p:sp>
-      <p:pic>
-        <p:nvPicPr>
-          <p:cNvPr id="6" name="Picture 5"/>
-          <p:cNvPicPr>
-            <a:picLocks noChangeAspect="1"/>
-          </p:cNvPicPr>
-          <p:nvPr/>
-        </p:nvPicPr>
-        <p:blipFill>
-          <a:blip r:embed="rId3"/>
-          <a:stretch>
-            <a:fillRect/>
-          </a:stretch>
-        </p:blipFill>
-        <p:spPr>
-          <a:xfrm>
-            <a:off x="4724400" y="228600"/>
-            <a:ext cx="3962400" cy="6441587"/>
+            <a:off x="4648200" y="2376844"/>
+            <a:ext cx="4038600" cy="2972674"/>
           </a:xfrm>
           <a:prstGeom prst="rect">
             <a:avLst/>
@@ -10747,7 +10854,7 @@
     </p:spTree>
     <p:extLst>
       <p:ext uri="{BB962C8B-B14F-4D97-AF65-F5344CB8AC3E}">
-        <p14:creationId xmlns:p14="http://schemas.microsoft.com/office/powerpoint/2010/main" val="2229345552"/>
+        <p14:creationId xmlns:p14="http://schemas.microsoft.com/office/powerpoint/2010/main" val="3906081019"/>
       </p:ext>
     </p:extLst>
   </p:cSld>
@@ -10783,7 +10890,7 @@
       </p:grpSpPr>
       <p:sp>
         <p:nvSpPr>
-          <p:cNvPr id="2" name="Title 1"/>
+          <p:cNvPr id="5" name="Title 4"/>
           <p:cNvSpPr>
             <a:spLocks noGrp="1"/>
           </p:cNvSpPr>
@@ -10793,241 +10900,141 @@
         </p:nvSpPr>
         <p:spPr/>
         <p:txBody>
-          <a:bodyPr>
-            <a:normAutofit/>
-          </a:bodyPr>
-          <a:lstStyle/>
-          <a:p>
-            <a:r>
-              <a:rPr lang="en-US" sz="3000" dirty="0"/>
-              <a:t>Using PROC FREQ</a:t>
-            </a:r>
-          </a:p>
-        </p:txBody>
-      </p:sp>
-      <p:sp>
-        <p:nvSpPr>
-          <p:cNvPr id="3" name="Content Placeholder 2"/>
-          <p:cNvSpPr>
-            <a:spLocks noGrp="1"/>
-          </p:cNvSpPr>
-          <p:nvPr>
-            <p:ph sz="half" idx="1"/>
-          </p:nvPr>
-        </p:nvSpPr>
-        <p:spPr/>
-        <p:txBody>
-          <a:bodyPr/>
-          <a:lstStyle/>
+          <a:bodyPr/>
+          <a:lstStyle/>
+          <a:p>
+            <a:r>
+              <a:rPr lang="en-US" dirty="0" smtClean="0"/>
+              <a:t>What’s next</a:t>
+            </a:r>
+            <a:endParaRPr lang="en-US" dirty="0"/>
+          </a:p>
+        </p:txBody>
+      </p:sp>
+      <p:sp>
+        <p:nvSpPr>
+          <p:cNvPr id="6" name="Content Placeholder 5"/>
+          <p:cNvSpPr>
+            <a:spLocks noGrp="1"/>
+          </p:cNvSpPr>
+          <p:nvPr>
+            <p:ph idx="1"/>
+          </p:nvPr>
+        </p:nvSpPr>
+        <p:spPr>
+          <a:xfrm>
+            <a:off x="457200" y="1371600"/>
+            <a:ext cx="8229600" cy="4754563"/>
+          </a:xfrm>
+        </p:spPr>
+        <p:txBody>
+          <a:bodyPr/>
+          <a:lstStyle/>
+          <a:p>
+            <a:r>
+              <a:rPr lang="en-US" dirty="0" smtClean="0"/>
+              <a:t>PROC MCMC</a:t>
+            </a:r>
+          </a:p>
           <a:p>
             <a:pPr marL="0" indent="0">
               <a:buNone/>
             </a:pPr>
-            <a:r>
-              <a:rPr lang="en-US" dirty="0">
-                <a:solidFill>
-                  <a:srgbClr val="FF0000"/>
-                </a:solidFill>
-              </a:rPr>
-              <a:t>%</a:t>
-            </a:r>
-            <a:r>
-              <a:rPr lang="en-US" dirty="0" err="1">
-                <a:solidFill>
-                  <a:srgbClr val="FF0000"/>
-                </a:solidFill>
-              </a:rPr>
-              <a:t>CI_freq</a:t>
-            </a:r>
-            <a:r>
-              <a:rPr lang="en-US" dirty="0">
-                <a:solidFill>
-                  <a:srgbClr val="FF0000"/>
-                </a:solidFill>
-              </a:rPr>
-              <a:t>(r=81,n=263)</a:t>
+            <a:endParaRPr lang="en-US" dirty="0" smtClean="0"/>
+          </a:p>
+          <a:p>
+            <a:r>
+              <a:rPr lang="en-US" dirty="0" smtClean="0"/>
+              <a:t>Put macros to functions</a:t>
+            </a:r>
+          </a:p>
+          <a:p>
+            <a:endParaRPr lang="en-US" dirty="0"/>
+          </a:p>
+          <a:p>
+            <a:r>
+              <a:rPr lang="en-US" i="1" dirty="0" smtClean="0"/>
+              <a:t>CI for difference </a:t>
+            </a:r>
+            <a:r>
+              <a:rPr lang="en-US" i="1" dirty="0"/>
+              <a:t>between independent proportions</a:t>
+            </a:r>
+            <a:r>
+              <a:rPr lang="en-US" dirty="0"/>
+              <a:t/>
             </a:r>
             <a:br>
-              <a:rPr lang="en-US" dirty="0">
-                <a:solidFill>
-                  <a:srgbClr val="FF0000"/>
-                </a:solidFill>
-              </a:rPr>
+              <a:rPr lang="en-US" dirty="0"/>
             </a:br>
-            <a:r>
-              <a:rPr lang="en-US" dirty="0">
-                <a:solidFill>
-                  <a:srgbClr val="FF0000"/>
-                </a:solidFill>
-              </a:rPr>
-              <a:t/>
-            </a:r>
-            <a:br>
-              <a:rPr lang="en-US" dirty="0">
-                <a:solidFill>
-                  <a:srgbClr val="FF0000"/>
-                </a:solidFill>
-              </a:rPr>
-            </a:br>
-            <a:endParaRPr lang="en-US" dirty="0">
-              <a:solidFill>
-                <a:srgbClr val="FF0000"/>
-              </a:solidFill>
-            </a:endParaRPr>
-          </a:p>
-          <a:p>
-            <a:endParaRPr lang="en-US" dirty="0"/>
+            <a:endParaRPr lang="en-US" dirty="0" smtClean="0"/>
+          </a:p>
+          <a:p>
+            <a:pPr marL="0" indent="0">
+              <a:buNone/>
+            </a:pPr>
+            <a:r>
+              <a:rPr lang="en-US" sz="1500" b="1" i="1" dirty="0" smtClean="0"/>
+              <a:t>Interval </a:t>
+            </a:r>
+            <a:r>
+              <a:rPr lang="en-US" sz="1500" b="1" i="1" dirty="0"/>
+              <a:t>estimation for the difference between independent proportions: </a:t>
+            </a:r>
+            <a:r>
+              <a:rPr lang="en-US" sz="1500" b="1" i="1" dirty="0" smtClean="0"/>
+              <a:t>comparison </a:t>
+            </a:r>
+            <a:r>
+              <a:rPr lang="en-US" sz="1500" b="1" i="1" dirty="0"/>
+              <a:t>of eleven methods. </a:t>
+            </a:r>
+            <a:r>
+              <a:rPr lang="en-US" sz="1500" b="1" dirty="0" err="1" smtClean="0"/>
+              <a:t>Newcombe</a:t>
+            </a:r>
+            <a:r>
+              <a:rPr lang="en-US" sz="1500" b="1" dirty="0" smtClean="0"/>
+              <a:t> </a:t>
+            </a:r>
+            <a:r>
+              <a:rPr lang="en-US" sz="1500" b="1" dirty="0"/>
+              <a:t>RG, Stat Med , Volume 17 , 8 (April 1998) pp.873-890</a:t>
+            </a:r>
+            <a:endParaRPr lang="en-US" sz="1500" b="1" dirty="0"/>
           </a:p>
         </p:txBody>
       </p:sp>
       <p:pic>
         <p:nvPicPr>
-          <p:cNvPr id="5" name="Content Placeholder 4"/>
+          <p:cNvPr id="4" name="Picture 3"/>
           <p:cNvPicPr>
-            <a:picLocks noGrp="1" noChangeAspect="1"/>
+            <a:picLocks noChangeAspect="1"/>
           </p:cNvPicPr>
-          <p:nvPr>
-            <p:ph sz="half" idx="2"/>
-          </p:nvPr>
+          <p:nvPr/>
         </p:nvPicPr>
         <p:blipFill>
-          <a:blip r:embed="rId2"/>
+          <a:blip r:embed="rId2">
+            <a:extLst>
+              <a:ext uri="{28A0092B-C50C-407E-A947-70E740481C1C}">
+                <a14:useLocalDpi xmlns:a14="http://schemas.microsoft.com/office/drawing/2010/main" val="0"/>
+              </a:ext>
+            </a:extLst>
+          </a:blip>
           <a:stretch>
             <a:fillRect/>
           </a:stretch>
         </p:blipFill>
         <p:spPr>
           <a:xfrm>
-            <a:off x="4648200" y="2376844"/>
-            <a:ext cx="4038600" cy="2972674"/>
+            <a:off x="6477000" y="1524000"/>
+            <a:ext cx="1905000" cy="1905000"/>
           </a:xfrm>
           <a:prstGeom prst="rect">
             <a:avLst/>
           </a:prstGeom>
         </p:spPr>
       </p:pic>
-    </p:spTree>
-    <p:extLst>
-      <p:ext uri="{BB962C8B-B14F-4D97-AF65-F5344CB8AC3E}">
-        <p14:creationId xmlns:p14="http://schemas.microsoft.com/office/powerpoint/2010/main" val="3906081019"/>
-      </p:ext>
-    </p:extLst>
-  </p:cSld>
-  <p:clrMapOvr>
-    <a:masterClrMapping/>
-  </p:clrMapOvr>
-  <p:timing>
-    <p:tnLst>
-      <p:par>
-        <p:cTn id="1" dur="indefinite" restart="never" nodeType="tmRoot"/>
-      </p:par>
-    </p:tnLst>
-  </p:timing>
-</p:sld>
-</file>
-
-<file path=ppt/slides/slide37.xml><?xml version="1.0" encoding="utf-8"?>
-<p:sld xmlns:a="http://schemas.openxmlformats.org/drawingml/2006/main" xmlns:r="http://schemas.openxmlformats.org/officeDocument/2006/relationships" xmlns:p="http://schemas.openxmlformats.org/presentationml/2006/main">
-  <p:cSld>
-    <p:spTree>
-      <p:nvGrpSpPr>
-        <p:cNvPr id="1" name=""/>
-        <p:cNvGrpSpPr/>
-        <p:nvPr/>
-      </p:nvGrpSpPr>
-      <p:grpSpPr>
-        <a:xfrm>
-          <a:off x="0" y="0"/>
-          <a:ext cx="0" cy="0"/>
-          <a:chOff x="0" y="0"/>
-          <a:chExt cx="0" cy="0"/>
-        </a:xfrm>
-      </p:grpSpPr>
-      <p:sp>
-        <p:nvSpPr>
-          <p:cNvPr id="5" name="Title 4"/>
-          <p:cNvSpPr>
-            <a:spLocks noGrp="1"/>
-          </p:cNvSpPr>
-          <p:nvPr>
-            <p:ph type="title"/>
-          </p:nvPr>
-        </p:nvSpPr>
-        <p:spPr/>
-        <p:txBody>
-          <a:bodyPr/>
-          <a:lstStyle/>
-          <a:p>
-            <a:r>
-              <a:rPr lang="en-US" dirty="0" smtClean="0"/>
-              <a:t>What’s next</a:t>
-            </a:r>
-            <a:endParaRPr lang="en-US" dirty="0"/>
-          </a:p>
-        </p:txBody>
-      </p:sp>
-      <p:sp>
-        <p:nvSpPr>
-          <p:cNvPr id="6" name="Content Placeholder 5"/>
-          <p:cNvSpPr>
-            <a:spLocks noGrp="1"/>
-          </p:cNvSpPr>
-          <p:nvPr>
-            <p:ph idx="1"/>
-          </p:nvPr>
-        </p:nvSpPr>
-        <p:spPr/>
-        <p:txBody>
-          <a:bodyPr/>
-          <a:lstStyle/>
-          <a:p>
-            <a:r>
-              <a:rPr lang="en-US" dirty="0" smtClean="0"/>
-              <a:t>PROC MCMC</a:t>
-            </a:r>
-          </a:p>
-          <a:p>
-            <a:pPr marL="0" indent="0">
-              <a:buNone/>
-            </a:pPr>
-            <a:endParaRPr lang="en-US" dirty="0" smtClean="0"/>
-          </a:p>
-          <a:p>
-            <a:r>
-              <a:rPr lang="en-US" dirty="0" smtClean="0"/>
-              <a:t>Put macros to functions</a:t>
-            </a:r>
-          </a:p>
-          <a:p>
-            <a:endParaRPr lang="en-US" dirty="0"/>
-          </a:p>
-          <a:p>
-            <a:r>
-              <a:rPr lang="en-US" i="1" dirty="0" smtClean="0"/>
-              <a:t>CI for difference </a:t>
-            </a:r>
-            <a:r>
-              <a:rPr lang="en-US" i="1" dirty="0"/>
-              <a:t>between independent proportions</a:t>
-            </a:r>
-            <a:r>
-              <a:rPr lang="en-US" dirty="0"/>
-              <a:t/>
-            </a:r>
-            <a:br>
-              <a:rPr lang="en-US" dirty="0"/>
-            </a:br>
-            <a:r>
-              <a:rPr lang="en-US" dirty="0"/>
-              <a:t/>
-            </a:r>
-            <a:br>
-              <a:rPr lang="en-US" dirty="0"/>
-            </a:br>
-            <a:endParaRPr lang="en-US" dirty="0"/>
-          </a:p>
-        </p:txBody>
-      </p:sp>
     </p:spTree>
     <p:extLst>
       <p:ext uri="{BB962C8B-B14F-4D97-AF65-F5344CB8AC3E}">
@@ -11599,12 +11606,6 @@
             <a:r>
               <a:rPr lang="en-US" b="1" dirty="0" smtClean="0"/>
               <a:t>The Story</a:t>
-            </a:r>
-          </a:p>
-          <a:p>
-            <a:r>
-              <a:rPr lang="en-US" b="1" dirty="0" smtClean="0"/>
-              <a:t>The Goal</a:t>
             </a:r>
           </a:p>
           <a:p>
